--- a/docs/songs_2022-10-02.pptx
+++ b/docs/songs_2022-10-02.pptx
@@ -5,7 +5,7 @@
     <p:sldMasterId id="2147483648" r:id="rId1"/>
   </p:sldMasterIdLst>
   <p:notesMasterIdLst>
-    <p:notesMasterId r:id="rId30"/>
+    <p:notesMasterId r:id="rId35"/>
   </p:notesMasterIdLst>
   <p:sldIdLst>
     <p:sldId id="459" r:id="rId2"/>
@@ -22,20 +22,25 @@
     <p:sldId id="658" r:id="rId13"/>
     <p:sldId id="659" r:id="rId14"/>
     <p:sldId id="660" r:id="rId15"/>
-    <p:sldId id="545" r:id="rId16"/>
-    <p:sldId id="546" r:id="rId17"/>
-    <p:sldId id="547" r:id="rId18"/>
-    <p:sldId id="548" r:id="rId19"/>
-    <p:sldId id="635" r:id="rId20"/>
-    <p:sldId id="465" r:id="rId21"/>
-    <p:sldId id="466" r:id="rId22"/>
-    <p:sldId id="467" r:id="rId23"/>
-    <p:sldId id="474" r:id="rId24"/>
-    <p:sldId id="695" r:id="rId25"/>
-    <p:sldId id="696" r:id="rId26"/>
-    <p:sldId id="605" r:id="rId27"/>
-    <p:sldId id="540" r:id="rId28"/>
-    <p:sldId id="706" r:id="rId29"/>
+    <p:sldId id="709" r:id="rId16"/>
+    <p:sldId id="710" r:id="rId17"/>
+    <p:sldId id="711" r:id="rId18"/>
+    <p:sldId id="712" r:id="rId19"/>
+    <p:sldId id="450" r:id="rId20"/>
+    <p:sldId id="605" r:id="rId21"/>
+    <p:sldId id="540" r:id="rId22"/>
+    <p:sldId id="706" r:id="rId23"/>
+    <p:sldId id="545" r:id="rId24"/>
+    <p:sldId id="546" r:id="rId25"/>
+    <p:sldId id="547" r:id="rId26"/>
+    <p:sldId id="548" r:id="rId27"/>
+    <p:sldId id="635" r:id="rId28"/>
+    <p:sldId id="465" r:id="rId29"/>
+    <p:sldId id="466" r:id="rId30"/>
+    <p:sldId id="467" r:id="rId31"/>
+    <p:sldId id="474" r:id="rId32"/>
+    <p:sldId id="695" r:id="rId33"/>
+    <p:sldId id="696" r:id="rId34"/>
   </p:sldIdLst>
   <p:sldSz cx="9144000" cy="6858000" type="screen4x3"/>
   <p:notesSz cx="6858000" cy="9144000"/>
@@ -235,7 +240,7 @@
           <a:p>
             <a:fld id="{C57EAEFC-A9C7-464E-BE3F-33D4DD72E122}" type="datetimeFigureOut">
               <a:rPr lang="en-GB" smtClean="0"/>
-              <a:t>25/09/2022</a:t>
+              <a:t>26/09/2022</a:t>
             </a:fld>
             <a:endParaRPr lang="en-GB"/>
           </a:p>
@@ -685,7 +690,7 @@
             <a:fld id="{26EA1CF3-4A15-4CBF-9A5A-6A56C368BE71}" type="datetimeFigureOut">
               <a:rPr lang="en-GB" smtClean="0"/>
               <a:pPr/>
-              <a:t>25/09/2022</a:t>
+              <a:t>26/09/2022</a:t>
             </a:fld>
             <a:endParaRPr lang="en-GB"/>
           </a:p>
@@ -852,7 +857,7 @@
             <a:fld id="{26EA1CF3-4A15-4CBF-9A5A-6A56C368BE71}" type="datetimeFigureOut">
               <a:rPr lang="en-GB" smtClean="0"/>
               <a:pPr/>
-              <a:t>25/09/2022</a:t>
+              <a:t>26/09/2022</a:t>
             </a:fld>
             <a:endParaRPr lang="en-GB"/>
           </a:p>
@@ -1029,7 +1034,7 @@
             <a:fld id="{26EA1CF3-4A15-4CBF-9A5A-6A56C368BE71}" type="datetimeFigureOut">
               <a:rPr lang="en-GB" smtClean="0"/>
               <a:pPr/>
-              <a:t>25/09/2022</a:t>
+              <a:t>26/09/2022</a:t>
             </a:fld>
             <a:endParaRPr lang="en-GB"/>
           </a:p>
@@ -1196,7 +1201,7 @@
             <a:fld id="{26EA1CF3-4A15-4CBF-9A5A-6A56C368BE71}" type="datetimeFigureOut">
               <a:rPr lang="en-GB" smtClean="0"/>
               <a:pPr/>
-              <a:t>25/09/2022</a:t>
+              <a:t>26/09/2022</a:t>
             </a:fld>
             <a:endParaRPr lang="en-GB"/>
           </a:p>
@@ -1439,7 +1444,7 @@
             <a:fld id="{26EA1CF3-4A15-4CBF-9A5A-6A56C368BE71}" type="datetimeFigureOut">
               <a:rPr lang="en-GB" smtClean="0"/>
               <a:pPr/>
-              <a:t>25/09/2022</a:t>
+              <a:t>26/09/2022</a:t>
             </a:fld>
             <a:endParaRPr lang="en-GB"/>
           </a:p>
@@ -1724,7 +1729,7 @@
             <a:fld id="{26EA1CF3-4A15-4CBF-9A5A-6A56C368BE71}" type="datetimeFigureOut">
               <a:rPr lang="en-GB" smtClean="0"/>
               <a:pPr/>
-              <a:t>25/09/2022</a:t>
+              <a:t>26/09/2022</a:t>
             </a:fld>
             <a:endParaRPr lang="en-GB"/>
           </a:p>
@@ -2143,7 +2148,7 @@
             <a:fld id="{26EA1CF3-4A15-4CBF-9A5A-6A56C368BE71}" type="datetimeFigureOut">
               <a:rPr lang="en-GB" smtClean="0"/>
               <a:pPr/>
-              <a:t>25/09/2022</a:t>
+              <a:t>26/09/2022</a:t>
             </a:fld>
             <a:endParaRPr lang="en-GB"/>
           </a:p>
@@ -2258,7 +2263,7 @@
             <a:fld id="{26EA1CF3-4A15-4CBF-9A5A-6A56C368BE71}" type="datetimeFigureOut">
               <a:rPr lang="en-GB" smtClean="0"/>
               <a:pPr/>
-              <a:t>25/09/2022</a:t>
+              <a:t>26/09/2022</a:t>
             </a:fld>
             <a:endParaRPr lang="en-GB"/>
           </a:p>
@@ -2350,7 +2355,7 @@
             <a:fld id="{26EA1CF3-4A15-4CBF-9A5A-6A56C368BE71}" type="datetimeFigureOut">
               <a:rPr lang="en-GB" smtClean="0"/>
               <a:pPr/>
-              <a:t>25/09/2022</a:t>
+              <a:t>26/09/2022</a:t>
             </a:fld>
             <a:endParaRPr lang="en-GB"/>
           </a:p>
@@ -2624,7 +2629,7 @@
             <a:fld id="{26EA1CF3-4A15-4CBF-9A5A-6A56C368BE71}" type="datetimeFigureOut">
               <a:rPr lang="en-GB" smtClean="0"/>
               <a:pPr/>
-              <a:t>25/09/2022</a:t>
+              <a:t>26/09/2022</a:t>
             </a:fld>
             <a:endParaRPr lang="en-GB"/>
           </a:p>
@@ -2874,7 +2879,7 @@
             <a:fld id="{26EA1CF3-4A15-4CBF-9A5A-6A56C368BE71}" type="datetimeFigureOut">
               <a:rPr lang="en-GB" smtClean="0"/>
               <a:pPr/>
-              <a:t>25/09/2022</a:t>
+              <a:t>26/09/2022</a:t>
             </a:fld>
             <a:endParaRPr lang="en-GB"/>
           </a:p>
@@ -3087,7 +3092,7 @@
             <a:fld id="{26EA1CF3-4A15-4CBF-9A5A-6A56C368BE71}" type="datetimeFigureOut">
               <a:rPr lang="en-GB" smtClean="0"/>
               <a:pPr/>
-              <a:t>25/09/2022</a:t>
+              <a:t>26/09/2022</a:t>
             </a:fld>
             <a:endParaRPr lang="en-GB"/>
           </a:p>
@@ -4337,231 +4342,24 @@
             </a:endParaRPr>
           </a:p>
           <a:p>
-            <a:endParaRPr lang="en-GB" sz="5400" b="0" i="0" dirty="0">
-              <a:solidFill>
-                <a:schemeClr val="bg1"/>
-              </a:solidFill>
-              <a:effectLst/>
-              <a:latin typeface="akagi_probook"/>
-            </a:endParaRPr>
-          </a:p>
-          <a:p>
-            <a:r>
-              <a:rPr lang="en-GB" sz="6600" b="0" i="0" dirty="0">
+            <a:r>
+              <a:rPr lang="en-GB" sz="6600" dirty="0">
                 <a:solidFill>
                   <a:srgbClr val="00A3E0"/>
                 </a:solidFill>
-                <a:effectLst/>
                 <a:latin typeface="akagi_probook"/>
               </a:rPr>
-              <a:t>My Worship</a:t>
-            </a:r>
-          </a:p>
-          <a:p>
-            <a:br>
-              <a:rPr lang="en-GB" sz="900" b="0" i="0" dirty="0">
-                <a:solidFill>
-                  <a:srgbClr val="717171"/>
-                </a:solidFill>
-                <a:effectLst/>
-                <a:latin typeface="akagi_probook"/>
-              </a:rPr>
-            </a:br>
-            <a:r>
-              <a:rPr lang="en-GB" sz="900" b="0" i="0" dirty="0">
-                <a:solidFill>
-                  <a:srgbClr val="717171"/>
-                </a:solidFill>
-                <a:effectLst/>
-                <a:latin typeface="akagi_probook"/>
-              </a:rPr>
-              <a:t>CCLI Song # 7098688</a:t>
-            </a:r>
-          </a:p>
-          <a:p>
-            <a:endParaRPr lang="en-GB" sz="900" b="0" i="0" dirty="0">
-              <a:solidFill>
-                <a:srgbClr val="717171"/>
-              </a:solidFill>
-              <a:effectLst/>
-              <a:latin typeface="akagi_probook"/>
-            </a:endParaRPr>
-          </a:p>
-          <a:p>
-            <a:r>
-              <a:rPr lang="en-GB" sz="900" b="0" i="0" dirty="0">
-                <a:solidFill>
-                  <a:srgbClr val="717171"/>
-                </a:solidFill>
-                <a:effectLst/>
-                <a:latin typeface="akagi_probook"/>
-              </a:rPr>
-              <a:t>Philip Nathan Thompson | </a:t>
-            </a:r>
-            <a:r>
-              <a:rPr lang="en-GB" sz="900" b="0" i="0" dirty="0" err="1">
-                <a:solidFill>
-                  <a:srgbClr val="717171"/>
-                </a:solidFill>
-                <a:effectLst/>
-                <a:latin typeface="akagi_probook"/>
-              </a:rPr>
-              <a:t>Zenzo</a:t>
-            </a:r>
-            <a:r>
-              <a:rPr lang="en-GB" sz="900" b="0" i="0" dirty="0">
-                <a:solidFill>
-                  <a:srgbClr val="717171"/>
-                </a:solidFill>
-                <a:effectLst/>
-                <a:latin typeface="akagi_probook"/>
-              </a:rPr>
-              <a:t> </a:t>
-            </a:r>
-            <a:r>
-              <a:rPr lang="en-GB" sz="900" b="0" i="0" dirty="0" err="1">
-                <a:solidFill>
-                  <a:srgbClr val="717171"/>
-                </a:solidFill>
-                <a:effectLst/>
-                <a:latin typeface="akagi_probook"/>
-              </a:rPr>
-              <a:t>Matoga</a:t>
-            </a:r>
-            <a:endParaRPr lang="en-GB" sz="900" b="0" i="0" dirty="0">
-              <a:solidFill>
-                <a:srgbClr val="717171"/>
-              </a:solidFill>
-              <a:effectLst/>
-              <a:latin typeface="akagi_probook"/>
-            </a:endParaRPr>
-          </a:p>
-          <a:p>
-            <a:endParaRPr lang="en-GB" sz="900" b="0" i="0" dirty="0">
-              <a:solidFill>
-                <a:srgbClr val="717171"/>
-              </a:solidFill>
-              <a:effectLst/>
-              <a:latin typeface="akagi_probook"/>
-            </a:endParaRPr>
-          </a:p>
-          <a:p>
-            <a:r>
-              <a:rPr lang="en-GB" sz="900" b="0" i="0" dirty="0">
-                <a:solidFill>
-                  <a:srgbClr val="717171"/>
-                </a:solidFill>
-                <a:effectLst/>
-                <a:latin typeface="akagi_probook"/>
-              </a:rPr>
-              <a:t>© 2017 Integrity Worship Music (Admin. by Integrity Music Ltd)</a:t>
-            </a:r>
-          </a:p>
-          <a:p>
-            <a:r>
-              <a:rPr lang="en-GB" sz="900" b="0" i="0" dirty="0">
-                <a:solidFill>
-                  <a:srgbClr val="717171"/>
-                </a:solidFill>
-                <a:effectLst/>
-                <a:latin typeface="akagi_probook"/>
-              </a:rPr>
-              <a:t>Phil Thompson Worship (Admin. by Integrity Music Ltd)</a:t>
-            </a:r>
-          </a:p>
-          <a:p>
-            <a:r>
-              <a:rPr lang="en-GB" sz="900" b="0" i="0" dirty="0" err="1">
-                <a:solidFill>
-                  <a:srgbClr val="717171"/>
-                </a:solidFill>
-                <a:effectLst/>
-                <a:latin typeface="akagi_probook"/>
-              </a:rPr>
-              <a:t>Zenzo</a:t>
-            </a:r>
-            <a:r>
-              <a:rPr lang="en-GB" sz="900" b="0" i="0" dirty="0">
-                <a:solidFill>
-                  <a:srgbClr val="717171"/>
-                </a:solidFill>
-                <a:effectLst/>
-                <a:latin typeface="akagi_probook"/>
-              </a:rPr>
-              <a:t> </a:t>
-            </a:r>
-            <a:r>
-              <a:rPr lang="en-GB" sz="900" b="0" i="0" dirty="0" err="1">
-                <a:solidFill>
-                  <a:srgbClr val="717171"/>
-                </a:solidFill>
-                <a:effectLst/>
-                <a:latin typeface="akagi_probook"/>
-              </a:rPr>
-              <a:t>Matoga</a:t>
-            </a:r>
-            <a:r>
-              <a:rPr lang="en-GB" sz="900" b="0" i="0" dirty="0">
-                <a:solidFill>
-                  <a:srgbClr val="717171"/>
-                </a:solidFill>
-                <a:effectLst/>
-                <a:latin typeface="akagi_probook"/>
-              </a:rPr>
-              <a:t> Music (Admin. by Integrity Music Ltd)</a:t>
-            </a:r>
-          </a:p>
-          <a:p>
-            <a:r>
-              <a:rPr lang="en-GB" sz="900" b="0" i="0" dirty="0">
-                <a:solidFill>
-                  <a:srgbClr val="717171"/>
-                </a:solidFill>
-                <a:effectLst/>
-                <a:latin typeface="akagi_probook"/>
-              </a:rPr>
-              <a:t>For use solely with the </a:t>
-            </a:r>
-            <a:r>
-              <a:rPr lang="en-GB" sz="900" b="0" i="0" dirty="0" err="1">
-                <a:solidFill>
-                  <a:srgbClr val="717171"/>
-                </a:solidFill>
-                <a:effectLst/>
-                <a:latin typeface="akagi_probook"/>
-              </a:rPr>
-              <a:t>SongSelect</a:t>
-            </a:r>
-            <a:r>
-              <a:rPr lang="en-GB" sz="900" b="0" i="0" dirty="0">
-                <a:solidFill>
-                  <a:srgbClr val="717171"/>
-                </a:solidFill>
-                <a:effectLst/>
-                <a:latin typeface="akagi_probook"/>
-              </a:rPr>
-              <a:t>® Terms of Use. All rights reserved. www.ccli.com</a:t>
-            </a:r>
-          </a:p>
-          <a:p>
-            <a:endParaRPr lang="en-GB" sz="900" b="0" i="0" dirty="0">
-              <a:solidFill>
-                <a:srgbClr val="717171"/>
-              </a:solidFill>
-              <a:effectLst/>
-              <a:latin typeface="akagi_probook"/>
-            </a:endParaRPr>
-          </a:p>
-          <a:p>
-            <a:r>
-              <a:rPr lang="en-GB" sz="900" b="0" i="0" dirty="0">
-                <a:solidFill>
-                  <a:srgbClr val="717171"/>
-                </a:solidFill>
-                <a:effectLst/>
-                <a:latin typeface="akagi_probook"/>
-              </a:rPr>
-              <a:t>CCLI Licence No. 33265</a:t>
+              <a:t>In Christ Alone</a:t>
+            </a:r>
+          </a:p>
+          <a:p>
+            <a:r>
+              <a:rPr lang="en-GB" sz="1200" dirty="0">
+                <a:solidFill>
+                  <a:schemeClr val="bg1"/>
+                </a:solidFill>
+              </a:rPr>
+              <a:t>CCLI Song # 3350395</a:t>
             </a:r>
           </a:p>
           <a:p>
@@ -4571,12 +4369,82 @@
               </a:solidFill>
             </a:endParaRPr>
           </a:p>
+          <a:p>
+            <a:r>
+              <a:rPr lang="en-GB" sz="1200" dirty="0">
+                <a:solidFill>
+                  <a:schemeClr val="bg1"/>
+                </a:solidFill>
+              </a:rPr>
+              <a:t>Keith Getty | Stuart Townend</a:t>
+            </a:r>
+          </a:p>
+          <a:p>
+            <a:endParaRPr lang="en-GB" sz="1200" dirty="0">
+              <a:solidFill>
+                <a:schemeClr val="bg1"/>
+              </a:solidFill>
+            </a:endParaRPr>
+          </a:p>
+          <a:p>
+            <a:r>
+              <a:rPr lang="en-GB" sz="1200" dirty="0">
+                <a:solidFill>
+                  <a:schemeClr val="bg1"/>
+                </a:solidFill>
+              </a:rPr>
+              <a:t>© 2001 Thankyou Music (Admin. by Integrity Music Ltd)</a:t>
+            </a:r>
+          </a:p>
+          <a:p>
+            <a:r>
+              <a:rPr lang="en-GB" sz="1200" dirty="0">
+                <a:solidFill>
+                  <a:schemeClr val="bg1"/>
+                </a:solidFill>
+              </a:rPr>
+              <a:t>For use solely with the </a:t>
+            </a:r>
+            <a:r>
+              <a:rPr lang="en-GB" sz="1200" dirty="0" err="1">
+                <a:solidFill>
+                  <a:schemeClr val="bg1"/>
+                </a:solidFill>
+              </a:rPr>
+              <a:t>SongSelect</a:t>
+            </a:r>
+            <a:r>
+              <a:rPr lang="en-GB" sz="1200" dirty="0">
+                <a:solidFill>
+                  <a:schemeClr val="bg1"/>
+                </a:solidFill>
+              </a:rPr>
+              <a:t>® Terms of Use. All rights reserved. www.ccli.com</a:t>
+            </a:r>
+          </a:p>
+          <a:p>
+            <a:endParaRPr lang="en-GB" sz="1200" dirty="0">
+              <a:solidFill>
+                <a:schemeClr val="bg1"/>
+              </a:solidFill>
+            </a:endParaRPr>
+          </a:p>
+          <a:p>
+            <a:r>
+              <a:rPr lang="en-GB" sz="1200" dirty="0">
+                <a:solidFill>
+                  <a:schemeClr val="bg1"/>
+                </a:solidFill>
+              </a:rPr>
+              <a:t>CCLI Licence No. 33265</a:t>
+            </a:r>
+          </a:p>
         </p:txBody>
       </p:sp>
     </p:spTree>
     <p:extLst>
       <p:ext uri="{BB962C8B-B14F-4D97-AF65-F5344CB8AC3E}">
-        <p14:creationId xmlns:p14="http://schemas.microsoft.com/office/powerpoint/2010/main" val="2186274046"/>
+        <p14:creationId xmlns:p14="http://schemas.microsoft.com/office/powerpoint/2010/main" val="3107317129"/>
       </p:ext>
     </p:extLst>
   </p:cSld>
@@ -4626,52 +4494,82 @@
           <a:lstStyle/>
           <a:p>
             <a:r>
-              <a:rPr lang="en-GB" sz="4400" dirty="0">
-                <a:solidFill>
-                  <a:schemeClr val="bg1"/>
-                </a:solidFill>
-              </a:rPr>
-              <a:t>You Lord</a:t>
-            </a:r>
-          </a:p>
-          <a:p>
-            <a:r>
-              <a:rPr lang="en-GB" sz="4400" dirty="0">
-                <a:solidFill>
-                  <a:schemeClr val="bg1"/>
-                </a:solidFill>
-              </a:rPr>
-              <a:t>You are worthy</a:t>
-            </a:r>
-          </a:p>
-          <a:p>
-            <a:r>
-              <a:rPr lang="en-GB" sz="4400" dirty="0">
-                <a:solidFill>
-                  <a:schemeClr val="bg1"/>
-                </a:solidFill>
-              </a:rPr>
-              <a:t>And no one can worship You for me</a:t>
-            </a:r>
-          </a:p>
-          <a:p>
-            <a:r>
-              <a:rPr lang="en-GB" sz="4400" dirty="0">
-                <a:solidFill>
-                  <a:schemeClr val="bg1"/>
-                </a:solidFill>
-              </a:rPr>
-              <a:t>For all of the things You've done for me</a:t>
-            </a:r>
-          </a:p>
-          <a:p>
-            <a:r>
-              <a:rPr lang="en-GB" sz="4400" dirty="0">
-                <a:solidFill>
-                  <a:schemeClr val="bg1"/>
-                </a:solidFill>
-              </a:rPr>
-              <a:t>And no one can worship You for me</a:t>
+              <a:rPr lang="en-GB" sz="3800" dirty="0">
+                <a:solidFill>
+                  <a:schemeClr val="bg1"/>
+                </a:solidFill>
+              </a:rPr>
+              <a:t>In Christ alone my hope is found</a:t>
+            </a:r>
+          </a:p>
+          <a:p>
+            <a:r>
+              <a:rPr lang="en-GB" sz="3800" dirty="0">
+                <a:solidFill>
+                  <a:schemeClr val="bg1"/>
+                </a:solidFill>
+              </a:rPr>
+              <a:t>He is my light my strength my song</a:t>
+            </a:r>
+          </a:p>
+          <a:p>
+            <a:r>
+              <a:rPr lang="en-GB" sz="3800" dirty="0">
+                <a:solidFill>
+                  <a:schemeClr val="bg1"/>
+                </a:solidFill>
+              </a:rPr>
+              <a:t>This Cornerstone this solid Ground</a:t>
+            </a:r>
+          </a:p>
+          <a:p>
+            <a:r>
+              <a:rPr lang="en-GB" sz="3800" dirty="0">
+                <a:solidFill>
+                  <a:schemeClr val="bg1"/>
+                </a:solidFill>
+              </a:rPr>
+              <a:t>Firm through the fiercest drought and storm</a:t>
+            </a:r>
+          </a:p>
+          <a:p>
+            <a:r>
+              <a:rPr lang="en-GB" sz="3800" dirty="0">
+                <a:solidFill>
+                  <a:schemeClr val="bg1"/>
+                </a:solidFill>
+              </a:rPr>
+              <a:t>What heights of love what depths of peace</a:t>
+            </a:r>
+          </a:p>
+          <a:p>
+            <a:r>
+              <a:rPr lang="en-GB" sz="3800" dirty="0">
+                <a:solidFill>
+                  <a:schemeClr val="bg1"/>
+                </a:solidFill>
+              </a:rPr>
+              <a:t>When fears are stilled when strivings cease</a:t>
+            </a:r>
+          </a:p>
+          <a:p>
+            <a:r>
+              <a:rPr lang="en-GB" sz="3800" dirty="0">
+                <a:solidFill>
+                  <a:schemeClr val="bg1"/>
+                </a:solidFill>
+              </a:rPr>
+              <a:t>My Comforter my All in All</a:t>
+            </a:r>
+          </a:p>
+          <a:p>
+            <a:r>
+              <a:rPr lang="en-GB" sz="3800" dirty="0">
+                <a:solidFill>
+                  <a:schemeClr val="bg1"/>
+                </a:solidFill>
+              </a:rPr>
+              <a:t>Here in the love of Christ I stand</a:t>
             </a:r>
           </a:p>
         </p:txBody>
@@ -4704,7 +4602,7 @@
                   <a:schemeClr val="bg1"/>
                 </a:solidFill>
               </a:rPr>
-              <a:t>1/3</a:t>
+              <a:t>1/4</a:t>
             </a:r>
           </a:p>
         </p:txBody>
@@ -4712,7 +4610,7 @@
     </p:spTree>
     <p:extLst>
       <p:ext uri="{BB962C8B-B14F-4D97-AF65-F5344CB8AC3E}">
-        <p14:creationId xmlns:p14="http://schemas.microsoft.com/office/powerpoint/2010/main" val="3954137714"/>
+        <p14:creationId xmlns:p14="http://schemas.microsoft.com/office/powerpoint/2010/main" val="2203528704"/>
       </p:ext>
     </p:extLst>
   </p:cSld>
@@ -4762,64 +4660,82 @@
           <a:lstStyle/>
           <a:p>
             <a:r>
-              <a:rPr lang="en-GB" sz="4400" dirty="0">
-                <a:solidFill>
-                  <a:schemeClr val="bg1"/>
-                </a:solidFill>
-              </a:rPr>
-              <a:t>Here's my worship</a:t>
-            </a:r>
-          </a:p>
-          <a:p>
-            <a:r>
-              <a:rPr lang="en-GB" sz="4400" dirty="0">
-                <a:solidFill>
-                  <a:schemeClr val="bg1"/>
-                </a:solidFill>
-              </a:rPr>
-              <a:t>All of my worship</a:t>
-            </a:r>
-          </a:p>
-          <a:p>
-            <a:r>
-              <a:rPr lang="en-GB" sz="4400" dirty="0">
-                <a:solidFill>
-                  <a:schemeClr val="bg1"/>
-                </a:solidFill>
-              </a:rPr>
-              <a:t>Receive my worship</a:t>
-            </a:r>
-          </a:p>
-          <a:p>
-            <a:r>
-              <a:rPr lang="en-GB" sz="4400" dirty="0">
-                <a:solidFill>
-                  <a:schemeClr val="bg1"/>
-                </a:solidFill>
-              </a:rPr>
-              <a:t>All of my worship</a:t>
-            </a:r>
-            <a:br>
-              <a:rPr lang="en-GB" sz="4400" dirty="0">
-                <a:solidFill>
-                  <a:schemeClr val="bg1"/>
-                </a:solidFill>
-              </a:rPr>
-            </a:br>
-            <a:endParaRPr lang="en-GB" sz="4400" dirty="0">
-              <a:solidFill>
-                <a:schemeClr val="bg1"/>
-              </a:solidFill>
-            </a:endParaRPr>
-          </a:p>
-          <a:p>
-            <a:r>
-              <a:rPr lang="en-GB" sz="4400" dirty="0">
-                <a:solidFill>
-                  <a:schemeClr val="bg1"/>
-                </a:solidFill>
-              </a:rPr>
-              <a:t>(REPEAT)</a:t>
+              <a:rPr lang="en-GB" sz="3800" dirty="0">
+                <a:solidFill>
+                  <a:schemeClr val="bg1"/>
+                </a:solidFill>
+              </a:rPr>
+              <a:t>In Christ alone who took on flesh</a:t>
+            </a:r>
+          </a:p>
+          <a:p>
+            <a:r>
+              <a:rPr lang="en-GB" sz="3800" dirty="0">
+                <a:solidFill>
+                  <a:schemeClr val="bg1"/>
+                </a:solidFill>
+              </a:rPr>
+              <a:t>Fullness of God in helpless babe</a:t>
+            </a:r>
+          </a:p>
+          <a:p>
+            <a:r>
+              <a:rPr lang="en-GB" sz="3800" dirty="0">
+                <a:solidFill>
+                  <a:schemeClr val="bg1"/>
+                </a:solidFill>
+              </a:rPr>
+              <a:t>This gift of love and righteousness</a:t>
+            </a:r>
+          </a:p>
+          <a:p>
+            <a:r>
+              <a:rPr lang="en-GB" sz="3800" dirty="0">
+                <a:solidFill>
+                  <a:schemeClr val="bg1"/>
+                </a:solidFill>
+              </a:rPr>
+              <a:t>Scorned by the ones He came to save</a:t>
+            </a:r>
+          </a:p>
+          <a:p>
+            <a:r>
+              <a:rPr lang="en-GB" sz="3800" dirty="0">
+                <a:solidFill>
+                  <a:schemeClr val="bg1"/>
+                </a:solidFill>
+              </a:rPr>
+              <a:t>Till on that cross as Jesus died</a:t>
+            </a:r>
+          </a:p>
+          <a:p>
+            <a:r>
+              <a:rPr lang="en-GB" sz="3800" dirty="0">
+                <a:solidFill>
+                  <a:schemeClr val="bg1"/>
+                </a:solidFill>
+              </a:rPr>
+              <a:t>The wrath of God was satisfied</a:t>
+            </a:r>
+          </a:p>
+          <a:p>
+            <a:r>
+              <a:rPr lang="en-GB" sz="3800" dirty="0">
+                <a:solidFill>
+                  <a:schemeClr val="bg1"/>
+                </a:solidFill>
+              </a:rPr>
+              <a:t>For every sin on Him was laid</a:t>
+            </a:r>
+          </a:p>
+          <a:p>
+            <a:r>
+              <a:rPr lang="en-GB" sz="3800" dirty="0">
+                <a:solidFill>
+                  <a:schemeClr val="bg1"/>
+                </a:solidFill>
+              </a:rPr>
+              <a:t>Here in the death of Christ I live</a:t>
             </a:r>
           </a:p>
         </p:txBody>
@@ -4852,7 +4768,7 @@
                   <a:schemeClr val="bg1"/>
                 </a:solidFill>
               </a:rPr>
-              <a:t>2/3</a:t>
+              <a:t>2/4</a:t>
             </a:r>
           </a:p>
         </p:txBody>
@@ -4860,7 +4776,7 @@
     </p:spTree>
     <p:extLst>
       <p:ext uri="{BB962C8B-B14F-4D97-AF65-F5344CB8AC3E}">
-        <p14:creationId xmlns:p14="http://schemas.microsoft.com/office/powerpoint/2010/main" val="2202196089"/>
+        <p14:creationId xmlns:p14="http://schemas.microsoft.com/office/powerpoint/2010/main" val="288803818"/>
       </p:ext>
     </p:extLst>
   </p:cSld>
@@ -4899,8 +4815,8 @@
         </p:nvSpPr>
         <p:spPr>
           <a:xfrm>
-            <a:off x="323528" y="188640"/>
-            <a:ext cx="8640960" cy="6480720"/>
+            <a:off x="107504" y="188640"/>
+            <a:ext cx="8856984" cy="6480720"/>
           </a:xfrm>
         </p:spPr>
         <p:txBody>
@@ -4910,42 +4826,138 @@
           <a:lstStyle/>
           <a:p>
             <a:r>
-              <a:rPr lang="en-GB" sz="4400" dirty="0">
-                <a:solidFill>
-                  <a:schemeClr val="bg1"/>
-                </a:solidFill>
-              </a:rPr>
-              <a:t>And I will not be silent</a:t>
-            </a:r>
-          </a:p>
-          <a:p>
-            <a:r>
-              <a:rPr lang="en-GB" sz="4400" dirty="0">
-                <a:solidFill>
-                  <a:schemeClr val="bg1"/>
-                </a:solidFill>
-              </a:rPr>
-              <a:t>I will always worship You</a:t>
-            </a:r>
-          </a:p>
-          <a:p>
-            <a:r>
-              <a:rPr lang="en-GB" sz="4400" dirty="0">
-                <a:solidFill>
-                  <a:schemeClr val="bg1"/>
-                </a:solidFill>
-              </a:rPr>
-              <a:t>As long as I am breathing</a:t>
-            </a:r>
-          </a:p>
-          <a:p>
-            <a:r>
-              <a:rPr lang="en-GB" sz="4400" dirty="0">
-                <a:solidFill>
-                  <a:schemeClr val="bg1"/>
-                </a:solidFill>
-              </a:rPr>
-              <a:t>I will always worship You</a:t>
+              <a:rPr lang="en-GB" sz="3800" dirty="0">
+                <a:solidFill>
+                  <a:schemeClr val="bg1"/>
+                </a:solidFill>
+                <a:effectLst>
+                  <a:outerShdw blurRad="38100" dist="38100" dir="2700000" algn="tl">
+                    <a:srgbClr val="000000">
+                      <a:alpha val="43137"/>
+                    </a:srgbClr>
+                  </a:outerShdw>
+                </a:effectLst>
+              </a:rPr>
+              <a:t>There in the ground His body lay</a:t>
+            </a:r>
+          </a:p>
+          <a:p>
+            <a:r>
+              <a:rPr lang="en-GB" sz="3800" dirty="0">
+                <a:solidFill>
+                  <a:schemeClr val="bg1"/>
+                </a:solidFill>
+                <a:effectLst>
+                  <a:outerShdw blurRad="38100" dist="38100" dir="2700000" algn="tl">
+                    <a:srgbClr val="000000">
+                      <a:alpha val="43137"/>
+                    </a:srgbClr>
+                  </a:outerShdw>
+                </a:effectLst>
+              </a:rPr>
+              <a:t>Light of the world by darkness slain</a:t>
+            </a:r>
+          </a:p>
+          <a:p>
+            <a:r>
+              <a:rPr lang="en-GB" sz="3800" dirty="0">
+                <a:solidFill>
+                  <a:schemeClr val="bg1"/>
+                </a:solidFill>
+                <a:effectLst>
+                  <a:outerShdw blurRad="38100" dist="38100" dir="2700000" algn="tl">
+                    <a:srgbClr val="000000">
+                      <a:alpha val="43137"/>
+                    </a:srgbClr>
+                  </a:outerShdw>
+                </a:effectLst>
+              </a:rPr>
+              <a:t>Then bursting forth in glorious Day</a:t>
+            </a:r>
+          </a:p>
+          <a:p>
+            <a:r>
+              <a:rPr lang="en-GB" sz="3800" dirty="0">
+                <a:solidFill>
+                  <a:schemeClr val="bg1"/>
+                </a:solidFill>
+                <a:effectLst>
+                  <a:outerShdw blurRad="38100" dist="38100" dir="2700000" algn="tl">
+                    <a:srgbClr val="000000">
+                      <a:alpha val="43137"/>
+                    </a:srgbClr>
+                  </a:outerShdw>
+                </a:effectLst>
+              </a:rPr>
+              <a:t>Up from the grave He rose again</a:t>
+            </a:r>
+          </a:p>
+          <a:p>
+            <a:r>
+              <a:rPr lang="en-GB" sz="3800" dirty="0">
+                <a:solidFill>
+                  <a:schemeClr val="bg1"/>
+                </a:solidFill>
+                <a:effectLst>
+                  <a:outerShdw blurRad="38100" dist="38100" dir="2700000" algn="tl">
+                    <a:srgbClr val="000000">
+                      <a:alpha val="43137"/>
+                    </a:srgbClr>
+                  </a:outerShdw>
+                </a:effectLst>
+              </a:rPr>
+              <a:t>And as He stands in victory</a:t>
+            </a:r>
+          </a:p>
+          <a:p>
+            <a:r>
+              <a:rPr lang="en-GB" sz="3800" dirty="0">
+                <a:solidFill>
+                  <a:schemeClr val="bg1"/>
+                </a:solidFill>
+                <a:effectLst>
+                  <a:outerShdw blurRad="38100" dist="38100" dir="2700000" algn="tl">
+                    <a:srgbClr val="000000">
+                      <a:alpha val="43137"/>
+                    </a:srgbClr>
+                  </a:outerShdw>
+                </a:effectLst>
+              </a:rPr>
+              <a:t>Sin's curse has lost its grip on me</a:t>
+            </a:r>
+          </a:p>
+          <a:p>
+            <a:r>
+              <a:rPr lang="en-GB" sz="3800" dirty="0">
+                <a:solidFill>
+                  <a:schemeClr val="bg1"/>
+                </a:solidFill>
+                <a:effectLst>
+                  <a:outerShdw blurRad="38100" dist="38100" dir="2700000" algn="tl">
+                    <a:srgbClr val="000000">
+                      <a:alpha val="43137"/>
+                    </a:srgbClr>
+                  </a:outerShdw>
+                </a:effectLst>
+              </a:rPr>
+              <a:t>For I am His and He is mine</a:t>
+            </a:r>
+          </a:p>
+          <a:p>
+            <a:r>
+              <a:rPr lang="en-GB" sz="3800" dirty="0">
+                <a:solidFill>
+                  <a:schemeClr val="bg1"/>
+                </a:solidFill>
+                <a:effectLst>
+                  <a:outerShdw blurRad="38100" dist="38100" dir="2700000" algn="tl">
+                    <a:srgbClr val="000000">
+                      <a:alpha val="43137"/>
+                    </a:srgbClr>
+                  </a:outerShdw>
+                </a:effectLst>
+              </a:rPr>
+              <a:t>Bought with the precious blood of Christ</a:t>
             </a:r>
           </a:p>
         </p:txBody>
@@ -4978,7 +4990,7 @@
                   <a:schemeClr val="bg1"/>
                 </a:solidFill>
               </a:rPr>
-              <a:t>3/3</a:t>
+              <a:t>3/4</a:t>
             </a:r>
           </a:p>
         </p:txBody>
@@ -4986,7 +4998,7 @@
     </p:spTree>
     <p:extLst>
       <p:ext uri="{BB962C8B-B14F-4D97-AF65-F5344CB8AC3E}">
-        <p14:creationId xmlns:p14="http://schemas.microsoft.com/office/powerpoint/2010/main" val="897472554"/>
+        <p14:creationId xmlns:p14="http://schemas.microsoft.com/office/powerpoint/2010/main" val="300558806"/>
       </p:ext>
     </p:extLst>
   </p:cSld>
@@ -5025,8 +5037,8 @@
         </p:nvSpPr>
         <p:spPr>
           <a:xfrm>
-            <a:off x="323528" y="188640"/>
-            <a:ext cx="8640960" cy="6480720"/>
+            <a:off x="107504" y="188640"/>
+            <a:ext cx="8856984" cy="6480720"/>
           </a:xfrm>
         </p:spPr>
         <p:txBody>
@@ -5036,60 +5048,83 @@
           <a:lstStyle/>
           <a:p>
             <a:r>
-              <a:rPr lang="en-GB" sz="4400" dirty="0">
-                <a:solidFill>
-                  <a:schemeClr val="bg1"/>
-                </a:solidFill>
-              </a:rPr>
-              <a:t>Thank You, Thank You</a:t>
-            </a:r>
-          </a:p>
-          <a:p>
-            <a:r>
-              <a:rPr lang="en-GB" sz="4400" dirty="0">
-                <a:solidFill>
-                  <a:schemeClr val="bg1"/>
-                </a:solidFill>
-              </a:rPr>
-              <a:t>Thank You, Thank You</a:t>
-            </a:r>
-          </a:p>
-          <a:p>
-            <a:r>
-              <a:rPr lang="en-GB" sz="4400" dirty="0">
-                <a:solidFill>
-                  <a:schemeClr val="bg1"/>
-                </a:solidFill>
-              </a:rPr>
-              <a:t>Thank You, Thank You</a:t>
-            </a:r>
-          </a:p>
-          <a:p>
-            <a:r>
-              <a:rPr lang="en-GB" sz="4400" dirty="0">
-                <a:solidFill>
-                  <a:schemeClr val="bg1"/>
-                </a:solidFill>
-              </a:rPr>
-              <a:t>For all you have done</a:t>
-            </a:r>
-          </a:p>
-          <a:p>
-            <a:r>
-              <a:rPr lang="en-GB" sz="4400" dirty="0">
-                <a:solidFill>
-                  <a:schemeClr val="bg1"/>
-                </a:solidFill>
-              </a:rPr>
-              <a:t>(REPEAT)</a:t>
-            </a:r>
-          </a:p>
-          <a:p>
-            <a:endParaRPr lang="en-GB" sz="4400" dirty="0">
-              <a:solidFill>
-                <a:schemeClr val="bg1"/>
-              </a:solidFill>
-            </a:endParaRPr>
+              <a:rPr lang="en-GB" sz="3800" dirty="0">
+                <a:solidFill>
+                  <a:schemeClr val="bg1"/>
+                </a:solidFill>
+              </a:rPr>
+              <a:t>No guilt in life no fear in death</a:t>
+            </a:r>
+          </a:p>
+          <a:p>
+            <a:r>
+              <a:rPr lang="en-GB" sz="3800" dirty="0">
+                <a:solidFill>
+                  <a:schemeClr val="bg1"/>
+                </a:solidFill>
+              </a:rPr>
+              <a:t>This is the power of Christ in me</a:t>
+            </a:r>
+          </a:p>
+          <a:p>
+            <a:r>
+              <a:rPr lang="en-GB" sz="3800" dirty="0">
+                <a:solidFill>
+                  <a:schemeClr val="bg1"/>
+                </a:solidFill>
+              </a:rPr>
+              <a:t>From life's first cry to final breath</a:t>
+            </a:r>
+          </a:p>
+          <a:p>
+            <a:r>
+              <a:rPr lang="en-GB" sz="3800" dirty="0">
+                <a:solidFill>
+                  <a:schemeClr val="bg1"/>
+                </a:solidFill>
+              </a:rPr>
+              <a:t>Jesus commands my destiny</a:t>
+            </a:r>
+          </a:p>
+          <a:p>
+            <a:r>
+              <a:rPr lang="en-GB" sz="3800" dirty="0">
+                <a:solidFill>
+                  <a:schemeClr val="bg1"/>
+                </a:solidFill>
+              </a:rPr>
+              <a:t>No power of hell no scheme of man</a:t>
+            </a:r>
+          </a:p>
+          <a:p>
+            <a:r>
+              <a:rPr lang="en-GB" sz="3800" dirty="0">
+                <a:solidFill>
+                  <a:schemeClr val="bg1"/>
+                </a:solidFill>
+              </a:rPr>
+              <a:t>Can ever pluck me from His hand</a:t>
+            </a:r>
+          </a:p>
+          <a:p>
+            <a:r>
+              <a:rPr lang="en-GB" sz="3800" dirty="0">
+                <a:solidFill>
+                  <a:schemeClr val="bg1"/>
+                </a:solidFill>
+              </a:rPr>
+              <a:t>Till He returns or calls me home</a:t>
+            </a:r>
+          </a:p>
+          <a:p>
+            <a:r>
+              <a:rPr lang="en-GB" sz="3800" dirty="0">
+                <a:solidFill>
+                  <a:schemeClr val="bg1"/>
+                </a:solidFill>
+              </a:rPr>
+              <a:t>Here in the power of Christ I'll stand</a:t>
+            </a:r>
           </a:p>
         </p:txBody>
       </p:sp>
@@ -5121,7 +5156,7 @@
                   <a:schemeClr val="bg1"/>
                 </a:solidFill>
               </a:rPr>
-              <a:t>1/1</a:t>
+              <a:t>4/4</a:t>
             </a:r>
           </a:p>
         </p:txBody>
@@ -5129,7 +5164,7 @@
     </p:spTree>
     <p:extLst>
       <p:ext uri="{BB962C8B-B14F-4D97-AF65-F5344CB8AC3E}">
-        <p14:creationId xmlns:p14="http://schemas.microsoft.com/office/powerpoint/2010/main" val="738907594"/>
+        <p14:creationId xmlns:p14="http://schemas.microsoft.com/office/powerpoint/2010/main" val="4164038011"/>
       </p:ext>
     </p:extLst>
   </p:cSld>
@@ -5418,1044 +5453,6 @@
           <a:chExt cx="0" cy="0"/>
         </a:xfrm>
       </p:grpSpPr>
-      <p:sp>
-        <p:nvSpPr>
-          <p:cNvPr id="3" name="Subtitle 2"/>
-          <p:cNvSpPr>
-            <a:spLocks noGrp="1"/>
-          </p:cNvSpPr>
-          <p:nvPr>
-            <p:ph type="subTitle" idx="1"/>
-          </p:nvPr>
-        </p:nvSpPr>
-        <p:spPr>
-          <a:xfrm>
-            <a:off x="323528" y="188640"/>
-            <a:ext cx="8640960" cy="6480720"/>
-          </a:xfrm>
-        </p:spPr>
-        <p:txBody>
-          <a:bodyPr>
-            <a:noAutofit/>
-          </a:bodyPr>
-          <a:lstStyle/>
-          <a:p>
-            <a:endParaRPr lang="en-GB" sz="5400" dirty="0">
-              <a:solidFill>
-                <a:schemeClr val="bg1"/>
-              </a:solidFill>
-            </a:endParaRPr>
-          </a:p>
-          <a:p>
-            <a:r>
-              <a:rPr lang="en-GB" sz="6600" dirty="0">
-                <a:solidFill>
-                  <a:srgbClr val="00A3E0"/>
-                </a:solidFill>
-                <a:latin typeface="akagi_probook"/>
-              </a:rPr>
-              <a:t>I Speak Jesus</a:t>
-            </a:r>
-          </a:p>
-          <a:p>
-            <a:br>
-              <a:rPr lang="en-GB" sz="1200" dirty="0">
-                <a:solidFill>
-                  <a:schemeClr val="bg1"/>
-                </a:solidFill>
-              </a:rPr>
-            </a:br>
-            <a:r>
-              <a:rPr lang="en-GB" sz="1200" dirty="0">
-                <a:solidFill>
-                  <a:schemeClr val="bg1"/>
-                </a:solidFill>
-              </a:rPr>
-              <a:t>CCLI Song # 7136201</a:t>
-            </a:r>
-          </a:p>
-          <a:p>
-            <a:endParaRPr lang="en-GB" sz="1200" dirty="0">
-              <a:solidFill>
-                <a:schemeClr val="bg1"/>
-              </a:solidFill>
-            </a:endParaRPr>
-          </a:p>
-          <a:p>
-            <a:r>
-              <a:rPr lang="en-GB" sz="1200" dirty="0">
-                <a:solidFill>
-                  <a:schemeClr val="bg1"/>
-                </a:solidFill>
-              </a:rPr>
-              <a:t>Abby Benton | Carlene Prince | Dustin Smith | Jesse Reeves | Kristen Dutton | Raina Pratt</a:t>
-            </a:r>
-          </a:p>
-          <a:p>
-            <a:endParaRPr lang="en-GB" sz="1200" dirty="0">
-              <a:solidFill>
-                <a:schemeClr val="bg1"/>
-              </a:solidFill>
-            </a:endParaRPr>
-          </a:p>
-          <a:p>
-            <a:r>
-              <a:rPr lang="en-GB" sz="1200" dirty="0">
-                <a:solidFill>
-                  <a:schemeClr val="bg1"/>
-                </a:solidFill>
-              </a:rPr>
-              <a:t>© 2019 Here Be Lions Publishing (Admin. by Integrity Music Ltd)</a:t>
-            </a:r>
-          </a:p>
-          <a:p>
-            <a:r>
-              <a:rPr lang="en-GB" sz="1200" dirty="0">
-                <a:solidFill>
-                  <a:schemeClr val="bg1"/>
-                </a:solidFill>
-              </a:rPr>
-              <a:t>Integrity's Praise! Music (Admin. by Integrity Music Ltd)</a:t>
-            </a:r>
-          </a:p>
-          <a:p>
-            <a:r>
-              <a:rPr lang="en-GB" sz="1200" dirty="0">
-                <a:solidFill>
-                  <a:schemeClr val="bg1"/>
-                </a:solidFill>
-              </a:rPr>
-              <a:t>BEC Worship (Admin. by Song Solutions)</a:t>
-            </a:r>
-          </a:p>
-          <a:p>
-            <a:r>
-              <a:rPr lang="en-GB" sz="1200" dirty="0">
-                <a:solidFill>
-                  <a:schemeClr val="bg1"/>
-                </a:solidFill>
-              </a:rPr>
-              <a:t>Raina Pratt publishing designee (Admin. by Song Solutions www.songsolutions.org)</a:t>
-            </a:r>
-          </a:p>
-          <a:p>
-            <a:r>
-              <a:rPr lang="en-GB" sz="1200" dirty="0" err="1">
-                <a:solidFill>
-                  <a:schemeClr val="bg1"/>
-                </a:solidFill>
-              </a:rPr>
-              <a:t>WriterWrong</a:t>
-            </a:r>
-            <a:r>
-              <a:rPr lang="en-GB" sz="1200" dirty="0">
-                <a:solidFill>
-                  <a:schemeClr val="bg1"/>
-                </a:solidFill>
-              </a:rPr>
-              <a:t> Music (Admin. by Song Solutions www.songsolutions.org)</a:t>
-            </a:r>
-          </a:p>
-          <a:p>
-            <a:r>
-              <a:rPr lang="en-GB" sz="1200" dirty="0">
-                <a:solidFill>
-                  <a:schemeClr val="bg1"/>
-                </a:solidFill>
-              </a:rPr>
-              <a:t>Remaining portion is unaffiliated</a:t>
-            </a:r>
-          </a:p>
-          <a:p>
-            <a:r>
-              <a:rPr lang="en-GB" sz="1200" dirty="0">
-                <a:solidFill>
-                  <a:schemeClr val="bg1"/>
-                </a:solidFill>
-              </a:rPr>
-              <a:t>For use solely with the </a:t>
-            </a:r>
-            <a:r>
-              <a:rPr lang="en-GB" sz="1200" dirty="0" err="1">
-                <a:solidFill>
-                  <a:schemeClr val="bg1"/>
-                </a:solidFill>
-              </a:rPr>
-              <a:t>SongSelect</a:t>
-            </a:r>
-            <a:r>
-              <a:rPr lang="en-GB" sz="1200" dirty="0">
-                <a:solidFill>
-                  <a:schemeClr val="bg1"/>
-                </a:solidFill>
-              </a:rPr>
-              <a:t>® Terms of Use. All rights reserved. www.ccli.com</a:t>
-            </a:r>
-          </a:p>
-          <a:p>
-            <a:endParaRPr lang="en-GB" sz="1200" dirty="0">
-              <a:solidFill>
-                <a:schemeClr val="bg1"/>
-              </a:solidFill>
-            </a:endParaRPr>
-          </a:p>
-          <a:p>
-            <a:r>
-              <a:rPr lang="en-GB" sz="1200" dirty="0">
-                <a:solidFill>
-                  <a:schemeClr val="bg1"/>
-                </a:solidFill>
-              </a:rPr>
-              <a:t>CCLI Licence No. 33265</a:t>
-            </a:r>
-          </a:p>
-          <a:p>
-            <a:endParaRPr lang="en-GB" sz="1200" dirty="0">
-              <a:solidFill>
-                <a:schemeClr val="bg1"/>
-              </a:solidFill>
-            </a:endParaRPr>
-          </a:p>
-          <a:p>
-            <a:endParaRPr lang="en-GB" sz="1200" dirty="0">
-              <a:solidFill>
-                <a:schemeClr val="bg1"/>
-              </a:solidFill>
-            </a:endParaRPr>
-          </a:p>
-        </p:txBody>
-      </p:sp>
-    </p:spTree>
-    <p:extLst>
-      <p:ext uri="{BB962C8B-B14F-4D97-AF65-F5344CB8AC3E}">
-        <p14:creationId xmlns:p14="http://schemas.microsoft.com/office/powerpoint/2010/main" val="3101639086"/>
-      </p:ext>
-    </p:extLst>
-  </p:cSld>
-  <p:clrMapOvr>
-    <a:masterClrMapping/>
-  </p:clrMapOvr>
-</p:sld>
-</file>
-
-<file path=ppt/slides/slide21.xml><?xml version="1.0" encoding="utf-8"?>
-<p:sld xmlns:a="http://schemas.openxmlformats.org/drawingml/2006/main" xmlns:r="http://schemas.openxmlformats.org/officeDocument/2006/relationships" xmlns:p="http://schemas.openxmlformats.org/presentationml/2006/main">
-  <p:cSld>
-    <p:spTree>
-      <p:nvGrpSpPr>
-        <p:cNvPr id="1" name=""/>
-        <p:cNvGrpSpPr/>
-        <p:nvPr/>
-      </p:nvGrpSpPr>
-      <p:grpSpPr>
-        <a:xfrm>
-          <a:off x="0" y="0"/>
-          <a:ext cx="0" cy="0"/>
-          <a:chOff x="0" y="0"/>
-          <a:chExt cx="0" cy="0"/>
-        </a:xfrm>
-      </p:grpSpPr>
-      <p:sp>
-        <p:nvSpPr>
-          <p:cNvPr id="3" name="Subtitle 2"/>
-          <p:cNvSpPr>
-            <a:spLocks noGrp="1"/>
-          </p:cNvSpPr>
-          <p:nvPr>
-            <p:ph type="subTitle" idx="1"/>
-          </p:nvPr>
-        </p:nvSpPr>
-        <p:spPr>
-          <a:xfrm>
-            <a:off x="323528" y="188640"/>
-            <a:ext cx="8640960" cy="6480720"/>
-          </a:xfrm>
-        </p:spPr>
-        <p:txBody>
-          <a:bodyPr>
-            <a:noAutofit/>
-          </a:bodyPr>
-          <a:lstStyle/>
-          <a:p>
-            <a:r>
-              <a:rPr lang="en-GB" sz="4600" dirty="0">
-                <a:solidFill>
-                  <a:schemeClr val="bg1"/>
-                </a:solidFill>
-              </a:rPr>
-              <a:t>I just want to speak the Name of Jesus</a:t>
-            </a:r>
-          </a:p>
-          <a:p>
-            <a:r>
-              <a:rPr lang="en-GB" sz="4600" dirty="0">
-                <a:solidFill>
-                  <a:schemeClr val="bg1"/>
-                </a:solidFill>
-              </a:rPr>
-              <a:t>Over </a:t>
-            </a:r>
-            <a:r>
-              <a:rPr lang="en-GB" sz="4600" dirty="0" err="1">
-                <a:solidFill>
-                  <a:schemeClr val="bg1"/>
-                </a:solidFill>
-              </a:rPr>
-              <a:t>ev'ry</a:t>
-            </a:r>
-            <a:r>
-              <a:rPr lang="en-GB" sz="4600" dirty="0">
-                <a:solidFill>
-                  <a:schemeClr val="bg1"/>
-                </a:solidFill>
-              </a:rPr>
-              <a:t> heart and </a:t>
-            </a:r>
-            <a:r>
-              <a:rPr lang="en-GB" sz="4600" dirty="0" err="1">
-                <a:solidFill>
-                  <a:schemeClr val="bg1"/>
-                </a:solidFill>
-              </a:rPr>
-              <a:t>ev'ry</a:t>
-            </a:r>
-            <a:r>
-              <a:rPr lang="en-GB" sz="4600" dirty="0">
-                <a:solidFill>
-                  <a:schemeClr val="bg1"/>
-                </a:solidFill>
-              </a:rPr>
-              <a:t> mind</a:t>
-            </a:r>
-          </a:p>
-          <a:p>
-            <a:r>
-              <a:rPr lang="en-GB" sz="4600" dirty="0" err="1">
-                <a:solidFill>
-                  <a:schemeClr val="bg1"/>
-                </a:solidFill>
-              </a:rPr>
-              <a:t>'Cause</a:t>
-            </a:r>
-            <a:r>
-              <a:rPr lang="en-GB" sz="4600" dirty="0">
-                <a:solidFill>
-                  <a:schemeClr val="bg1"/>
-                </a:solidFill>
-              </a:rPr>
-              <a:t> I know there is peace within Your presence</a:t>
-            </a:r>
-          </a:p>
-          <a:p>
-            <a:r>
-              <a:rPr lang="en-GB" sz="4600" dirty="0">
-                <a:solidFill>
-                  <a:schemeClr val="bg1"/>
-                </a:solidFill>
-              </a:rPr>
-              <a:t>I speak Jesus</a:t>
-            </a:r>
-          </a:p>
-        </p:txBody>
-      </p:sp>
-      <p:sp>
-        <p:nvSpPr>
-          <p:cNvPr id="4" name="TextBox 3"/>
-          <p:cNvSpPr txBox="1"/>
-          <p:nvPr/>
-        </p:nvSpPr>
-        <p:spPr>
-          <a:xfrm>
-            <a:off x="8529729" y="0"/>
-            <a:ext cx="628698" cy="461665"/>
-          </a:xfrm>
-          <a:prstGeom prst="rect">
-            <a:avLst/>
-          </a:prstGeom>
-          <a:noFill/>
-        </p:spPr>
-        <p:txBody>
-          <a:bodyPr wrap="none" rtlCol="0">
-            <a:spAutoFit/>
-          </a:bodyPr>
-          <a:lstStyle/>
-          <a:p>
-            <a:r>
-              <a:rPr lang="en-GB" sz="2400" b="1" dirty="0">
-                <a:solidFill>
-                  <a:schemeClr val="bg1"/>
-                </a:solidFill>
-              </a:rPr>
-              <a:t>1/5</a:t>
-            </a:r>
-          </a:p>
-        </p:txBody>
-      </p:sp>
-    </p:spTree>
-    <p:extLst>
-      <p:ext uri="{BB962C8B-B14F-4D97-AF65-F5344CB8AC3E}">
-        <p14:creationId xmlns:p14="http://schemas.microsoft.com/office/powerpoint/2010/main" val="348632634"/>
-      </p:ext>
-    </p:extLst>
-  </p:cSld>
-  <p:clrMapOvr>
-    <a:masterClrMapping/>
-  </p:clrMapOvr>
-</p:sld>
-</file>
-
-<file path=ppt/slides/slide22.xml><?xml version="1.0" encoding="utf-8"?>
-<p:sld xmlns:a="http://schemas.openxmlformats.org/drawingml/2006/main" xmlns:r="http://schemas.openxmlformats.org/officeDocument/2006/relationships" xmlns:p="http://schemas.openxmlformats.org/presentationml/2006/main">
-  <p:cSld>
-    <p:spTree>
-      <p:nvGrpSpPr>
-        <p:cNvPr id="1" name=""/>
-        <p:cNvGrpSpPr/>
-        <p:nvPr/>
-      </p:nvGrpSpPr>
-      <p:grpSpPr>
-        <a:xfrm>
-          <a:off x="0" y="0"/>
-          <a:ext cx="0" cy="0"/>
-          <a:chOff x="0" y="0"/>
-          <a:chExt cx="0" cy="0"/>
-        </a:xfrm>
-      </p:grpSpPr>
-      <p:sp>
-        <p:nvSpPr>
-          <p:cNvPr id="3" name="Subtitle 2"/>
-          <p:cNvSpPr>
-            <a:spLocks noGrp="1"/>
-          </p:cNvSpPr>
-          <p:nvPr>
-            <p:ph type="subTitle" idx="1"/>
-          </p:nvPr>
-        </p:nvSpPr>
-        <p:spPr>
-          <a:xfrm>
-            <a:off x="323528" y="188640"/>
-            <a:ext cx="8640960" cy="6480720"/>
-          </a:xfrm>
-        </p:spPr>
-        <p:txBody>
-          <a:bodyPr>
-            <a:noAutofit/>
-          </a:bodyPr>
-          <a:lstStyle/>
-          <a:p>
-            <a:r>
-              <a:rPr lang="en-GB" sz="4800" dirty="0">
-                <a:solidFill>
-                  <a:schemeClr val="bg1"/>
-                </a:solidFill>
-              </a:rPr>
-              <a:t>I just want to speak the Name of Jesus</a:t>
-            </a:r>
-          </a:p>
-          <a:p>
-            <a:r>
-              <a:rPr lang="en-GB" sz="4800" dirty="0" err="1">
-                <a:solidFill>
-                  <a:schemeClr val="bg1"/>
-                </a:solidFill>
-              </a:rPr>
-              <a:t>'Til</a:t>
-            </a:r>
-            <a:r>
-              <a:rPr lang="en-GB" sz="4800" dirty="0">
-                <a:solidFill>
-                  <a:schemeClr val="bg1"/>
-                </a:solidFill>
-              </a:rPr>
-              <a:t> </a:t>
-            </a:r>
-            <a:r>
-              <a:rPr lang="en-GB" sz="4800" dirty="0" err="1">
-                <a:solidFill>
-                  <a:schemeClr val="bg1"/>
-                </a:solidFill>
-              </a:rPr>
-              <a:t>ev'ry</a:t>
-            </a:r>
-            <a:r>
-              <a:rPr lang="en-GB" sz="4800" dirty="0">
-                <a:solidFill>
-                  <a:schemeClr val="bg1"/>
-                </a:solidFill>
-              </a:rPr>
-              <a:t> dark addiction starts to break</a:t>
-            </a:r>
-          </a:p>
-          <a:p>
-            <a:r>
-              <a:rPr lang="en-GB" sz="4800" dirty="0">
-                <a:solidFill>
-                  <a:schemeClr val="bg1"/>
-                </a:solidFill>
-              </a:rPr>
-              <a:t>Declaring there is hope and there is freedom</a:t>
-            </a:r>
-          </a:p>
-          <a:p>
-            <a:r>
-              <a:rPr lang="en-GB" sz="4800" dirty="0">
-                <a:solidFill>
-                  <a:schemeClr val="bg1"/>
-                </a:solidFill>
-              </a:rPr>
-              <a:t>I speak Jesus</a:t>
-            </a:r>
-          </a:p>
-        </p:txBody>
-      </p:sp>
-      <p:sp>
-        <p:nvSpPr>
-          <p:cNvPr id="4" name="TextBox 3"/>
-          <p:cNvSpPr txBox="1"/>
-          <p:nvPr/>
-        </p:nvSpPr>
-        <p:spPr>
-          <a:xfrm>
-            <a:off x="8529729" y="0"/>
-            <a:ext cx="628698" cy="461665"/>
-          </a:xfrm>
-          <a:prstGeom prst="rect">
-            <a:avLst/>
-          </a:prstGeom>
-          <a:noFill/>
-        </p:spPr>
-        <p:txBody>
-          <a:bodyPr wrap="none" rtlCol="0">
-            <a:spAutoFit/>
-          </a:bodyPr>
-          <a:lstStyle/>
-          <a:p>
-            <a:r>
-              <a:rPr lang="en-GB" sz="2400" b="1" dirty="0">
-                <a:solidFill>
-                  <a:schemeClr val="bg1"/>
-                </a:solidFill>
-              </a:rPr>
-              <a:t>2/5</a:t>
-            </a:r>
-          </a:p>
-        </p:txBody>
-      </p:sp>
-    </p:spTree>
-    <p:extLst>
-      <p:ext uri="{BB962C8B-B14F-4D97-AF65-F5344CB8AC3E}">
-        <p14:creationId xmlns:p14="http://schemas.microsoft.com/office/powerpoint/2010/main" val="424017956"/>
-      </p:ext>
-    </p:extLst>
-  </p:cSld>
-  <p:clrMapOvr>
-    <a:masterClrMapping/>
-  </p:clrMapOvr>
-</p:sld>
-</file>
-
-<file path=ppt/slides/slide23.xml><?xml version="1.0" encoding="utf-8"?>
-<p:sld xmlns:a="http://schemas.openxmlformats.org/drawingml/2006/main" xmlns:r="http://schemas.openxmlformats.org/officeDocument/2006/relationships" xmlns:p="http://schemas.openxmlformats.org/presentationml/2006/main">
-  <p:cSld>
-    <p:spTree>
-      <p:nvGrpSpPr>
-        <p:cNvPr id="1" name=""/>
-        <p:cNvGrpSpPr/>
-        <p:nvPr/>
-      </p:nvGrpSpPr>
-      <p:grpSpPr>
-        <a:xfrm>
-          <a:off x="0" y="0"/>
-          <a:ext cx="0" cy="0"/>
-          <a:chOff x="0" y="0"/>
-          <a:chExt cx="0" cy="0"/>
-        </a:xfrm>
-      </p:grpSpPr>
-      <p:sp>
-        <p:nvSpPr>
-          <p:cNvPr id="3" name="Subtitle 2"/>
-          <p:cNvSpPr>
-            <a:spLocks noGrp="1"/>
-          </p:cNvSpPr>
-          <p:nvPr>
-            <p:ph type="subTitle" idx="1"/>
-          </p:nvPr>
-        </p:nvSpPr>
-        <p:spPr>
-          <a:xfrm>
-            <a:off x="323528" y="188640"/>
-            <a:ext cx="8640960" cy="6480720"/>
-          </a:xfrm>
-        </p:spPr>
-        <p:txBody>
-          <a:bodyPr>
-            <a:noAutofit/>
-          </a:bodyPr>
-          <a:lstStyle/>
-          <a:p>
-            <a:r>
-              <a:rPr lang="en-GB" sz="4800" dirty="0">
-                <a:solidFill>
-                  <a:schemeClr val="bg1"/>
-                </a:solidFill>
-              </a:rPr>
-              <a:t>(</a:t>
-            </a:r>
-            <a:r>
-              <a:rPr lang="en-GB" sz="4800" dirty="0" err="1">
-                <a:solidFill>
-                  <a:schemeClr val="bg1"/>
-                </a:solidFill>
-              </a:rPr>
-              <a:t>'Cause</a:t>
-            </a:r>
-            <a:r>
-              <a:rPr lang="en-GB" sz="4800" dirty="0">
-                <a:solidFill>
-                  <a:schemeClr val="bg1"/>
-                </a:solidFill>
-              </a:rPr>
-              <a:t>) Your Name is power</a:t>
-            </a:r>
-          </a:p>
-          <a:p>
-            <a:r>
-              <a:rPr lang="en-GB" sz="4800" dirty="0">
-                <a:solidFill>
-                  <a:schemeClr val="bg1"/>
-                </a:solidFill>
-              </a:rPr>
-              <a:t>Your Name is healing</a:t>
-            </a:r>
-          </a:p>
-          <a:p>
-            <a:r>
-              <a:rPr lang="en-GB" sz="4800" dirty="0">
-                <a:solidFill>
-                  <a:schemeClr val="bg1"/>
-                </a:solidFill>
-              </a:rPr>
-              <a:t>Your Name is life</a:t>
-            </a:r>
-          </a:p>
-          <a:p>
-            <a:r>
-              <a:rPr lang="en-GB" sz="4800" dirty="0">
-                <a:solidFill>
-                  <a:schemeClr val="bg1"/>
-                </a:solidFill>
-              </a:rPr>
-              <a:t>Break </a:t>
-            </a:r>
-            <a:r>
-              <a:rPr lang="en-GB" sz="4800" dirty="0" err="1">
-                <a:solidFill>
-                  <a:schemeClr val="bg1"/>
-                </a:solidFill>
-              </a:rPr>
-              <a:t>ev'ry</a:t>
-            </a:r>
-            <a:r>
-              <a:rPr lang="en-GB" sz="4800" dirty="0">
-                <a:solidFill>
-                  <a:schemeClr val="bg1"/>
-                </a:solidFill>
-              </a:rPr>
-              <a:t> stronghold</a:t>
-            </a:r>
-          </a:p>
-          <a:p>
-            <a:r>
-              <a:rPr lang="en-GB" sz="4800" dirty="0">
-                <a:solidFill>
-                  <a:schemeClr val="bg1"/>
-                </a:solidFill>
-              </a:rPr>
-              <a:t>Shine through the shadows</a:t>
-            </a:r>
-          </a:p>
-          <a:p>
-            <a:r>
-              <a:rPr lang="en-GB" sz="4800" dirty="0">
-                <a:solidFill>
-                  <a:schemeClr val="bg1"/>
-                </a:solidFill>
-              </a:rPr>
-              <a:t>Burn like a fire</a:t>
-            </a:r>
-          </a:p>
-        </p:txBody>
-      </p:sp>
-      <p:sp>
-        <p:nvSpPr>
-          <p:cNvPr id="4" name="TextBox 3"/>
-          <p:cNvSpPr txBox="1"/>
-          <p:nvPr/>
-        </p:nvSpPr>
-        <p:spPr>
-          <a:xfrm>
-            <a:off x="8529729" y="0"/>
-            <a:ext cx="628698" cy="461665"/>
-          </a:xfrm>
-          <a:prstGeom prst="rect">
-            <a:avLst/>
-          </a:prstGeom>
-          <a:noFill/>
-        </p:spPr>
-        <p:txBody>
-          <a:bodyPr wrap="none" rtlCol="0">
-            <a:spAutoFit/>
-          </a:bodyPr>
-          <a:lstStyle/>
-          <a:p>
-            <a:r>
-              <a:rPr lang="en-GB" sz="2400" b="1" dirty="0">
-                <a:solidFill>
-                  <a:schemeClr val="bg1"/>
-                </a:solidFill>
-              </a:rPr>
-              <a:t>3/5</a:t>
-            </a:r>
-          </a:p>
-        </p:txBody>
-      </p:sp>
-    </p:spTree>
-    <p:extLst>
-      <p:ext uri="{BB962C8B-B14F-4D97-AF65-F5344CB8AC3E}">
-        <p14:creationId xmlns:p14="http://schemas.microsoft.com/office/powerpoint/2010/main" val="1242897186"/>
-      </p:ext>
-    </p:extLst>
-  </p:cSld>
-  <p:clrMapOvr>
-    <a:masterClrMapping/>
-  </p:clrMapOvr>
-</p:sld>
-</file>
-
-<file path=ppt/slides/slide24.xml><?xml version="1.0" encoding="utf-8"?>
-<p:sld xmlns:a="http://schemas.openxmlformats.org/drawingml/2006/main" xmlns:r="http://schemas.openxmlformats.org/officeDocument/2006/relationships" xmlns:p="http://schemas.openxmlformats.org/presentationml/2006/main">
-  <p:cSld>
-    <p:spTree>
-      <p:nvGrpSpPr>
-        <p:cNvPr id="1" name=""/>
-        <p:cNvGrpSpPr/>
-        <p:nvPr/>
-      </p:nvGrpSpPr>
-      <p:grpSpPr>
-        <a:xfrm>
-          <a:off x="0" y="0"/>
-          <a:ext cx="0" cy="0"/>
-          <a:chOff x="0" y="0"/>
-          <a:chExt cx="0" cy="0"/>
-        </a:xfrm>
-      </p:grpSpPr>
-      <p:sp>
-        <p:nvSpPr>
-          <p:cNvPr id="3" name="Subtitle 2"/>
-          <p:cNvSpPr>
-            <a:spLocks noGrp="1"/>
-          </p:cNvSpPr>
-          <p:nvPr>
-            <p:ph type="subTitle" idx="1"/>
-          </p:nvPr>
-        </p:nvSpPr>
-        <p:spPr>
-          <a:xfrm>
-            <a:off x="323528" y="188640"/>
-            <a:ext cx="8640960" cy="6480720"/>
-          </a:xfrm>
-        </p:spPr>
-        <p:txBody>
-          <a:bodyPr>
-            <a:noAutofit/>
-          </a:bodyPr>
-          <a:lstStyle/>
-          <a:p>
-            <a:r>
-              <a:rPr lang="en-GB" sz="4600" dirty="0">
-                <a:solidFill>
-                  <a:schemeClr val="bg1"/>
-                </a:solidFill>
-              </a:rPr>
-              <a:t>I just want to speak the Name of Jesus</a:t>
-            </a:r>
-          </a:p>
-          <a:p>
-            <a:r>
-              <a:rPr lang="en-GB" sz="4600" dirty="0">
-                <a:solidFill>
-                  <a:schemeClr val="bg1"/>
-                </a:solidFill>
-              </a:rPr>
-              <a:t>Over fear and all anxiety</a:t>
-            </a:r>
-          </a:p>
-          <a:p>
-            <a:r>
-              <a:rPr lang="en-GB" sz="4600" dirty="0">
-                <a:solidFill>
-                  <a:schemeClr val="bg1"/>
-                </a:solidFill>
-              </a:rPr>
-              <a:t>To </a:t>
-            </a:r>
-            <a:r>
-              <a:rPr lang="en-GB" sz="4600" dirty="0" err="1">
-                <a:solidFill>
-                  <a:schemeClr val="bg1"/>
-                </a:solidFill>
-              </a:rPr>
-              <a:t>ev'ry</a:t>
-            </a:r>
-            <a:r>
-              <a:rPr lang="en-GB" sz="4600" dirty="0">
-                <a:solidFill>
-                  <a:schemeClr val="bg1"/>
-                </a:solidFill>
-              </a:rPr>
-              <a:t> soul held captive by depression</a:t>
-            </a:r>
-          </a:p>
-          <a:p>
-            <a:r>
-              <a:rPr lang="en-GB" sz="4600" dirty="0">
-                <a:solidFill>
-                  <a:schemeClr val="bg1"/>
-                </a:solidFill>
-              </a:rPr>
-              <a:t>I speak Jesus</a:t>
-            </a:r>
-          </a:p>
-        </p:txBody>
-      </p:sp>
-      <p:sp>
-        <p:nvSpPr>
-          <p:cNvPr id="4" name="TextBox 3"/>
-          <p:cNvSpPr txBox="1"/>
-          <p:nvPr/>
-        </p:nvSpPr>
-        <p:spPr>
-          <a:xfrm>
-            <a:off x="8529729" y="0"/>
-            <a:ext cx="628698" cy="461665"/>
-          </a:xfrm>
-          <a:prstGeom prst="rect">
-            <a:avLst/>
-          </a:prstGeom>
-          <a:noFill/>
-        </p:spPr>
-        <p:txBody>
-          <a:bodyPr wrap="none" rtlCol="0">
-            <a:spAutoFit/>
-          </a:bodyPr>
-          <a:lstStyle/>
-          <a:p>
-            <a:r>
-              <a:rPr lang="en-GB" sz="2400" b="1" dirty="0">
-                <a:solidFill>
-                  <a:schemeClr val="bg1"/>
-                </a:solidFill>
-              </a:rPr>
-              <a:t>4/5</a:t>
-            </a:r>
-          </a:p>
-        </p:txBody>
-      </p:sp>
-    </p:spTree>
-    <p:extLst>
-      <p:ext uri="{BB962C8B-B14F-4D97-AF65-F5344CB8AC3E}">
-        <p14:creationId xmlns:p14="http://schemas.microsoft.com/office/powerpoint/2010/main" val="293905195"/>
-      </p:ext>
-    </p:extLst>
-  </p:cSld>
-  <p:clrMapOvr>
-    <a:masterClrMapping/>
-  </p:clrMapOvr>
-</p:sld>
-</file>
-
-<file path=ppt/slides/slide25.xml><?xml version="1.0" encoding="utf-8"?>
-<p:sld xmlns:a="http://schemas.openxmlformats.org/drawingml/2006/main" xmlns:r="http://schemas.openxmlformats.org/officeDocument/2006/relationships" xmlns:p="http://schemas.openxmlformats.org/presentationml/2006/main">
-  <p:cSld>
-    <p:spTree>
-      <p:nvGrpSpPr>
-        <p:cNvPr id="1" name=""/>
-        <p:cNvGrpSpPr/>
-        <p:nvPr/>
-      </p:nvGrpSpPr>
-      <p:grpSpPr>
-        <a:xfrm>
-          <a:off x="0" y="0"/>
-          <a:ext cx="0" cy="0"/>
-          <a:chOff x="0" y="0"/>
-          <a:chExt cx="0" cy="0"/>
-        </a:xfrm>
-      </p:grpSpPr>
-      <p:sp>
-        <p:nvSpPr>
-          <p:cNvPr id="3" name="Subtitle 2"/>
-          <p:cNvSpPr>
-            <a:spLocks noGrp="1"/>
-          </p:cNvSpPr>
-          <p:nvPr>
-            <p:ph type="subTitle" idx="1"/>
-          </p:nvPr>
-        </p:nvSpPr>
-        <p:spPr>
-          <a:xfrm>
-            <a:off x="323528" y="188640"/>
-            <a:ext cx="8640960" cy="6480720"/>
-          </a:xfrm>
-        </p:spPr>
-        <p:txBody>
-          <a:bodyPr>
-            <a:noAutofit/>
-          </a:bodyPr>
-          <a:lstStyle/>
-          <a:p>
-            <a:r>
-              <a:rPr lang="en-GB" sz="4800" dirty="0">
-                <a:solidFill>
-                  <a:schemeClr val="bg1"/>
-                </a:solidFill>
-              </a:rPr>
-              <a:t>Shout Jesus from the mountains</a:t>
-            </a:r>
-          </a:p>
-          <a:p>
-            <a:r>
-              <a:rPr lang="en-GB" sz="4800" dirty="0">
-                <a:solidFill>
-                  <a:schemeClr val="bg1"/>
-                </a:solidFill>
-              </a:rPr>
-              <a:t>Jesus in the streets</a:t>
-            </a:r>
-          </a:p>
-          <a:p>
-            <a:r>
-              <a:rPr lang="en-GB" sz="4800" dirty="0">
-                <a:solidFill>
-                  <a:schemeClr val="bg1"/>
-                </a:solidFill>
-              </a:rPr>
-              <a:t>Jesus in the darkness over </a:t>
-            </a:r>
-            <a:r>
-              <a:rPr lang="en-GB" sz="4800" dirty="0" err="1">
-                <a:solidFill>
-                  <a:schemeClr val="bg1"/>
-                </a:solidFill>
-              </a:rPr>
-              <a:t>ev'ry</a:t>
-            </a:r>
-            <a:r>
-              <a:rPr lang="en-GB" sz="4800" dirty="0">
-                <a:solidFill>
-                  <a:schemeClr val="bg1"/>
-                </a:solidFill>
-              </a:rPr>
-              <a:t> enemy</a:t>
-            </a:r>
-          </a:p>
-          <a:p>
-            <a:r>
-              <a:rPr lang="en-GB" sz="4800" dirty="0">
-                <a:solidFill>
-                  <a:schemeClr val="bg1"/>
-                </a:solidFill>
-              </a:rPr>
-              <a:t>Jesus for my </a:t>
-            </a:r>
-            <a:r>
-              <a:rPr lang="en-GB" sz="4800" dirty="0" err="1">
-                <a:solidFill>
-                  <a:schemeClr val="bg1"/>
-                </a:solidFill>
-              </a:rPr>
-              <a:t>fam'ly</a:t>
-            </a:r>
-            <a:endParaRPr lang="en-GB" sz="4800" dirty="0">
-              <a:solidFill>
-                <a:schemeClr val="bg1"/>
-              </a:solidFill>
-            </a:endParaRPr>
-          </a:p>
-          <a:p>
-            <a:r>
-              <a:rPr lang="en-GB" sz="4800" dirty="0">
-                <a:solidFill>
-                  <a:schemeClr val="bg1"/>
-                </a:solidFill>
-              </a:rPr>
-              <a:t>I speak the holy Name Jesus</a:t>
-            </a:r>
-          </a:p>
-        </p:txBody>
-      </p:sp>
-      <p:sp>
-        <p:nvSpPr>
-          <p:cNvPr id="4" name="TextBox 3"/>
-          <p:cNvSpPr txBox="1"/>
-          <p:nvPr/>
-        </p:nvSpPr>
-        <p:spPr>
-          <a:xfrm>
-            <a:off x="8529729" y="0"/>
-            <a:ext cx="628698" cy="461665"/>
-          </a:xfrm>
-          <a:prstGeom prst="rect">
-            <a:avLst/>
-          </a:prstGeom>
-          <a:noFill/>
-        </p:spPr>
-        <p:txBody>
-          <a:bodyPr wrap="none" rtlCol="0">
-            <a:spAutoFit/>
-          </a:bodyPr>
-          <a:lstStyle/>
-          <a:p>
-            <a:r>
-              <a:rPr lang="en-GB" sz="2400" b="1" dirty="0">
-                <a:solidFill>
-                  <a:schemeClr val="bg1"/>
-                </a:solidFill>
-              </a:rPr>
-              <a:t>5/5</a:t>
-            </a:r>
-          </a:p>
-        </p:txBody>
-      </p:sp>
-    </p:spTree>
-    <p:extLst>
-      <p:ext uri="{BB962C8B-B14F-4D97-AF65-F5344CB8AC3E}">
-        <p14:creationId xmlns:p14="http://schemas.microsoft.com/office/powerpoint/2010/main" val="4087312908"/>
-      </p:ext>
-    </p:extLst>
-  </p:cSld>
-  <p:clrMapOvr>
-    <a:masterClrMapping/>
-  </p:clrMapOvr>
-</p:sld>
-</file>
-
-<file path=ppt/slides/slide26.xml><?xml version="1.0" encoding="utf-8"?>
-<p:sld xmlns:a="http://schemas.openxmlformats.org/drawingml/2006/main" xmlns:r="http://schemas.openxmlformats.org/officeDocument/2006/relationships" xmlns:p="http://schemas.openxmlformats.org/presentationml/2006/main">
-  <p:cSld>
-    <p:spTree>
-      <p:nvGrpSpPr>
-        <p:cNvPr id="1" name=""/>
-        <p:cNvGrpSpPr/>
-        <p:nvPr/>
-      </p:nvGrpSpPr>
-      <p:grpSpPr>
-        <a:xfrm>
-          <a:off x="0" y="0"/>
-          <a:ext cx="0" cy="0"/>
-          <a:chOff x="0" y="0"/>
-          <a:chExt cx="0" cy="0"/>
-        </a:xfrm>
-      </p:grpSpPr>
     </p:spTree>
     <p:extLst>
       <p:ext uri="{BB962C8B-B14F-4D97-AF65-F5344CB8AC3E}">
@@ -6469,7 +5466,7 @@
 </p:sld>
 </file>
 
-<file path=ppt/slides/slide27.xml><?xml version="1.0" encoding="utf-8"?>
+<file path=ppt/slides/slide21.xml><?xml version="1.0" encoding="utf-8"?>
 <p:sld xmlns:a="http://schemas.openxmlformats.org/drawingml/2006/main" xmlns:r="http://schemas.openxmlformats.org/officeDocument/2006/relationships" xmlns:p="http://schemas.openxmlformats.org/presentationml/2006/main">
   <p:cSld>
     <p:spTree>
@@ -6545,7 +5542,7 @@
 </p:sld>
 </file>
 
-<file path=ppt/slides/slide28.xml><?xml version="1.0" encoding="utf-8"?>
+<file path=ppt/slides/slide22.xml><?xml version="1.0" encoding="utf-8"?>
 <p:sld xmlns:a="http://schemas.openxmlformats.org/drawingml/2006/main" xmlns:r="http://schemas.openxmlformats.org/officeDocument/2006/relationships" xmlns:p="http://schemas.openxmlformats.org/presentationml/2006/main">
   <p:cSld>
     <p:spTree>
@@ -6817,6 +5814,1257 @@
 </p:sld>
 </file>
 
+<file path=ppt/slides/slide23.xml><?xml version="1.0" encoding="utf-8"?>
+<p:sld xmlns:a="http://schemas.openxmlformats.org/drawingml/2006/main" xmlns:r="http://schemas.openxmlformats.org/officeDocument/2006/relationships" xmlns:p="http://schemas.openxmlformats.org/presentationml/2006/main">
+  <p:cSld>
+    <p:spTree>
+      <p:nvGrpSpPr>
+        <p:cNvPr id="1" name=""/>
+        <p:cNvGrpSpPr/>
+        <p:nvPr/>
+      </p:nvGrpSpPr>
+      <p:grpSpPr>
+        <a:xfrm>
+          <a:off x="0" y="0"/>
+          <a:ext cx="0" cy="0"/>
+          <a:chOff x="0" y="0"/>
+          <a:chExt cx="0" cy="0"/>
+        </a:xfrm>
+      </p:grpSpPr>
+      <p:sp>
+        <p:nvSpPr>
+          <p:cNvPr id="3" name="Subtitle 2"/>
+          <p:cNvSpPr>
+            <a:spLocks noGrp="1"/>
+          </p:cNvSpPr>
+          <p:nvPr>
+            <p:ph type="subTitle" idx="1"/>
+          </p:nvPr>
+        </p:nvSpPr>
+        <p:spPr>
+          <a:xfrm>
+            <a:off x="323528" y="188640"/>
+            <a:ext cx="8640960" cy="6480720"/>
+          </a:xfrm>
+        </p:spPr>
+        <p:txBody>
+          <a:bodyPr>
+            <a:noAutofit/>
+          </a:bodyPr>
+          <a:lstStyle/>
+          <a:p>
+            <a:endParaRPr lang="en-GB" sz="5400" dirty="0">
+              <a:solidFill>
+                <a:schemeClr val="bg1"/>
+              </a:solidFill>
+            </a:endParaRPr>
+          </a:p>
+          <a:p>
+            <a:endParaRPr lang="en-GB" sz="5400" b="0" i="0" dirty="0">
+              <a:solidFill>
+                <a:schemeClr val="bg1"/>
+              </a:solidFill>
+              <a:effectLst/>
+              <a:latin typeface="akagi_probook"/>
+            </a:endParaRPr>
+          </a:p>
+          <a:p>
+            <a:r>
+              <a:rPr lang="en-GB" sz="6600" b="0" i="0" dirty="0">
+                <a:solidFill>
+                  <a:srgbClr val="00A3E0"/>
+                </a:solidFill>
+                <a:effectLst/>
+                <a:latin typeface="akagi_probook"/>
+              </a:rPr>
+              <a:t>My Worship</a:t>
+            </a:r>
+          </a:p>
+          <a:p>
+            <a:br>
+              <a:rPr lang="en-GB" sz="900" b="0" i="0" dirty="0">
+                <a:solidFill>
+                  <a:srgbClr val="717171"/>
+                </a:solidFill>
+                <a:effectLst/>
+                <a:latin typeface="akagi_probook"/>
+              </a:rPr>
+            </a:br>
+            <a:r>
+              <a:rPr lang="en-GB" sz="900" b="0" i="0" dirty="0">
+                <a:solidFill>
+                  <a:srgbClr val="717171"/>
+                </a:solidFill>
+                <a:effectLst/>
+                <a:latin typeface="akagi_probook"/>
+              </a:rPr>
+              <a:t>CCLI Song # 7098688</a:t>
+            </a:r>
+          </a:p>
+          <a:p>
+            <a:endParaRPr lang="en-GB" sz="900" b="0" i="0" dirty="0">
+              <a:solidFill>
+                <a:srgbClr val="717171"/>
+              </a:solidFill>
+              <a:effectLst/>
+              <a:latin typeface="akagi_probook"/>
+            </a:endParaRPr>
+          </a:p>
+          <a:p>
+            <a:r>
+              <a:rPr lang="en-GB" sz="900" b="0" i="0" dirty="0">
+                <a:solidFill>
+                  <a:srgbClr val="717171"/>
+                </a:solidFill>
+                <a:effectLst/>
+                <a:latin typeface="akagi_probook"/>
+              </a:rPr>
+              <a:t>Philip Nathan Thompson | </a:t>
+            </a:r>
+            <a:r>
+              <a:rPr lang="en-GB" sz="900" b="0" i="0" dirty="0" err="1">
+                <a:solidFill>
+                  <a:srgbClr val="717171"/>
+                </a:solidFill>
+                <a:effectLst/>
+                <a:latin typeface="akagi_probook"/>
+              </a:rPr>
+              <a:t>Zenzo</a:t>
+            </a:r>
+            <a:r>
+              <a:rPr lang="en-GB" sz="900" b="0" i="0" dirty="0">
+                <a:solidFill>
+                  <a:srgbClr val="717171"/>
+                </a:solidFill>
+                <a:effectLst/>
+                <a:latin typeface="akagi_probook"/>
+              </a:rPr>
+              <a:t> </a:t>
+            </a:r>
+            <a:r>
+              <a:rPr lang="en-GB" sz="900" b="0" i="0" dirty="0" err="1">
+                <a:solidFill>
+                  <a:srgbClr val="717171"/>
+                </a:solidFill>
+                <a:effectLst/>
+                <a:latin typeface="akagi_probook"/>
+              </a:rPr>
+              <a:t>Matoga</a:t>
+            </a:r>
+            <a:endParaRPr lang="en-GB" sz="900" b="0" i="0" dirty="0">
+              <a:solidFill>
+                <a:srgbClr val="717171"/>
+              </a:solidFill>
+              <a:effectLst/>
+              <a:latin typeface="akagi_probook"/>
+            </a:endParaRPr>
+          </a:p>
+          <a:p>
+            <a:endParaRPr lang="en-GB" sz="900" b="0" i="0" dirty="0">
+              <a:solidFill>
+                <a:srgbClr val="717171"/>
+              </a:solidFill>
+              <a:effectLst/>
+              <a:latin typeface="akagi_probook"/>
+            </a:endParaRPr>
+          </a:p>
+          <a:p>
+            <a:r>
+              <a:rPr lang="en-GB" sz="900" b="0" i="0" dirty="0">
+                <a:solidFill>
+                  <a:srgbClr val="717171"/>
+                </a:solidFill>
+                <a:effectLst/>
+                <a:latin typeface="akagi_probook"/>
+              </a:rPr>
+              <a:t>© 2017 Integrity Worship Music (Admin. by Integrity Music Ltd)</a:t>
+            </a:r>
+          </a:p>
+          <a:p>
+            <a:r>
+              <a:rPr lang="en-GB" sz="900" b="0" i="0" dirty="0">
+                <a:solidFill>
+                  <a:srgbClr val="717171"/>
+                </a:solidFill>
+                <a:effectLst/>
+                <a:latin typeface="akagi_probook"/>
+              </a:rPr>
+              <a:t>Phil Thompson Worship (Admin. by Integrity Music Ltd)</a:t>
+            </a:r>
+          </a:p>
+          <a:p>
+            <a:r>
+              <a:rPr lang="en-GB" sz="900" b="0" i="0" dirty="0" err="1">
+                <a:solidFill>
+                  <a:srgbClr val="717171"/>
+                </a:solidFill>
+                <a:effectLst/>
+                <a:latin typeface="akagi_probook"/>
+              </a:rPr>
+              <a:t>Zenzo</a:t>
+            </a:r>
+            <a:r>
+              <a:rPr lang="en-GB" sz="900" b="0" i="0" dirty="0">
+                <a:solidFill>
+                  <a:srgbClr val="717171"/>
+                </a:solidFill>
+                <a:effectLst/>
+                <a:latin typeface="akagi_probook"/>
+              </a:rPr>
+              <a:t> </a:t>
+            </a:r>
+            <a:r>
+              <a:rPr lang="en-GB" sz="900" b="0" i="0" dirty="0" err="1">
+                <a:solidFill>
+                  <a:srgbClr val="717171"/>
+                </a:solidFill>
+                <a:effectLst/>
+                <a:latin typeface="akagi_probook"/>
+              </a:rPr>
+              <a:t>Matoga</a:t>
+            </a:r>
+            <a:r>
+              <a:rPr lang="en-GB" sz="900" b="0" i="0" dirty="0">
+                <a:solidFill>
+                  <a:srgbClr val="717171"/>
+                </a:solidFill>
+                <a:effectLst/>
+                <a:latin typeface="akagi_probook"/>
+              </a:rPr>
+              <a:t> Music (Admin. by Integrity Music Ltd)</a:t>
+            </a:r>
+          </a:p>
+          <a:p>
+            <a:r>
+              <a:rPr lang="en-GB" sz="900" b="0" i="0" dirty="0">
+                <a:solidFill>
+                  <a:srgbClr val="717171"/>
+                </a:solidFill>
+                <a:effectLst/>
+                <a:latin typeface="akagi_probook"/>
+              </a:rPr>
+              <a:t>For use solely with the </a:t>
+            </a:r>
+            <a:r>
+              <a:rPr lang="en-GB" sz="900" b="0" i="0" dirty="0" err="1">
+                <a:solidFill>
+                  <a:srgbClr val="717171"/>
+                </a:solidFill>
+                <a:effectLst/>
+                <a:latin typeface="akagi_probook"/>
+              </a:rPr>
+              <a:t>SongSelect</a:t>
+            </a:r>
+            <a:r>
+              <a:rPr lang="en-GB" sz="900" b="0" i="0" dirty="0">
+                <a:solidFill>
+                  <a:srgbClr val="717171"/>
+                </a:solidFill>
+                <a:effectLst/>
+                <a:latin typeface="akagi_probook"/>
+              </a:rPr>
+              <a:t>® Terms of Use. All rights reserved. www.ccli.com</a:t>
+            </a:r>
+          </a:p>
+          <a:p>
+            <a:endParaRPr lang="en-GB" sz="900" b="0" i="0" dirty="0">
+              <a:solidFill>
+                <a:srgbClr val="717171"/>
+              </a:solidFill>
+              <a:effectLst/>
+              <a:latin typeface="akagi_probook"/>
+            </a:endParaRPr>
+          </a:p>
+          <a:p>
+            <a:r>
+              <a:rPr lang="en-GB" sz="900" b="0" i="0" dirty="0">
+                <a:solidFill>
+                  <a:srgbClr val="717171"/>
+                </a:solidFill>
+                <a:effectLst/>
+                <a:latin typeface="akagi_probook"/>
+              </a:rPr>
+              <a:t>CCLI Licence No. 33265</a:t>
+            </a:r>
+          </a:p>
+          <a:p>
+            <a:endParaRPr lang="en-GB" sz="1200" dirty="0">
+              <a:solidFill>
+                <a:schemeClr val="bg1"/>
+              </a:solidFill>
+            </a:endParaRPr>
+          </a:p>
+        </p:txBody>
+      </p:sp>
+    </p:spTree>
+    <p:extLst>
+      <p:ext uri="{BB962C8B-B14F-4D97-AF65-F5344CB8AC3E}">
+        <p14:creationId xmlns:p14="http://schemas.microsoft.com/office/powerpoint/2010/main" val="3370963703"/>
+      </p:ext>
+    </p:extLst>
+  </p:cSld>
+  <p:clrMapOvr>
+    <a:masterClrMapping/>
+  </p:clrMapOvr>
+</p:sld>
+</file>
+
+<file path=ppt/slides/slide24.xml><?xml version="1.0" encoding="utf-8"?>
+<p:sld xmlns:a="http://schemas.openxmlformats.org/drawingml/2006/main" xmlns:r="http://schemas.openxmlformats.org/officeDocument/2006/relationships" xmlns:p="http://schemas.openxmlformats.org/presentationml/2006/main">
+  <p:cSld>
+    <p:spTree>
+      <p:nvGrpSpPr>
+        <p:cNvPr id="1" name=""/>
+        <p:cNvGrpSpPr/>
+        <p:nvPr/>
+      </p:nvGrpSpPr>
+      <p:grpSpPr>
+        <a:xfrm>
+          <a:off x="0" y="0"/>
+          <a:ext cx="0" cy="0"/>
+          <a:chOff x="0" y="0"/>
+          <a:chExt cx="0" cy="0"/>
+        </a:xfrm>
+      </p:grpSpPr>
+      <p:sp>
+        <p:nvSpPr>
+          <p:cNvPr id="3" name="Subtitle 2"/>
+          <p:cNvSpPr>
+            <a:spLocks noGrp="1"/>
+          </p:cNvSpPr>
+          <p:nvPr>
+            <p:ph type="subTitle" idx="1"/>
+          </p:nvPr>
+        </p:nvSpPr>
+        <p:spPr>
+          <a:xfrm>
+            <a:off x="323528" y="188640"/>
+            <a:ext cx="8640960" cy="6480720"/>
+          </a:xfrm>
+        </p:spPr>
+        <p:txBody>
+          <a:bodyPr>
+            <a:noAutofit/>
+          </a:bodyPr>
+          <a:lstStyle/>
+          <a:p>
+            <a:r>
+              <a:rPr lang="en-GB" sz="4400" dirty="0">
+                <a:solidFill>
+                  <a:schemeClr val="bg1"/>
+                </a:solidFill>
+              </a:rPr>
+              <a:t>You Lord</a:t>
+            </a:r>
+          </a:p>
+          <a:p>
+            <a:r>
+              <a:rPr lang="en-GB" sz="4400" dirty="0">
+                <a:solidFill>
+                  <a:schemeClr val="bg1"/>
+                </a:solidFill>
+              </a:rPr>
+              <a:t>You are worthy</a:t>
+            </a:r>
+          </a:p>
+          <a:p>
+            <a:r>
+              <a:rPr lang="en-GB" sz="4400" dirty="0">
+                <a:solidFill>
+                  <a:schemeClr val="bg1"/>
+                </a:solidFill>
+              </a:rPr>
+              <a:t>And no one can worship You for me</a:t>
+            </a:r>
+          </a:p>
+          <a:p>
+            <a:r>
+              <a:rPr lang="en-GB" sz="4400" dirty="0">
+                <a:solidFill>
+                  <a:schemeClr val="bg1"/>
+                </a:solidFill>
+              </a:rPr>
+              <a:t>For all of the things You've done for me</a:t>
+            </a:r>
+          </a:p>
+          <a:p>
+            <a:r>
+              <a:rPr lang="en-GB" sz="4400" dirty="0">
+                <a:solidFill>
+                  <a:schemeClr val="bg1"/>
+                </a:solidFill>
+              </a:rPr>
+              <a:t>And no one can worship You for me</a:t>
+            </a:r>
+          </a:p>
+        </p:txBody>
+      </p:sp>
+      <p:sp>
+        <p:nvSpPr>
+          <p:cNvPr id="4" name="TextBox 3"/>
+          <p:cNvSpPr txBox="1"/>
+          <p:nvPr/>
+        </p:nvSpPr>
+        <p:spPr>
+          <a:xfrm>
+            <a:off x="8529729" y="0"/>
+            <a:ext cx="628698" cy="461665"/>
+          </a:xfrm>
+          <a:prstGeom prst="rect">
+            <a:avLst/>
+          </a:prstGeom>
+          <a:noFill/>
+        </p:spPr>
+        <p:txBody>
+          <a:bodyPr wrap="none" rtlCol="0">
+            <a:spAutoFit/>
+          </a:bodyPr>
+          <a:lstStyle/>
+          <a:p>
+            <a:r>
+              <a:rPr lang="en-GB" sz="2400" b="1" dirty="0">
+                <a:solidFill>
+                  <a:schemeClr val="bg1"/>
+                </a:solidFill>
+              </a:rPr>
+              <a:t>1/3</a:t>
+            </a:r>
+          </a:p>
+        </p:txBody>
+      </p:sp>
+    </p:spTree>
+    <p:extLst>
+      <p:ext uri="{BB962C8B-B14F-4D97-AF65-F5344CB8AC3E}">
+        <p14:creationId xmlns:p14="http://schemas.microsoft.com/office/powerpoint/2010/main" val="3752152885"/>
+      </p:ext>
+    </p:extLst>
+  </p:cSld>
+  <p:clrMapOvr>
+    <a:masterClrMapping/>
+  </p:clrMapOvr>
+</p:sld>
+</file>
+
+<file path=ppt/slides/slide25.xml><?xml version="1.0" encoding="utf-8"?>
+<p:sld xmlns:a="http://schemas.openxmlformats.org/drawingml/2006/main" xmlns:r="http://schemas.openxmlformats.org/officeDocument/2006/relationships" xmlns:p="http://schemas.openxmlformats.org/presentationml/2006/main">
+  <p:cSld>
+    <p:spTree>
+      <p:nvGrpSpPr>
+        <p:cNvPr id="1" name=""/>
+        <p:cNvGrpSpPr/>
+        <p:nvPr/>
+      </p:nvGrpSpPr>
+      <p:grpSpPr>
+        <a:xfrm>
+          <a:off x="0" y="0"/>
+          <a:ext cx="0" cy="0"/>
+          <a:chOff x="0" y="0"/>
+          <a:chExt cx="0" cy="0"/>
+        </a:xfrm>
+      </p:grpSpPr>
+      <p:sp>
+        <p:nvSpPr>
+          <p:cNvPr id="3" name="Subtitle 2"/>
+          <p:cNvSpPr>
+            <a:spLocks noGrp="1"/>
+          </p:cNvSpPr>
+          <p:nvPr>
+            <p:ph type="subTitle" idx="1"/>
+          </p:nvPr>
+        </p:nvSpPr>
+        <p:spPr>
+          <a:xfrm>
+            <a:off x="323528" y="188640"/>
+            <a:ext cx="8640960" cy="6480720"/>
+          </a:xfrm>
+        </p:spPr>
+        <p:txBody>
+          <a:bodyPr>
+            <a:noAutofit/>
+          </a:bodyPr>
+          <a:lstStyle/>
+          <a:p>
+            <a:r>
+              <a:rPr lang="en-GB" sz="4400" dirty="0">
+                <a:solidFill>
+                  <a:schemeClr val="bg1"/>
+                </a:solidFill>
+              </a:rPr>
+              <a:t>Here's my worship</a:t>
+            </a:r>
+          </a:p>
+          <a:p>
+            <a:r>
+              <a:rPr lang="en-GB" sz="4400" dirty="0">
+                <a:solidFill>
+                  <a:schemeClr val="bg1"/>
+                </a:solidFill>
+              </a:rPr>
+              <a:t>All of my worship</a:t>
+            </a:r>
+          </a:p>
+          <a:p>
+            <a:r>
+              <a:rPr lang="en-GB" sz="4400" dirty="0">
+                <a:solidFill>
+                  <a:schemeClr val="bg1"/>
+                </a:solidFill>
+              </a:rPr>
+              <a:t>Receive my worship</a:t>
+            </a:r>
+          </a:p>
+          <a:p>
+            <a:r>
+              <a:rPr lang="en-GB" sz="4400" dirty="0">
+                <a:solidFill>
+                  <a:schemeClr val="bg1"/>
+                </a:solidFill>
+              </a:rPr>
+              <a:t>All of my worship</a:t>
+            </a:r>
+            <a:br>
+              <a:rPr lang="en-GB" sz="4400" dirty="0">
+                <a:solidFill>
+                  <a:schemeClr val="bg1"/>
+                </a:solidFill>
+              </a:rPr>
+            </a:br>
+            <a:endParaRPr lang="en-GB" sz="4400" dirty="0">
+              <a:solidFill>
+                <a:schemeClr val="bg1"/>
+              </a:solidFill>
+            </a:endParaRPr>
+          </a:p>
+          <a:p>
+            <a:r>
+              <a:rPr lang="en-GB" sz="4400" dirty="0">
+                <a:solidFill>
+                  <a:schemeClr val="bg1"/>
+                </a:solidFill>
+              </a:rPr>
+              <a:t>(REPEAT)</a:t>
+            </a:r>
+          </a:p>
+        </p:txBody>
+      </p:sp>
+      <p:sp>
+        <p:nvSpPr>
+          <p:cNvPr id="4" name="TextBox 3"/>
+          <p:cNvSpPr txBox="1"/>
+          <p:nvPr/>
+        </p:nvSpPr>
+        <p:spPr>
+          <a:xfrm>
+            <a:off x="8529729" y="0"/>
+            <a:ext cx="628698" cy="461665"/>
+          </a:xfrm>
+          <a:prstGeom prst="rect">
+            <a:avLst/>
+          </a:prstGeom>
+          <a:noFill/>
+        </p:spPr>
+        <p:txBody>
+          <a:bodyPr wrap="none" rtlCol="0">
+            <a:spAutoFit/>
+          </a:bodyPr>
+          <a:lstStyle/>
+          <a:p>
+            <a:r>
+              <a:rPr lang="en-GB" sz="2400" b="1" dirty="0">
+                <a:solidFill>
+                  <a:schemeClr val="bg1"/>
+                </a:solidFill>
+              </a:rPr>
+              <a:t>2/3</a:t>
+            </a:r>
+          </a:p>
+        </p:txBody>
+      </p:sp>
+    </p:spTree>
+    <p:extLst>
+      <p:ext uri="{BB962C8B-B14F-4D97-AF65-F5344CB8AC3E}">
+        <p14:creationId xmlns:p14="http://schemas.microsoft.com/office/powerpoint/2010/main" val="2325323096"/>
+      </p:ext>
+    </p:extLst>
+  </p:cSld>
+  <p:clrMapOvr>
+    <a:masterClrMapping/>
+  </p:clrMapOvr>
+</p:sld>
+</file>
+
+<file path=ppt/slides/slide26.xml><?xml version="1.0" encoding="utf-8"?>
+<p:sld xmlns:a="http://schemas.openxmlformats.org/drawingml/2006/main" xmlns:r="http://schemas.openxmlformats.org/officeDocument/2006/relationships" xmlns:p="http://schemas.openxmlformats.org/presentationml/2006/main">
+  <p:cSld>
+    <p:spTree>
+      <p:nvGrpSpPr>
+        <p:cNvPr id="1" name=""/>
+        <p:cNvGrpSpPr/>
+        <p:nvPr/>
+      </p:nvGrpSpPr>
+      <p:grpSpPr>
+        <a:xfrm>
+          <a:off x="0" y="0"/>
+          <a:ext cx="0" cy="0"/>
+          <a:chOff x="0" y="0"/>
+          <a:chExt cx="0" cy="0"/>
+        </a:xfrm>
+      </p:grpSpPr>
+      <p:sp>
+        <p:nvSpPr>
+          <p:cNvPr id="3" name="Subtitle 2"/>
+          <p:cNvSpPr>
+            <a:spLocks noGrp="1"/>
+          </p:cNvSpPr>
+          <p:nvPr>
+            <p:ph type="subTitle" idx="1"/>
+          </p:nvPr>
+        </p:nvSpPr>
+        <p:spPr>
+          <a:xfrm>
+            <a:off x="323528" y="188640"/>
+            <a:ext cx="8640960" cy="6480720"/>
+          </a:xfrm>
+        </p:spPr>
+        <p:txBody>
+          <a:bodyPr>
+            <a:noAutofit/>
+          </a:bodyPr>
+          <a:lstStyle/>
+          <a:p>
+            <a:r>
+              <a:rPr lang="en-GB" sz="4400" dirty="0">
+                <a:solidFill>
+                  <a:schemeClr val="bg1"/>
+                </a:solidFill>
+              </a:rPr>
+              <a:t>And I will not be silent</a:t>
+            </a:r>
+          </a:p>
+          <a:p>
+            <a:r>
+              <a:rPr lang="en-GB" sz="4400" dirty="0">
+                <a:solidFill>
+                  <a:schemeClr val="bg1"/>
+                </a:solidFill>
+              </a:rPr>
+              <a:t>I will always worship You</a:t>
+            </a:r>
+          </a:p>
+          <a:p>
+            <a:r>
+              <a:rPr lang="en-GB" sz="4400" dirty="0">
+                <a:solidFill>
+                  <a:schemeClr val="bg1"/>
+                </a:solidFill>
+              </a:rPr>
+              <a:t>As long as I am breathing</a:t>
+            </a:r>
+          </a:p>
+          <a:p>
+            <a:r>
+              <a:rPr lang="en-GB" sz="4400" dirty="0">
+                <a:solidFill>
+                  <a:schemeClr val="bg1"/>
+                </a:solidFill>
+              </a:rPr>
+              <a:t>I will always worship You</a:t>
+            </a:r>
+          </a:p>
+        </p:txBody>
+      </p:sp>
+      <p:sp>
+        <p:nvSpPr>
+          <p:cNvPr id="4" name="TextBox 3"/>
+          <p:cNvSpPr txBox="1"/>
+          <p:nvPr/>
+        </p:nvSpPr>
+        <p:spPr>
+          <a:xfrm>
+            <a:off x="8529729" y="0"/>
+            <a:ext cx="628698" cy="461665"/>
+          </a:xfrm>
+          <a:prstGeom prst="rect">
+            <a:avLst/>
+          </a:prstGeom>
+          <a:noFill/>
+        </p:spPr>
+        <p:txBody>
+          <a:bodyPr wrap="none" rtlCol="0">
+            <a:spAutoFit/>
+          </a:bodyPr>
+          <a:lstStyle/>
+          <a:p>
+            <a:r>
+              <a:rPr lang="en-GB" sz="2400" b="1" dirty="0">
+                <a:solidFill>
+                  <a:schemeClr val="bg1"/>
+                </a:solidFill>
+              </a:rPr>
+              <a:t>3/3</a:t>
+            </a:r>
+          </a:p>
+        </p:txBody>
+      </p:sp>
+    </p:spTree>
+    <p:extLst>
+      <p:ext uri="{BB962C8B-B14F-4D97-AF65-F5344CB8AC3E}">
+        <p14:creationId xmlns:p14="http://schemas.microsoft.com/office/powerpoint/2010/main" val="3663558750"/>
+      </p:ext>
+    </p:extLst>
+  </p:cSld>
+  <p:clrMapOvr>
+    <a:masterClrMapping/>
+  </p:clrMapOvr>
+</p:sld>
+</file>
+
+<file path=ppt/slides/slide27.xml><?xml version="1.0" encoding="utf-8"?>
+<p:sld xmlns:a="http://schemas.openxmlformats.org/drawingml/2006/main" xmlns:r="http://schemas.openxmlformats.org/officeDocument/2006/relationships" xmlns:p="http://schemas.openxmlformats.org/presentationml/2006/main">
+  <p:cSld>
+    <p:spTree>
+      <p:nvGrpSpPr>
+        <p:cNvPr id="1" name=""/>
+        <p:cNvGrpSpPr/>
+        <p:nvPr/>
+      </p:nvGrpSpPr>
+      <p:grpSpPr>
+        <a:xfrm>
+          <a:off x="0" y="0"/>
+          <a:ext cx="0" cy="0"/>
+          <a:chOff x="0" y="0"/>
+          <a:chExt cx="0" cy="0"/>
+        </a:xfrm>
+      </p:grpSpPr>
+      <p:sp>
+        <p:nvSpPr>
+          <p:cNvPr id="3" name="Subtitle 2"/>
+          <p:cNvSpPr>
+            <a:spLocks noGrp="1"/>
+          </p:cNvSpPr>
+          <p:nvPr>
+            <p:ph type="subTitle" idx="1"/>
+          </p:nvPr>
+        </p:nvSpPr>
+        <p:spPr>
+          <a:xfrm>
+            <a:off x="323528" y="188640"/>
+            <a:ext cx="8640960" cy="6480720"/>
+          </a:xfrm>
+        </p:spPr>
+        <p:txBody>
+          <a:bodyPr>
+            <a:noAutofit/>
+          </a:bodyPr>
+          <a:lstStyle/>
+          <a:p>
+            <a:r>
+              <a:rPr lang="en-GB" sz="4400" dirty="0">
+                <a:solidFill>
+                  <a:schemeClr val="bg1"/>
+                </a:solidFill>
+              </a:rPr>
+              <a:t>Thank You, Thank You</a:t>
+            </a:r>
+          </a:p>
+          <a:p>
+            <a:r>
+              <a:rPr lang="en-GB" sz="4400" dirty="0">
+                <a:solidFill>
+                  <a:schemeClr val="bg1"/>
+                </a:solidFill>
+              </a:rPr>
+              <a:t>Thank You, Thank You</a:t>
+            </a:r>
+          </a:p>
+          <a:p>
+            <a:r>
+              <a:rPr lang="en-GB" sz="4400" dirty="0">
+                <a:solidFill>
+                  <a:schemeClr val="bg1"/>
+                </a:solidFill>
+              </a:rPr>
+              <a:t>Thank You, Thank You</a:t>
+            </a:r>
+          </a:p>
+          <a:p>
+            <a:r>
+              <a:rPr lang="en-GB" sz="4400" dirty="0">
+                <a:solidFill>
+                  <a:schemeClr val="bg1"/>
+                </a:solidFill>
+              </a:rPr>
+              <a:t>For all you have done</a:t>
+            </a:r>
+          </a:p>
+          <a:p>
+            <a:r>
+              <a:rPr lang="en-GB" sz="4400" dirty="0">
+                <a:solidFill>
+                  <a:schemeClr val="bg1"/>
+                </a:solidFill>
+              </a:rPr>
+              <a:t>(REPEAT)</a:t>
+            </a:r>
+          </a:p>
+          <a:p>
+            <a:endParaRPr lang="en-GB" sz="4400" dirty="0">
+              <a:solidFill>
+                <a:schemeClr val="bg1"/>
+              </a:solidFill>
+            </a:endParaRPr>
+          </a:p>
+        </p:txBody>
+      </p:sp>
+      <p:sp>
+        <p:nvSpPr>
+          <p:cNvPr id="4" name="TextBox 3"/>
+          <p:cNvSpPr txBox="1"/>
+          <p:nvPr/>
+        </p:nvSpPr>
+        <p:spPr>
+          <a:xfrm>
+            <a:off x="8529729" y="0"/>
+            <a:ext cx="628698" cy="461665"/>
+          </a:xfrm>
+          <a:prstGeom prst="rect">
+            <a:avLst/>
+          </a:prstGeom>
+          <a:noFill/>
+        </p:spPr>
+        <p:txBody>
+          <a:bodyPr wrap="none" rtlCol="0">
+            <a:spAutoFit/>
+          </a:bodyPr>
+          <a:lstStyle/>
+          <a:p>
+            <a:r>
+              <a:rPr lang="en-GB" sz="2400" b="1" dirty="0">
+                <a:solidFill>
+                  <a:schemeClr val="bg1"/>
+                </a:solidFill>
+              </a:rPr>
+              <a:t>1/1</a:t>
+            </a:r>
+          </a:p>
+        </p:txBody>
+      </p:sp>
+    </p:spTree>
+    <p:extLst>
+      <p:ext uri="{BB962C8B-B14F-4D97-AF65-F5344CB8AC3E}">
+        <p14:creationId xmlns:p14="http://schemas.microsoft.com/office/powerpoint/2010/main" val="1252671617"/>
+      </p:ext>
+    </p:extLst>
+  </p:cSld>
+  <p:clrMapOvr>
+    <a:masterClrMapping/>
+  </p:clrMapOvr>
+</p:sld>
+</file>
+
+<file path=ppt/slides/slide28.xml><?xml version="1.0" encoding="utf-8"?>
+<p:sld xmlns:a="http://schemas.openxmlformats.org/drawingml/2006/main" xmlns:r="http://schemas.openxmlformats.org/officeDocument/2006/relationships" xmlns:p="http://schemas.openxmlformats.org/presentationml/2006/main">
+  <p:cSld>
+    <p:spTree>
+      <p:nvGrpSpPr>
+        <p:cNvPr id="1" name=""/>
+        <p:cNvGrpSpPr/>
+        <p:nvPr/>
+      </p:nvGrpSpPr>
+      <p:grpSpPr>
+        <a:xfrm>
+          <a:off x="0" y="0"/>
+          <a:ext cx="0" cy="0"/>
+          <a:chOff x="0" y="0"/>
+          <a:chExt cx="0" cy="0"/>
+        </a:xfrm>
+      </p:grpSpPr>
+      <p:sp>
+        <p:nvSpPr>
+          <p:cNvPr id="3" name="Subtitle 2"/>
+          <p:cNvSpPr>
+            <a:spLocks noGrp="1"/>
+          </p:cNvSpPr>
+          <p:nvPr>
+            <p:ph type="subTitle" idx="1"/>
+          </p:nvPr>
+        </p:nvSpPr>
+        <p:spPr>
+          <a:xfrm>
+            <a:off x="323528" y="188640"/>
+            <a:ext cx="8640960" cy="6480720"/>
+          </a:xfrm>
+        </p:spPr>
+        <p:txBody>
+          <a:bodyPr>
+            <a:noAutofit/>
+          </a:bodyPr>
+          <a:lstStyle/>
+          <a:p>
+            <a:endParaRPr lang="en-GB" sz="5400" dirty="0">
+              <a:solidFill>
+                <a:schemeClr val="bg1"/>
+              </a:solidFill>
+            </a:endParaRPr>
+          </a:p>
+          <a:p>
+            <a:r>
+              <a:rPr lang="en-GB" sz="6600" dirty="0">
+                <a:solidFill>
+                  <a:srgbClr val="00A3E0"/>
+                </a:solidFill>
+                <a:latin typeface="akagi_probook"/>
+              </a:rPr>
+              <a:t>I Speak Jesus</a:t>
+            </a:r>
+          </a:p>
+          <a:p>
+            <a:br>
+              <a:rPr lang="en-GB" sz="1200" dirty="0">
+                <a:solidFill>
+                  <a:schemeClr val="bg1"/>
+                </a:solidFill>
+              </a:rPr>
+            </a:br>
+            <a:r>
+              <a:rPr lang="en-GB" sz="1200" dirty="0">
+                <a:solidFill>
+                  <a:schemeClr val="bg1"/>
+                </a:solidFill>
+              </a:rPr>
+              <a:t>CCLI Song # 7136201</a:t>
+            </a:r>
+          </a:p>
+          <a:p>
+            <a:endParaRPr lang="en-GB" sz="1200" dirty="0">
+              <a:solidFill>
+                <a:schemeClr val="bg1"/>
+              </a:solidFill>
+            </a:endParaRPr>
+          </a:p>
+          <a:p>
+            <a:r>
+              <a:rPr lang="en-GB" sz="1200" dirty="0">
+                <a:solidFill>
+                  <a:schemeClr val="bg1"/>
+                </a:solidFill>
+              </a:rPr>
+              <a:t>Abby Benton | Carlene Prince | Dustin Smith | Jesse Reeves | Kristen Dutton | Raina Pratt</a:t>
+            </a:r>
+          </a:p>
+          <a:p>
+            <a:endParaRPr lang="en-GB" sz="1200" dirty="0">
+              <a:solidFill>
+                <a:schemeClr val="bg1"/>
+              </a:solidFill>
+            </a:endParaRPr>
+          </a:p>
+          <a:p>
+            <a:r>
+              <a:rPr lang="en-GB" sz="1200" dirty="0">
+                <a:solidFill>
+                  <a:schemeClr val="bg1"/>
+                </a:solidFill>
+              </a:rPr>
+              <a:t>© 2019 Here Be Lions Publishing (Admin. by Integrity Music Ltd)</a:t>
+            </a:r>
+          </a:p>
+          <a:p>
+            <a:r>
+              <a:rPr lang="en-GB" sz="1200" dirty="0">
+                <a:solidFill>
+                  <a:schemeClr val="bg1"/>
+                </a:solidFill>
+              </a:rPr>
+              <a:t>Integrity's Praise! Music (Admin. by Integrity Music Ltd)</a:t>
+            </a:r>
+          </a:p>
+          <a:p>
+            <a:r>
+              <a:rPr lang="en-GB" sz="1200" dirty="0">
+                <a:solidFill>
+                  <a:schemeClr val="bg1"/>
+                </a:solidFill>
+              </a:rPr>
+              <a:t>BEC Worship (Admin. by Song Solutions)</a:t>
+            </a:r>
+          </a:p>
+          <a:p>
+            <a:r>
+              <a:rPr lang="en-GB" sz="1200" dirty="0">
+                <a:solidFill>
+                  <a:schemeClr val="bg1"/>
+                </a:solidFill>
+              </a:rPr>
+              <a:t>Raina Pratt publishing designee (Admin. by Song Solutions www.songsolutions.org)</a:t>
+            </a:r>
+          </a:p>
+          <a:p>
+            <a:r>
+              <a:rPr lang="en-GB" sz="1200" dirty="0" err="1">
+                <a:solidFill>
+                  <a:schemeClr val="bg1"/>
+                </a:solidFill>
+              </a:rPr>
+              <a:t>WriterWrong</a:t>
+            </a:r>
+            <a:r>
+              <a:rPr lang="en-GB" sz="1200" dirty="0">
+                <a:solidFill>
+                  <a:schemeClr val="bg1"/>
+                </a:solidFill>
+              </a:rPr>
+              <a:t> Music (Admin. by Song Solutions www.songsolutions.org)</a:t>
+            </a:r>
+          </a:p>
+          <a:p>
+            <a:r>
+              <a:rPr lang="en-GB" sz="1200" dirty="0">
+                <a:solidFill>
+                  <a:schemeClr val="bg1"/>
+                </a:solidFill>
+              </a:rPr>
+              <a:t>Remaining portion is unaffiliated</a:t>
+            </a:r>
+          </a:p>
+          <a:p>
+            <a:r>
+              <a:rPr lang="en-GB" sz="1200" dirty="0">
+                <a:solidFill>
+                  <a:schemeClr val="bg1"/>
+                </a:solidFill>
+              </a:rPr>
+              <a:t>For use solely with the </a:t>
+            </a:r>
+            <a:r>
+              <a:rPr lang="en-GB" sz="1200" dirty="0" err="1">
+                <a:solidFill>
+                  <a:schemeClr val="bg1"/>
+                </a:solidFill>
+              </a:rPr>
+              <a:t>SongSelect</a:t>
+            </a:r>
+            <a:r>
+              <a:rPr lang="en-GB" sz="1200" dirty="0">
+                <a:solidFill>
+                  <a:schemeClr val="bg1"/>
+                </a:solidFill>
+              </a:rPr>
+              <a:t>® Terms of Use. All rights reserved. www.ccli.com</a:t>
+            </a:r>
+          </a:p>
+          <a:p>
+            <a:endParaRPr lang="en-GB" sz="1200" dirty="0">
+              <a:solidFill>
+                <a:schemeClr val="bg1"/>
+              </a:solidFill>
+            </a:endParaRPr>
+          </a:p>
+          <a:p>
+            <a:r>
+              <a:rPr lang="en-GB" sz="1200" dirty="0">
+                <a:solidFill>
+                  <a:schemeClr val="bg1"/>
+                </a:solidFill>
+              </a:rPr>
+              <a:t>CCLI Licence No. 33265</a:t>
+            </a:r>
+          </a:p>
+          <a:p>
+            <a:endParaRPr lang="en-GB" sz="1200" dirty="0">
+              <a:solidFill>
+                <a:schemeClr val="bg1"/>
+              </a:solidFill>
+            </a:endParaRPr>
+          </a:p>
+          <a:p>
+            <a:endParaRPr lang="en-GB" sz="1200" dirty="0">
+              <a:solidFill>
+                <a:schemeClr val="bg1"/>
+              </a:solidFill>
+            </a:endParaRPr>
+          </a:p>
+        </p:txBody>
+      </p:sp>
+    </p:spTree>
+    <p:extLst>
+      <p:ext uri="{BB962C8B-B14F-4D97-AF65-F5344CB8AC3E}">
+        <p14:creationId xmlns:p14="http://schemas.microsoft.com/office/powerpoint/2010/main" val="4176996030"/>
+      </p:ext>
+    </p:extLst>
+  </p:cSld>
+  <p:clrMapOvr>
+    <a:masterClrMapping/>
+  </p:clrMapOvr>
+</p:sld>
+</file>
+
+<file path=ppt/slides/slide29.xml><?xml version="1.0" encoding="utf-8"?>
+<p:sld xmlns:a="http://schemas.openxmlformats.org/drawingml/2006/main" xmlns:r="http://schemas.openxmlformats.org/officeDocument/2006/relationships" xmlns:p="http://schemas.openxmlformats.org/presentationml/2006/main">
+  <p:cSld>
+    <p:spTree>
+      <p:nvGrpSpPr>
+        <p:cNvPr id="1" name=""/>
+        <p:cNvGrpSpPr/>
+        <p:nvPr/>
+      </p:nvGrpSpPr>
+      <p:grpSpPr>
+        <a:xfrm>
+          <a:off x="0" y="0"/>
+          <a:ext cx="0" cy="0"/>
+          <a:chOff x="0" y="0"/>
+          <a:chExt cx="0" cy="0"/>
+        </a:xfrm>
+      </p:grpSpPr>
+      <p:sp>
+        <p:nvSpPr>
+          <p:cNvPr id="3" name="Subtitle 2"/>
+          <p:cNvSpPr>
+            <a:spLocks noGrp="1"/>
+          </p:cNvSpPr>
+          <p:nvPr>
+            <p:ph type="subTitle" idx="1"/>
+          </p:nvPr>
+        </p:nvSpPr>
+        <p:spPr>
+          <a:xfrm>
+            <a:off x="323528" y="188640"/>
+            <a:ext cx="8640960" cy="6480720"/>
+          </a:xfrm>
+        </p:spPr>
+        <p:txBody>
+          <a:bodyPr>
+            <a:noAutofit/>
+          </a:bodyPr>
+          <a:lstStyle/>
+          <a:p>
+            <a:r>
+              <a:rPr lang="en-GB" sz="4600" dirty="0">
+                <a:solidFill>
+                  <a:schemeClr val="bg1"/>
+                </a:solidFill>
+              </a:rPr>
+              <a:t>I just want to speak the Name of Jesus</a:t>
+            </a:r>
+          </a:p>
+          <a:p>
+            <a:r>
+              <a:rPr lang="en-GB" sz="4600" dirty="0">
+                <a:solidFill>
+                  <a:schemeClr val="bg1"/>
+                </a:solidFill>
+              </a:rPr>
+              <a:t>Over </a:t>
+            </a:r>
+            <a:r>
+              <a:rPr lang="en-GB" sz="4600" dirty="0" err="1">
+                <a:solidFill>
+                  <a:schemeClr val="bg1"/>
+                </a:solidFill>
+              </a:rPr>
+              <a:t>ev'ry</a:t>
+            </a:r>
+            <a:r>
+              <a:rPr lang="en-GB" sz="4600" dirty="0">
+                <a:solidFill>
+                  <a:schemeClr val="bg1"/>
+                </a:solidFill>
+              </a:rPr>
+              <a:t> heart and </a:t>
+            </a:r>
+            <a:r>
+              <a:rPr lang="en-GB" sz="4600" dirty="0" err="1">
+                <a:solidFill>
+                  <a:schemeClr val="bg1"/>
+                </a:solidFill>
+              </a:rPr>
+              <a:t>ev'ry</a:t>
+            </a:r>
+            <a:r>
+              <a:rPr lang="en-GB" sz="4600" dirty="0">
+                <a:solidFill>
+                  <a:schemeClr val="bg1"/>
+                </a:solidFill>
+              </a:rPr>
+              <a:t> mind</a:t>
+            </a:r>
+          </a:p>
+          <a:p>
+            <a:r>
+              <a:rPr lang="en-GB" sz="4600" dirty="0" err="1">
+                <a:solidFill>
+                  <a:schemeClr val="bg1"/>
+                </a:solidFill>
+              </a:rPr>
+              <a:t>'Cause</a:t>
+            </a:r>
+            <a:r>
+              <a:rPr lang="en-GB" sz="4600" dirty="0">
+                <a:solidFill>
+                  <a:schemeClr val="bg1"/>
+                </a:solidFill>
+              </a:rPr>
+              <a:t> I know there is peace within Your presence</a:t>
+            </a:r>
+          </a:p>
+          <a:p>
+            <a:r>
+              <a:rPr lang="en-GB" sz="4600" dirty="0">
+                <a:solidFill>
+                  <a:schemeClr val="bg1"/>
+                </a:solidFill>
+              </a:rPr>
+              <a:t>I speak Jesus</a:t>
+            </a:r>
+          </a:p>
+        </p:txBody>
+      </p:sp>
+      <p:sp>
+        <p:nvSpPr>
+          <p:cNvPr id="4" name="TextBox 3"/>
+          <p:cNvSpPr txBox="1"/>
+          <p:nvPr/>
+        </p:nvSpPr>
+        <p:spPr>
+          <a:xfrm>
+            <a:off x="8529729" y="0"/>
+            <a:ext cx="628698" cy="461665"/>
+          </a:xfrm>
+          <a:prstGeom prst="rect">
+            <a:avLst/>
+          </a:prstGeom>
+          <a:noFill/>
+        </p:spPr>
+        <p:txBody>
+          <a:bodyPr wrap="none" rtlCol="0">
+            <a:spAutoFit/>
+          </a:bodyPr>
+          <a:lstStyle/>
+          <a:p>
+            <a:r>
+              <a:rPr lang="en-GB" sz="2400" b="1" dirty="0">
+                <a:solidFill>
+                  <a:schemeClr val="bg1"/>
+                </a:solidFill>
+              </a:rPr>
+              <a:t>1/5</a:t>
+            </a:r>
+          </a:p>
+        </p:txBody>
+      </p:sp>
+    </p:spTree>
+    <p:extLst>
+      <p:ext uri="{BB962C8B-B14F-4D97-AF65-F5344CB8AC3E}">
+        <p14:creationId xmlns:p14="http://schemas.microsoft.com/office/powerpoint/2010/main" val="3781863646"/>
+      </p:ext>
+    </p:extLst>
+  </p:cSld>
+  <p:clrMapOvr>
+    <a:masterClrMapping/>
+  </p:clrMapOvr>
+</p:sld>
+</file>
+
 <file path=ppt/slides/slide3.xml><?xml version="1.0" encoding="utf-8"?>
 <p:sld xmlns:a="http://schemas.openxmlformats.org/drawingml/2006/main" xmlns:r="http://schemas.openxmlformats.org/officeDocument/2006/relationships" xmlns:p="http://schemas.openxmlformats.org/presentationml/2006/main">
   <p:cSld>
@@ -6924,6 +7172,641 @@
     <p:extLst>
       <p:ext uri="{BB962C8B-B14F-4D97-AF65-F5344CB8AC3E}">
         <p14:creationId xmlns:p14="http://schemas.microsoft.com/office/powerpoint/2010/main" val="1126473786"/>
+      </p:ext>
+    </p:extLst>
+  </p:cSld>
+  <p:clrMapOvr>
+    <a:masterClrMapping/>
+  </p:clrMapOvr>
+</p:sld>
+</file>
+
+<file path=ppt/slides/slide30.xml><?xml version="1.0" encoding="utf-8"?>
+<p:sld xmlns:a="http://schemas.openxmlformats.org/drawingml/2006/main" xmlns:r="http://schemas.openxmlformats.org/officeDocument/2006/relationships" xmlns:p="http://schemas.openxmlformats.org/presentationml/2006/main">
+  <p:cSld>
+    <p:spTree>
+      <p:nvGrpSpPr>
+        <p:cNvPr id="1" name=""/>
+        <p:cNvGrpSpPr/>
+        <p:nvPr/>
+      </p:nvGrpSpPr>
+      <p:grpSpPr>
+        <a:xfrm>
+          <a:off x="0" y="0"/>
+          <a:ext cx="0" cy="0"/>
+          <a:chOff x="0" y="0"/>
+          <a:chExt cx="0" cy="0"/>
+        </a:xfrm>
+      </p:grpSpPr>
+      <p:sp>
+        <p:nvSpPr>
+          <p:cNvPr id="3" name="Subtitle 2"/>
+          <p:cNvSpPr>
+            <a:spLocks noGrp="1"/>
+          </p:cNvSpPr>
+          <p:nvPr>
+            <p:ph type="subTitle" idx="1"/>
+          </p:nvPr>
+        </p:nvSpPr>
+        <p:spPr>
+          <a:xfrm>
+            <a:off x="323528" y="188640"/>
+            <a:ext cx="8640960" cy="6480720"/>
+          </a:xfrm>
+        </p:spPr>
+        <p:txBody>
+          <a:bodyPr>
+            <a:noAutofit/>
+          </a:bodyPr>
+          <a:lstStyle/>
+          <a:p>
+            <a:r>
+              <a:rPr lang="en-GB" sz="4800" dirty="0">
+                <a:solidFill>
+                  <a:schemeClr val="bg1"/>
+                </a:solidFill>
+              </a:rPr>
+              <a:t>I just want to speak the Name of Jesus</a:t>
+            </a:r>
+          </a:p>
+          <a:p>
+            <a:r>
+              <a:rPr lang="en-GB" sz="4800" dirty="0" err="1">
+                <a:solidFill>
+                  <a:schemeClr val="bg1"/>
+                </a:solidFill>
+              </a:rPr>
+              <a:t>'Til</a:t>
+            </a:r>
+            <a:r>
+              <a:rPr lang="en-GB" sz="4800" dirty="0">
+                <a:solidFill>
+                  <a:schemeClr val="bg1"/>
+                </a:solidFill>
+              </a:rPr>
+              <a:t> </a:t>
+            </a:r>
+            <a:r>
+              <a:rPr lang="en-GB" sz="4800" dirty="0" err="1">
+                <a:solidFill>
+                  <a:schemeClr val="bg1"/>
+                </a:solidFill>
+              </a:rPr>
+              <a:t>ev'ry</a:t>
+            </a:r>
+            <a:r>
+              <a:rPr lang="en-GB" sz="4800" dirty="0">
+                <a:solidFill>
+                  <a:schemeClr val="bg1"/>
+                </a:solidFill>
+              </a:rPr>
+              <a:t> dark addiction starts to break</a:t>
+            </a:r>
+          </a:p>
+          <a:p>
+            <a:r>
+              <a:rPr lang="en-GB" sz="4800" dirty="0">
+                <a:solidFill>
+                  <a:schemeClr val="bg1"/>
+                </a:solidFill>
+              </a:rPr>
+              <a:t>Declaring there is hope and there is freedom</a:t>
+            </a:r>
+          </a:p>
+          <a:p>
+            <a:r>
+              <a:rPr lang="en-GB" sz="4800" dirty="0">
+                <a:solidFill>
+                  <a:schemeClr val="bg1"/>
+                </a:solidFill>
+              </a:rPr>
+              <a:t>I speak Jesus</a:t>
+            </a:r>
+          </a:p>
+        </p:txBody>
+      </p:sp>
+      <p:sp>
+        <p:nvSpPr>
+          <p:cNvPr id="4" name="TextBox 3"/>
+          <p:cNvSpPr txBox="1"/>
+          <p:nvPr/>
+        </p:nvSpPr>
+        <p:spPr>
+          <a:xfrm>
+            <a:off x="8529729" y="0"/>
+            <a:ext cx="628698" cy="461665"/>
+          </a:xfrm>
+          <a:prstGeom prst="rect">
+            <a:avLst/>
+          </a:prstGeom>
+          <a:noFill/>
+        </p:spPr>
+        <p:txBody>
+          <a:bodyPr wrap="none" rtlCol="0">
+            <a:spAutoFit/>
+          </a:bodyPr>
+          <a:lstStyle/>
+          <a:p>
+            <a:r>
+              <a:rPr lang="en-GB" sz="2400" b="1" dirty="0">
+                <a:solidFill>
+                  <a:schemeClr val="bg1"/>
+                </a:solidFill>
+              </a:rPr>
+              <a:t>2/5</a:t>
+            </a:r>
+          </a:p>
+        </p:txBody>
+      </p:sp>
+    </p:spTree>
+    <p:extLst>
+      <p:ext uri="{BB962C8B-B14F-4D97-AF65-F5344CB8AC3E}">
+        <p14:creationId xmlns:p14="http://schemas.microsoft.com/office/powerpoint/2010/main" val="1877926088"/>
+      </p:ext>
+    </p:extLst>
+  </p:cSld>
+  <p:clrMapOvr>
+    <a:masterClrMapping/>
+  </p:clrMapOvr>
+</p:sld>
+</file>
+
+<file path=ppt/slides/slide31.xml><?xml version="1.0" encoding="utf-8"?>
+<p:sld xmlns:a="http://schemas.openxmlformats.org/drawingml/2006/main" xmlns:r="http://schemas.openxmlformats.org/officeDocument/2006/relationships" xmlns:p="http://schemas.openxmlformats.org/presentationml/2006/main">
+  <p:cSld>
+    <p:spTree>
+      <p:nvGrpSpPr>
+        <p:cNvPr id="1" name=""/>
+        <p:cNvGrpSpPr/>
+        <p:nvPr/>
+      </p:nvGrpSpPr>
+      <p:grpSpPr>
+        <a:xfrm>
+          <a:off x="0" y="0"/>
+          <a:ext cx="0" cy="0"/>
+          <a:chOff x="0" y="0"/>
+          <a:chExt cx="0" cy="0"/>
+        </a:xfrm>
+      </p:grpSpPr>
+      <p:sp>
+        <p:nvSpPr>
+          <p:cNvPr id="3" name="Subtitle 2"/>
+          <p:cNvSpPr>
+            <a:spLocks noGrp="1"/>
+          </p:cNvSpPr>
+          <p:nvPr>
+            <p:ph type="subTitle" idx="1"/>
+          </p:nvPr>
+        </p:nvSpPr>
+        <p:spPr>
+          <a:xfrm>
+            <a:off x="323528" y="188640"/>
+            <a:ext cx="8640960" cy="6480720"/>
+          </a:xfrm>
+        </p:spPr>
+        <p:txBody>
+          <a:bodyPr>
+            <a:noAutofit/>
+          </a:bodyPr>
+          <a:lstStyle/>
+          <a:p>
+            <a:r>
+              <a:rPr lang="en-GB" sz="4800" dirty="0">
+                <a:solidFill>
+                  <a:schemeClr val="bg1"/>
+                </a:solidFill>
+              </a:rPr>
+              <a:t>(</a:t>
+            </a:r>
+            <a:r>
+              <a:rPr lang="en-GB" sz="4800" dirty="0" err="1">
+                <a:solidFill>
+                  <a:schemeClr val="bg1"/>
+                </a:solidFill>
+              </a:rPr>
+              <a:t>'Cause</a:t>
+            </a:r>
+            <a:r>
+              <a:rPr lang="en-GB" sz="4800" dirty="0">
+                <a:solidFill>
+                  <a:schemeClr val="bg1"/>
+                </a:solidFill>
+              </a:rPr>
+              <a:t>) Your Name is power</a:t>
+            </a:r>
+          </a:p>
+          <a:p>
+            <a:r>
+              <a:rPr lang="en-GB" sz="4800" dirty="0">
+                <a:solidFill>
+                  <a:schemeClr val="bg1"/>
+                </a:solidFill>
+              </a:rPr>
+              <a:t>Your Name is healing</a:t>
+            </a:r>
+          </a:p>
+          <a:p>
+            <a:r>
+              <a:rPr lang="en-GB" sz="4800" dirty="0">
+                <a:solidFill>
+                  <a:schemeClr val="bg1"/>
+                </a:solidFill>
+              </a:rPr>
+              <a:t>Your Name is life</a:t>
+            </a:r>
+          </a:p>
+          <a:p>
+            <a:r>
+              <a:rPr lang="en-GB" sz="4800" dirty="0">
+                <a:solidFill>
+                  <a:schemeClr val="bg1"/>
+                </a:solidFill>
+              </a:rPr>
+              <a:t>Break </a:t>
+            </a:r>
+            <a:r>
+              <a:rPr lang="en-GB" sz="4800" dirty="0" err="1">
+                <a:solidFill>
+                  <a:schemeClr val="bg1"/>
+                </a:solidFill>
+              </a:rPr>
+              <a:t>ev'ry</a:t>
+            </a:r>
+            <a:r>
+              <a:rPr lang="en-GB" sz="4800" dirty="0">
+                <a:solidFill>
+                  <a:schemeClr val="bg1"/>
+                </a:solidFill>
+              </a:rPr>
+              <a:t> stronghold</a:t>
+            </a:r>
+          </a:p>
+          <a:p>
+            <a:r>
+              <a:rPr lang="en-GB" sz="4800" dirty="0">
+                <a:solidFill>
+                  <a:schemeClr val="bg1"/>
+                </a:solidFill>
+              </a:rPr>
+              <a:t>Shine through the shadows</a:t>
+            </a:r>
+          </a:p>
+          <a:p>
+            <a:r>
+              <a:rPr lang="en-GB" sz="4800" dirty="0">
+                <a:solidFill>
+                  <a:schemeClr val="bg1"/>
+                </a:solidFill>
+              </a:rPr>
+              <a:t>Burn like a fire</a:t>
+            </a:r>
+          </a:p>
+        </p:txBody>
+      </p:sp>
+      <p:sp>
+        <p:nvSpPr>
+          <p:cNvPr id="4" name="TextBox 3"/>
+          <p:cNvSpPr txBox="1"/>
+          <p:nvPr/>
+        </p:nvSpPr>
+        <p:spPr>
+          <a:xfrm>
+            <a:off x="8529729" y="0"/>
+            <a:ext cx="628698" cy="461665"/>
+          </a:xfrm>
+          <a:prstGeom prst="rect">
+            <a:avLst/>
+          </a:prstGeom>
+          <a:noFill/>
+        </p:spPr>
+        <p:txBody>
+          <a:bodyPr wrap="none" rtlCol="0">
+            <a:spAutoFit/>
+          </a:bodyPr>
+          <a:lstStyle/>
+          <a:p>
+            <a:r>
+              <a:rPr lang="en-GB" sz="2400" b="1" dirty="0">
+                <a:solidFill>
+                  <a:schemeClr val="bg1"/>
+                </a:solidFill>
+              </a:rPr>
+              <a:t>3/5</a:t>
+            </a:r>
+          </a:p>
+        </p:txBody>
+      </p:sp>
+    </p:spTree>
+    <p:extLst>
+      <p:ext uri="{BB962C8B-B14F-4D97-AF65-F5344CB8AC3E}">
+        <p14:creationId xmlns:p14="http://schemas.microsoft.com/office/powerpoint/2010/main" val="627538512"/>
+      </p:ext>
+    </p:extLst>
+  </p:cSld>
+  <p:clrMapOvr>
+    <a:masterClrMapping/>
+  </p:clrMapOvr>
+</p:sld>
+</file>
+
+<file path=ppt/slides/slide32.xml><?xml version="1.0" encoding="utf-8"?>
+<p:sld xmlns:a="http://schemas.openxmlformats.org/drawingml/2006/main" xmlns:r="http://schemas.openxmlformats.org/officeDocument/2006/relationships" xmlns:p="http://schemas.openxmlformats.org/presentationml/2006/main">
+  <p:cSld>
+    <p:spTree>
+      <p:nvGrpSpPr>
+        <p:cNvPr id="1" name=""/>
+        <p:cNvGrpSpPr/>
+        <p:nvPr/>
+      </p:nvGrpSpPr>
+      <p:grpSpPr>
+        <a:xfrm>
+          <a:off x="0" y="0"/>
+          <a:ext cx="0" cy="0"/>
+          <a:chOff x="0" y="0"/>
+          <a:chExt cx="0" cy="0"/>
+        </a:xfrm>
+      </p:grpSpPr>
+      <p:sp>
+        <p:nvSpPr>
+          <p:cNvPr id="3" name="Subtitle 2"/>
+          <p:cNvSpPr>
+            <a:spLocks noGrp="1"/>
+          </p:cNvSpPr>
+          <p:nvPr>
+            <p:ph type="subTitle" idx="1"/>
+          </p:nvPr>
+        </p:nvSpPr>
+        <p:spPr>
+          <a:xfrm>
+            <a:off x="323528" y="188640"/>
+            <a:ext cx="8640960" cy="6480720"/>
+          </a:xfrm>
+        </p:spPr>
+        <p:txBody>
+          <a:bodyPr>
+            <a:noAutofit/>
+          </a:bodyPr>
+          <a:lstStyle/>
+          <a:p>
+            <a:r>
+              <a:rPr lang="en-GB" sz="4600" dirty="0">
+                <a:solidFill>
+                  <a:schemeClr val="bg1"/>
+                </a:solidFill>
+              </a:rPr>
+              <a:t>I just want to speak the Name of Jesus</a:t>
+            </a:r>
+          </a:p>
+          <a:p>
+            <a:r>
+              <a:rPr lang="en-GB" sz="4600" dirty="0">
+                <a:solidFill>
+                  <a:schemeClr val="bg1"/>
+                </a:solidFill>
+              </a:rPr>
+              <a:t>Over fear and all anxiety</a:t>
+            </a:r>
+          </a:p>
+          <a:p>
+            <a:r>
+              <a:rPr lang="en-GB" sz="4600" dirty="0">
+                <a:solidFill>
+                  <a:schemeClr val="bg1"/>
+                </a:solidFill>
+              </a:rPr>
+              <a:t>To </a:t>
+            </a:r>
+            <a:r>
+              <a:rPr lang="en-GB" sz="4600" dirty="0" err="1">
+                <a:solidFill>
+                  <a:schemeClr val="bg1"/>
+                </a:solidFill>
+              </a:rPr>
+              <a:t>ev'ry</a:t>
+            </a:r>
+            <a:r>
+              <a:rPr lang="en-GB" sz="4600" dirty="0">
+                <a:solidFill>
+                  <a:schemeClr val="bg1"/>
+                </a:solidFill>
+              </a:rPr>
+              <a:t> soul held captive by depression</a:t>
+            </a:r>
+          </a:p>
+          <a:p>
+            <a:r>
+              <a:rPr lang="en-GB" sz="4600" dirty="0">
+                <a:solidFill>
+                  <a:schemeClr val="bg1"/>
+                </a:solidFill>
+              </a:rPr>
+              <a:t>I speak Jesus</a:t>
+            </a:r>
+          </a:p>
+        </p:txBody>
+      </p:sp>
+      <p:sp>
+        <p:nvSpPr>
+          <p:cNvPr id="4" name="TextBox 3"/>
+          <p:cNvSpPr txBox="1"/>
+          <p:nvPr/>
+        </p:nvSpPr>
+        <p:spPr>
+          <a:xfrm>
+            <a:off x="8529729" y="0"/>
+            <a:ext cx="628698" cy="461665"/>
+          </a:xfrm>
+          <a:prstGeom prst="rect">
+            <a:avLst/>
+          </a:prstGeom>
+          <a:noFill/>
+        </p:spPr>
+        <p:txBody>
+          <a:bodyPr wrap="none" rtlCol="0">
+            <a:spAutoFit/>
+          </a:bodyPr>
+          <a:lstStyle/>
+          <a:p>
+            <a:r>
+              <a:rPr lang="en-GB" sz="2400" b="1" dirty="0">
+                <a:solidFill>
+                  <a:schemeClr val="bg1"/>
+                </a:solidFill>
+              </a:rPr>
+              <a:t>4/5</a:t>
+            </a:r>
+          </a:p>
+        </p:txBody>
+      </p:sp>
+    </p:spTree>
+    <p:extLst>
+      <p:ext uri="{BB962C8B-B14F-4D97-AF65-F5344CB8AC3E}">
+        <p14:creationId xmlns:p14="http://schemas.microsoft.com/office/powerpoint/2010/main" val="2466039586"/>
+      </p:ext>
+    </p:extLst>
+  </p:cSld>
+  <p:clrMapOvr>
+    <a:masterClrMapping/>
+  </p:clrMapOvr>
+</p:sld>
+</file>
+
+<file path=ppt/slides/slide33.xml><?xml version="1.0" encoding="utf-8"?>
+<p:sld xmlns:a="http://schemas.openxmlformats.org/drawingml/2006/main" xmlns:r="http://schemas.openxmlformats.org/officeDocument/2006/relationships" xmlns:p="http://schemas.openxmlformats.org/presentationml/2006/main">
+  <p:cSld>
+    <p:spTree>
+      <p:nvGrpSpPr>
+        <p:cNvPr id="1" name=""/>
+        <p:cNvGrpSpPr/>
+        <p:nvPr/>
+      </p:nvGrpSpPr>
+      <p:grpSpPr>
+        <a:xfrm>
+          <a:off x="0" y="0"/>
+          <a:ext cx="0" cy="0"/>
+          <a:chOff x="0" y="0"/>
+          <a:chExt cx="0" cy="0"/>
+        </a:xfrm>
+      </p:grpSpPr>
+      <p:sp>
+        <p:nvSpPr>
+          <p:cNvPr id="3" name="Subtitle 2"/>
+          <p:cNvSpPr>
+            <a:spLocks noGrp="1"/>
+          </p:cNvSpPr>
+          <p:nvPr>
+            <p:ph type="subTitle" idx="1"/>
+          </p:nvPr>
+        </p:nvSpPr>
+        <p:spPr>
+          <a:xfrm>
+            <a:off x="323528" y="188640"/>
+            <a:ext cx="8640960" cy="6480720"/>
+          </a:xfrm>
+        </p:spPr>
+        <p:txBody>
+          <a:bodyPr>
+            <a:noAutofit/>
+          </a:bodyPr>
+          <a:lstStyle/>
+          <a:p>
+            <a:r>
+              <a:rPr lang="en-GB" sz="4800" dirty="0">
+                <a:solidFill>
+                  <a:schemeClr val="bg1"/>
+                </a:solidFill>
+              </a:rPr>
+              <a:t>Shout Jesus from the mountains</a:t>
+            </a:r>
+          </a:p>
+          <a:p>
+            <a:r>
+              <a:rPr lang="en-GB" sz="4800" dirty="0">
+                <a:solidFill>
+                  <a:schemeClr val="bg1"/>
+                </a:solidFill>
+              </a:rPr>
+              <a:t>Jesus in the streets</a:t>
+            </a:r>
+          </a:p>
+          <a:p>
+            <a:r>
+              <a:rPr lang="en-GB" sz="4800" dirty="0">
+                <a:solidFill>
+                  <a:schemeClr val="bg1"/>
+                </a:solidFill>
+              </a:rPr>
+              <a:t>Jesus in the darkness over </a:t>
+            </a:r>
+            <a:r>
+              <a:rPr lang="en-GB" sz="4800" dirty="0" err="1">
+                <a:solidFill>
+                  <a:schemeClr val="bg1"/>
+                </a:solidFill>
+              </a:rPr>
+              <a:t>ev'ry</a:t>
+            </a:r>
+            <a:r>
+              <a:rPr lang="en-GB" sz="4800" dirty="0">
+                <a:solidFill>
+                  <a:schemeClr val="bg1"/>
+                </a:solidFill>
+              </a:rPr>
+              <a:t> enemy</a:t>
+            </a:r>
+          </a:p>
+          <a:p>
+            <a:r>
+              <a:rPr lang="en-GB" sz="4800" dirty="0">
+                <a:solidFill>
+                  <a:schemeClr val="bg1"/>
+                </a:solidFill>
+              </a:rPr>
+              <a:t>Jesus for my </a:t>
+            </a:r>
+            <a:r>
+              <a:rPr lang="en-GB" sz="4800" dirty="0" err="1">
+                <a:solidFill>
+                  <a:schemeClr val="bg1"/>
+                </a:solidFill>
+              </a:rPr>
+              <a:t>fam'ly</a:t>
+            </a:r>
+            <a:endParaRPr lang="en-GB" sz="4800" dirty="0">
+              <a:solidFill>
+                <a:schemeClr val="bg1"/>
+              </a:solidFill>
+            </a:endParaRPr>
+          </a:p>
+          <a:p>
+            <a:r>
+              <a:rPr lang="en-GB" sz="4800" dirty="0">
+                <a:solidFill>
+                  <a:schemeClr val="bg1"/>
+                </a:solidFill>
+              </a:rPr>
+              <a:t>I speak the holy Name Jesus</a:t>
+            </a:r>
+          </a:p>
+        </p:txBody>
+      </p:sp>
+      <p:sp>
+        <p:nvSpPr>
+          <p:cNvPr id="4" name="TextBox 3"/>
+          <p:cNvSpPr txBox="1"/>
+          <p:nvPr/>
+        </p:nvSpPr>
+        <p:spPr>
+          <a:xfrm>
+            <a:off x="8529729" y="0"/>
+            <a:ext cx="628698" cy="461665"/>
+          </a:xfrm>
+          <a:prstGeom prst="rect">
+            <a:avLst/>
+          </a:prstGeom>
+          <a:noFill/>
+        </p:spPr>
+        <p:txBody>
+          <a:bodyPr wrap="none" rtlCol="0">
+            <a:spAutoFit/>
+          </a:bodyPr>
+          <a:lstStyle/>
+          <a:p>
+            <a:r>
+              <a:rPr lang="en-GB" sz="2400" b="1" dirty="0">
+                <a:solidFill>
+                  <a:schemeClr val="bg1"/>
+                </a:solidFill>
+              </a:rPr>
+              <a:t>5/5</a:t>
+            </a:r>
+          </a:p>
+        </p:txBody>
+      </p:sp>
+    </p:spTree>
+    <p:extLst>
+      <p:ext uri="{BB962C8B-B14F-4D97-AF65-F5344CB8AC3E}">
+        <p14:creationId xmlns:p14="http://schemas.microsoft.com/office/powerpoint/2010/main" val="3178456008"/>
       </p:ext>
     </p:extLst>
   </p:cSld>

--- a/docs/songs_2022-10-02.pptx
+++ b/docs/songs_2022-10-02.pptx
@@ -5,7 +5,7 @@
     <p:sldMasterId id="2147483648" r:id="rId1"/>
   </p:sldMasterIdLst>
   <p:notesMasterIdLst>
-    <p:notesMasterId r:id="rId35"/>
+    <p:notesMasterId r:id="rId40"/>
   </p:notesMasterIdLst>
   <p:sldIdLst>
     <p:sldId id="459" r:id="rId2"/>
@@ -16,31 +16,36 @@
     <p:sldId id="616" r:id="rId7"/>
     <p:sldId id="707" r:id="rId8"/>
     <p:sldId id="708" r:id="rId9"/>
-    <p:sldId id="656" r:id="rId10"/>
-    <p:sldId id="657" r:id="rId11"/>
-    <p:sldId id="661" r:id="rId12"/>
-    <p:sldId id="658" r:id="rId13"/>
-    <p:sldId id="659" r:id="rId14"/>
-    <p:sldId id="660" r:id="rId15"/>
-    <p:sldId id="709" r:id="rId16"/>
-    <p:sldId id="710" r:id="rId17"/>
-    <p:sldId id="711" r:id="rId18"/>
-    <p:sldId id="712" r:id="rId19"/>
-    <p:sldId id="450" r:id="rId20"/>
-    <p:sldId id="605" r:id="rId21"/>
-    <p:sldId id="540" r:id="rId22"/>
-    <p:sldId id="706" r:id="rId23"/>
-    <p:sldId id="545" r:id="rId24"/>
-    <p:sldId id="546" r:id="rId25"/>
-    <p:sldId id="547" r:id="rId26"/>
-    <p:sldId id="548" r:id="rId27"/>
-    <p:sldId id="635" r:id="rId28"/>
-    <p:sldId id="465" r:id="rId29"/>
-    <p:sldId id="466" r:id="rId30"/>
-    <p:sldId id="467" r:id="rId31"/>
-    <p:sldId id="474" r:id="rId32"/>
-    <p:sldId id="695" r:id="rId33"/>
-    <p:sldId id="696" r:id="rId34"/>
+    <p:sldId id="716" r:id="rId10"/>
+    <p:sldId id="656" r:id="rId11"/>
+    <p:sldId id="657" r:id="rId12"/>
+    <p:sldId id="661" r:id="rId13"/>
+    <p:sldId id="658" r:id="rId14"/>
+    <p:sldId id="659" r:id="rId15"/>
+    <p:sldId id="660" r:id="rId16"/>
+    <p:sldId id="713" r:id="rId17"/>
+    <p:sldId id="717" r:id="rId18"/>
+    <p:sldId id="709" r:id="rId19"/>
+    <p:sldId id="710" r:id="rId20"/>
+    <p:sldId id="711" r:id="rId21"/>
+    <p:sldId id="712" r:id="rId22"/>
+    <p:sldId id="450" r:id="rId23"/>
+    <p:sldId id="605" r:id="rId24"/>
+    <p:sldId id="540" r:id="rId25"/>
+    <p:sldId id="706" r:id="rId26"/>
+    <p:sldId id="714" r:id="rId27"/>
+    <p:sldId id="715" r:id="rId28"/>
+    <p:sldId id="545" r:id="rId29"/>
+    <p:sldId id="546" r:id="rId30"/>
+    <p:sldId id="547" r:id="rId31"/>
+    <p:sldId id="548" r:id="rId32"/>
+    <p:sldId id="635" r:id="rId33"/>
+    <p:sldId id="465" r:id="rId34"/>
+    <p:sldId id="466" r:id="rId35"/>
+    <p:sldId id="467" r:id="rId36"/>
+    <p:sldId id="474" r:id="rId37"/>
+    <p:sldId id="695" r:id="rId38"/>
+    <p:sldId id="696" r:id="rId39"/>
   </p:sldIdLst>
   <p:sldSz cx="9144000" cy="6858000" type="screen4x3"/>
   <p:notesSz cx="6858000" cy="9144000"/>
@@ -240,7 +245,7 @@
           <a:p>
             <a:fld id="{C57EAEFC-A9C7-464E-BE3F-33D4DD72E122}" type="datetimeFigureOut">
               <a:rPr lang="en-GB" smtClean="0"/>
-              <a:t>26/09/2022</a:t>
+              <a:t>01/10/2022</a:t>
             </a:fld>
             <a:endParaRPr lang="en-GB"/>
           </a:p>
@@ -690,7 +695,7 @@
             <a:fld id="{26EA1CF3-4A15-4CBF-9A5A-6A56C368BE71}" type="datetimeFigureOut">
               <a:rPr lang="en-GB" smtClean="0"/>
               <a:pPr/>
-              <a:t>26/09/2022</a:t>
+              <a:t>01/10/2022</a:t>
             </a:fld>
             <a:endParaRPr lang="en-GB"/>
           </a:p>
@@ -857,7 +862,7 @@
             <a:fld id="{26EA1CF3-4A15-4CBF-9A5A-6A56C368BE71}" type="datetimeFigureOut">
               <a:rPr lang="en-GB" smtClean="0"/>
               <a:pPr/>
-              <a:t>26/09/2022</a:t>
+              <a:t>01/10/2022</a:t>
             </a:fld>
             <a:endParaRPr lang="en-GB"/>
           </a:p>
@@ -1034,7 +1039,7 @@
             <a:fld id="{26EA1CF3-4A15-4CBF-9A5A-6A56C368BE71}" type="datetimeFigureOut">
               <a:rPr lang="en-GB" smtClean="0"/>
               <a:pPr/>
-              <a:t>26/09/2022</a:t>
+              <a:t>01/10/2022</a:t>
             </a:fld>
             <a:endParaRPr lang="en-GB"/>
           </a:p>
@@ -1201,7 +1206,7 @@
             <a:fld id="{26EA1CF3-4A15-4CBF-9A5A-6A56C368BE71}" type="datetimeFigureOut">
               <a:rPr lang="en-GB" smtClean="0"/>
               <a:pPr/>
-              <a:t>26/09/2022</a:t>
+              <a:t>01/10/2022</a:t>
             </a:fld>
             <a:endParaRPr lang="en-GB"/>
           </a:p>
@@ -1444,7 +1449,7 @@
             <a:fld id="{26EA1CF3-4A15-4CBF-9A5A-6A56C368BE71}" type="datetimeFigureOut">
               <a:rPr lang="en-GB" smtClean="0"/>
               <a:pPr/>
-              <a:t>26/09/2022</a:t>
+              <a:t>01/10/2022</a:t>
             </a:fld>
             <a:endParaRPr lang="en-GB"/>
           </a:p>
@@ -1729,7 +1734,7 @@
             <a:fld id="{26EA1CF3-4A15-4CBF-9A5A-6A56C368BE71}" type="datetimeFigureOut">
               <a:rPr lang="en-GB" smtClean="0"/>
               <a:pPr/>
-              <a:t>26/09/2022</a:t>
+              <a:t>01/10/2022</a:t>
             </a:fld>
             <a:endParaRPr lang="en-GB"/>
           </a:p>
@@ -2148,7 +2153,7 @@
             <a:fld id="{26EA1CF3-4A15-4CBF-9A5A-6A56C368BE71}" type="datetimeFigureOut">
               <a:rPr lang="en-GB" smtClean="0"/>
               <a:pPr/>
-              <a:t>26/09/2022</a:t>
+              <a:t>01/10/2022</a:t>
             </a:fld>
             <a:endParaRPr lang="en-GB"/>
           </a:p>
@@ -2263,7 +2268,7 @@
             <a:fld id="{26EA1CF3-4A15-4CBF-9A5A-6A56C368BE71}" type="datetimeFigureOut">
               <a:rPr lang="en-GB" smtClean="0"/>
               <a:pPr/>
-              <a:t>26/09/2022</a:t>
+              <a:t>01/10/2022</a:t>
             </a:fld>
             <a:endParaRPr lang="en-GB"/>
           </a:p>
@@ -2355,7 +2360,7 @@
             <a:fld id="{26EA1CF3-4A15-4CBF-9A5A-6A56C368BE71}" type="datetimeFigureOut">
               <a:rPr lang="en-GB" smtClean="0"/>
               <a:pPr/>
-              <a:t>26/09/2022</a:t>
+              <a:t>01/10/2022</a:t>
             </a:fld>
             <a:endParaRPr lang="en-GB"/>
           </a:p>
@@ -2629,7 +2634,7 @@
             <a:fld id="{26EA1CF3-4A15-4CBF-9A5A-6A56C368BE71}" type="datetimeFigureOut">
               <a:rPr lang="en-GB" smtClean="0"/>
               <a:pPr/>
-              <a:t>26/09/2022</a:t>
+              <a:t>01/10/2022</a:t>
             </a:fld>
             <a:endParaRPr lang="en-GB"/>
           </a:p>
@@ -2879,7 +2884,7 @@
             <a:fld id="{26EA1CF3-4A15-4CBF-9A5A-6A56C368BE71}" type="datetimeFigureOut">
               <a:rPr lang="en-GB" smtClean="0"/>
               <a:pPr/>
-              <a:t>26/09/2022</a:t>
+              <a:t>01/10/2022</a:t>
             </a:fld>
             <a:endParaRPr lang="en-GB"/>
           </a:p>
@@ -3092,7 +3097,7 @@
             <a:fld id="{26EA1CF3-4A15-4CBF-9A5A-6A56C368BE71}" type="datetimeFigureOut">
               <a:rPr lang="en-GB" smtClean="0"/>
               <a:pPr/>
-              <a:t>26/09/2022</a:t>
+              <a:t>01/10/2022</a:t>
             </a:fld>
             <a:endParaRPr lang="en-GB"/>
           </a:p>
@@ -3617,124 +3622,185 @@
           </a:bodyPr>
           <a:lstStyle/>
           <a:p>
-            <a:r>
-              <a:rPr lang="en-GB" sz="4000" dirty="0">
-                <a:solidFill>
-                  <a:schemeClr val="bg1"/>
-                </a:solidFill>
-              </a:rPr>
-              <a:t>Christ is my firm foundation</a:t>
-            </a:r>
-          </a:p>
-          <a:p>
-            <a:r>
-              <a:rPr lang="en-GB" sz="4000" dirty="0">
-                <a:solidFill>
-                  <a:schemeClr val="bg1"/>
-                </a:solidFill>
-              </a:rPr>
-              <a:t>The rock on which I stand</a:t>
-            </a:r>
-          </a:p>
-          <a:p>
-            <a:r>
-              <a:rPr lang="en-GB" sz="4000" dirty="0">
-                <a:solidFill>
-                  <a:schemeClr val="bg1"/>
-                </a:solidFill>
-              </a:rPr>
-              <a:t>When everything around me is shaken</a:t>
-            </a:r>
-          </a:p>
-          <a:p>
-            <a:r>
-              <a:rPr lang="en-GB" sz="4000" dirty="0">
-                <a:solidFill>
-                  <a:schemeClr val="bg1"/>
-                </a:solidFill>
-              </a:rPr>
-              <a:t>I've never been more glad</a:t>
-            </a:r>
-          </a:p>
-          <a:p>
-            <a:r>
-              <a:rPr lang="en-GB" sz="4000" dirty="0">
-                <a:solidFill>
-                  <a:schemeClr val="bg1"/>
-                </a:solidFill>
-              </a:rPr>
-              <a:t>That I put my faith in Jesus</a:t>
-            </a:r>
-          </a:p>
-          <a:p>
-            <a:r>
-              <a:rPr lang="en-GB" sz="4000" dirty="0" err="1">
-                <a:solidFill>
-                  <a:schemeClr val="bg1"/>
-                </a:solidFill>
-              </a:rPr>
-              <a:t>'Cause</a:t>
-            </a:r>
-            <a:r>
-              <a:rPr lang="en-GB" sz="4000" dirty="0">
-                <a:solidFill>
-                  <a:schemeClr val="bg1"/>
-                </a:solidFill>
-              </a:rPr>
-              <a:t> He's never let me down</a:t>
-            </a:r>
-          </a:p>
-          <a:p>
-            <a:r>
-              <a:rPr lang="en-GB" sz="4000" dirty="0">
-                <a:solidFill>
-                  <a:schemeClr val="bg1"/>
-                </a:solidFill>
-              </a:rPr>
-              <a:t>He's faithful through generations</a:t>
-            </a:r>
-          </a:p>
-          <a:p>
-            <a:r>
-              <a:rPr lang="en-GB" sz="4000" dirty="0">
-                <a:solidFill>
-                  <a:schemeClr val="bg1"/>
-                </a:solidFill>
-              </a:rPr>
-              <a:t>So why would He fail now</a:t>
-            </a:r>
-          </a:p>
-        </p:txBody>
-      </p:sp>
-      <p:sp>
-        <p:nvSpPr>
-          <p:cNvPr id="4" name="TextBox 3"/>
-          <p:cNvSpPr txBox="1"/>
-          <p:nvPr/>
-        </p:nvSpPr>
-        <p:spPr>
-          <a:xfrm>
-            <a:off x="8529729" y="0"/>
-            <a:ext cx="628698" cy="461665"/>
-          </a:xfrm>
-          <a:prstGeom prst="rect">
-            <a:avLst/>
-          </a:prstGeom>
-          <a:noFill/>
-        </p:spPr>
-        <p:txBody>
-          <a:bodyPr wrap="none" rtlCol="0">
-            <a:spAutoFit/>
-          </a:bodyPr>
-          <a:lstStyle/>
-          <a:p>
-            <a:r>
-              <a:rPr lang="en-GB" sz="2400" b="1" dirty="0">
-                <a:solidFill>
-                  <a:schemeClr val="bg1"/>
-                </a:solidFill>
-              </a:rPr>
-              <a:t>1/5</a:t>
+            <a:endParaRPr lang="en-GB" sz="5400" dirty="0">
+              <a:solidFill>
+                <a:schemeClr val="bg1"/>
+              </a:solidFill>
+            </a:endParaRPr>
+          </a:p>
+          <a:p>
+            <a:r>
+              <a:rPr lang="en-GB" sz="6600" b="0" i="0" dirty="0">
+                <a:solidFill>
+                  <a:srgbClr val="00A3E0"/>
+                </a:solidFill>
+                <a:effectLst/>
+                <a:latin typeface="akagi_probook"/>
+              </a:rPr>
+              <a:t>Firm Foundation </a:t>
+            </a:r>
+            <a:br>
+              <a:rPr lang="en-GB" sz="6600" b="0" i="0" dirty="0">
+                <a:solidFill>
+                  <a:srgbClr val="00A3E0"/>
+                </a:solidFill>
+                <a:effectLst/>
+                <a:latin typeface="akagi_probook"/>
+              </a:rPr>
+            </a:br>
+            <a:r>
+              <a:rPr lang="en-GB" sz="6600" b="0" i="0" dirty="0">
+                <a:solidFill>
+                  <a:srgbClr val="00A3E0"/>
+                </a:solidFill>
+                <a:effectLst/>
+                <a:latin typeface="akagi_probook"/>
+              </a:rPr>
+              <a:t>(He Won't)</a:t>
+            </a:r>
+          </a:p>
+          <a:p>
+            <a:br>
+              <a:rPr lang="en-GB" sz="1200" dirty="0">
+                <a:solidFill>
+                  <a:schemeClr val="bg1"/>
+                </a:solidFill>
+              </a:rPr>
+            </a:br>
+            <a:r>
+              <a:rPr lang="en-GB" sz="1200" dirty="0">
+                <a:solidFill>
+                  <a:schemeClr val="bg1"/>
+                </a:solidFill>
+              </a:rPr>
+              <a:t>CCLI Song # 7188203</a:t>
+            </a:r>
+          </a:p>
+          <a:p>
+            <a:endParaRPr lang="en-GB" sz="1200" dirty="0">
+              <a:solidFill>
+                <a:schemeClr val="bg1"/>
+              </a:solidFill>
+            </a:endParaRPr>
+          </a:p>
+          <a:p>
+            <a:r>
+              <a:rPr lang="en-GB" sz="1200" dirty="0">
+                <a:solidFill>
+                  <a:schemeClr val="bg1"/>
+                </a:solidFill>
+              </a:rPr>
+              <a:t>Austin Davis | Chandler Moore | Cody Carnes</a:t>
+            </a:r>
+          </a:p>
+          <a:p>
+            <a:endParaRPr lang="en-GB" sz="1200" dirty="0">
+              <a:solidFill>
+                <a:schemeClr val="bg1"/>
+              </a:solidFill>
+            </a:endParaRPr>
+          </a:p>
+          <a:p>
+            <a:r>
+              <a:rPr lang="en-GB" sz="1200" dirty="0">
+                <a:solidFill>
+                  <a:schemeClr val="bg1"/>
+                </a:solidFill>
+              </a:rPr>
+              <a:t>© 2021 For Humans Publishing (Admin by Essential Music Publishing)</a:t>
+            </a:r>
+          </a:p>
+          <a:p>
+            <a:r>
+              <a:rPr lang="en-GB" sz="1200" dirty="0">
+                <a:solidFill>
+                  <a:schemeClr val="bg1"/>
+                </a:solidFill>
+              </a:rPr>
+              <a:t>Maverick City Publishing (Admin by Essential Music Publishing)</a:t>
+            </a:r>
+          </a:p>
+          <a:p>
+            <a:r>
+              <a:rPr lang="en-GB" sz="1200" dirty="0">
+                <a:solidFill>
+                  <a:schemeClr val="bg1"/>
+                </a:solidFill>
+              </a:rPr>
+              <a:t>Capitol CMG Paragon (Admin. by Capitol CMG Publishing)</a:t>
+            </a:r>
+          </a:p>
+          <a:p>
+            <a:r>
+              <a:rPr lang="en-GB" sz="1200" dirty="0">
+                <a:solidFill>
+                  <a:schemeClr val="bg1"/>
+                </a:solidFill>
+              </a:rPr>
+              <a:t>TBCO Publishing (Admin. by Capitol CMG Publishing)</a:t>
+            </a:r>
+          </a:p>
+          <a:p>
+            <a:r>
+              <a:rPr lang="en-GB" sz="1200" dirty="0">
+                <a:solidFill>
+                  <a:schemeClr val="bg1"/>
+                </a:solidFill>
+              </a:rPr>
+              <a:t>Writer's Roof Publishing (Admin. by Capitol CMG Publishing)</a:t>
+            </a:r>
+          </a:p>
+          <a:p>
+            <a:r>
+              <a:rPr lang="en-GB" sz="1200" dirty="0">
+                <a:solidFill>
+                  <a:schemeClr val="bg1"/>
+                </a:solidFill>
+              </a:rPr>
+              <a:t>A.L.K.D. Music (Admin. by Watershed Music Group (Admin. by Capitol CMG Publishing))</a:t>
+            </a:r>
+          </a:p>
+          <a:p>
+            <a:r>
+              <a:rPr lang="en-GB" sz="1200" dirty="0">
+                <a:solidFill>
+                  <a:schemeClr val="bg1"/>
+                </a:solidFill>
+              </a:rPr>
+              <a:t>For use solely with the </a:t>
+            </a:r>
+            <a:r>
+              <a:rPr lang="en-GB" sz="1200" dirty="0" err="1">
+                <a:solidFill>
+                  <a:schemeClr val="bg1"/>
+                </a:solidFill>
+              </a:rPr>
+              <a:t>SongSelect</a:t>
+            </a:r>
+            <a:r>
+              <a:rPr lang="en-GB" sz="1200" dirty="0">
+                <a:solidFill>
+                  <a:schemeClr val="bg1"/>
+                </a:solidFill>
+              </a:rPr>
+              <a:t>® Terms of Use. All rights reserved. www.ccli.com</a:t>
+            </a:r>
+          </a:p>
+          <a:p>
+            <a:endParaRPr lang="en-GB" sz="1200" dirty="0">
+              <a:solidFill>
+                <a:schemeClr val="bg1"/>
+              </a:solidFill>
+            </a:endParaRPr>
+          </a:p>
+          <a:p>
+            <a:r>
+              <a:rPr lang="en-GB" sz="1200" dirty="0">
+                <a:solidFill>
+                  <a:schemeClr val="bg1"/>
+                </a:solidFill>
+              </a:rPr>
+              <a:t>CCLI Licence No. 33265</a:t>
             </a:r>
           </a:p>
         </p:txBody>
@@ -3742,7 +3808,7 @@
     </p:spTree>
     <p:extLst>
       <p:ext uri="{BB962C8B-B14F-4D97-AF65-F5344CB8AC3E}">
-        <p14:creationId xmlns:p14="http://schemas.microsoft.com/office/powerpoint/2010/main" val="3477359480"/>
+        <p14:creationId xmlns:p14="http://schemas.microsoft.com/office/powerpoint/2010/main" val="1141057996"/>
       </p:ext>
     </p:extLst>
   </p:cSld>
@@ -3797,7 +3863,7 @@
                   <a:schemeClr val="bg1"/>
                 </a:solidFill>
               </a:rPr>
-              <a:t>He won’t</a:t>
+              <a:t>Christ is my firm foundation</a:t>
             </a:r>
           </a:p>
           <a:p>
@@ -3807,15 +3873,76 @@
                   <a:schemeClr val="bg1"/>
                 </a:solidFill>
               </a:rPr>
-              <a:t>He won't</a:t>
-            </a:r>
-          </a:p>
-          <a:p>
-            <a:endParaRPr lang="en-GB" sz="4000" dirty="0">
-              <a:solidFill>
-                <a:schemeClr val="bg1"/>
-              </a:solidFill>
-            </a:endParaRPr>
+              <a:t>The rock on which I stand</a:t>
+            </a:r>
+          </a:p>
+          <a:p>
+            <a:r>
+              <a:rPr lang="en-GB" sz="4000" dirty="0">
+                <a:solidFill>
+                  <a:schemeClr val="bg1"/>
+                </a:solidFill>
+              </a:rPr>
+              <a:t>When everything around me is shaken</a:t>
+            </a:r>
+          </a:p>
+          <a:p>
+            <a:r>
+              <a:rPr lang="en-GB" sz="4000" dirty="0">
+                <a:solidFill>
+                  <a:schemeClr val="bg1"/>
+                </a:solidFill>
+              </a:rPr>
+              <a:t>I've never been more glad</a:t>
+            </a:r>
+          </a:p>
+          <a:p>
+            <a:r>
+              <a:rPr lang="en-GB" sz="4000" dirty="0">
+                <a:solidFill>
+                  <a:schemeClr val="bg1"/>
+                </a:solidFill>
+              </a:rPr>
+              <a:t>That I put my faith in Jesus</a:t>
+            </a:r>
+          </a:p>
+          <a:p>
+            <a:r>
+              <a:rPr lang="en-GB" sz="4000" dirty="0" err="1">
+                <a:solidFill>
+                  <a:schemeClr val="bg1"/>
+                </a:solidFill>
+              </a:rPr>
+              <a:t>'Cause</a:t>
+            </a:r>
+            <a:r>
+              <a:rPr lang="en-GB" sz="4000" dirty="0">
+                <a:solidFill>
+                  <a:schemeClr val="bg1"/>
+                </a:solidFill>
+              </a:rPr>
+              <a:t> He's never let me down</a:t>
+            </a:r>
+          </a:p>
+          <a:p>
+            <a:r>
+              <a:rPr lang="en-GB" sz="4000" dirty="0">
+                <a:solidFill>
+                  <a:schemeClr val="bg1"/>
+                </a:solidFill>
+              </a:rPr>
+              <a:t>He's faithful through generations</a:t>
+            </a:r>
+          </a:p>
+          <a:p>
+            <a:r>
+              <a:rPr lang="en-GB" sz="4000" dirty="0">
+                <a:solidFill>
+                  <a:schemeClr val="bg1"/>
+                </a:solidFill>
+              </a:rPr>
+              <a:t>So why would He fail now</a:t>
+            </a:r>
           </a:p>
         </p:txBody>
       </p:sp>
@@ -3847,7 +3974,7 @@
                   <a:schemeClr val="bg1"/>
                 </a:solidFill>
               </a:rPr>
-              <a:t>2/5</a:t>
+              <a:t>1/6</a:t>
             </a:r>
           </a:p>
         </p:txBody>
@@ -3855,7 +3982,7 @@
     </p:spTree>
     <p:extLst>
       <p:ext uri="{BB962C8B-B14F-4D97-AF65-F5344CB8AC3E}">
-        <p14:creationId xmlns:p14="http://schemas.microsoft.com/office/powerpoint/2010/main" val="2793727316"/>
+        <p14:creationId xmlns:p14="http://schemas.microsoft.com/office/powerpoint/2010/main" val="3477359480"/>
       </p:ext>
     </p:extLst>
   </p:cSld>
@@ -3910,7 +4037,7 @@
                   <a:schemeClr val="bg1"/>
                 </a:solidFill>
               </a:rPr>
-              <a:t>I've still got joy in chaos</a:t>
+              <a:t>He won’t</a:t>
             </a:r>
           </a:p>
           <a:p>
@@ -3920,76 +4047,15 @@
                   <a:schemeClr val="bg1"/>
                 </a:solidFill>
               </a:rPr>
-              <a:t>I've got peace that makes no sense</a:t>
-            </a:r>
-          </a:p>
-          <a:p>
-            <a:r>
-              <a:rPr lang="en-GB" sz="4000" dirty="0">
-                <a:solidFill>
-                  <a:schemeClr val="bg1"/>
-                </a:solidFill>
-              </a:rPr>
-              <a:t>So I won't be going under</a:t>
-            </a:r>
-          </a:p>
-          <a:p>
-            <a:r>
-              <a:rPr lang="en-GB" sz="4000" dirty="0">
-                <a:solidFill>
-                  <a:schemeClr val="bg1"/>
-                </a:solidFill>
-              </a:rPr>
-              <a:t>I'm not held by my own strength</a:t>
-            </a:r>
-          </a:p>
-          <a:p>
-            <a:r>
-              <a:rPr lang="en-GB" sz="4000" dirty="0" err="1">
-                <a:solidFill>
-                  <a:schemeClr val="bg1"/>
-                </a:solidFill>
-              </a:rPr>
-              <a:t>'Cause</a:t>
-            </a:r>
-            <a:r>
-              <a:rPr lang="en-GB" sz="4000" dirty="0">
-                <a:solidFill>
-                  <a:schemeClr val="bg1"/>
-                </a:solidFill>
-              </a:rPr>
-              <a:t> I've built my life on Jesus</a:t>
-            </a:r>
-          </a:p>
-          <a:p>
-            <a:r>
-              <a:rPr lang="en-GB" sz="4000" dirty="0">
-                <a:solidFill>
-                  <a:schemeClr val="bg1"/>
-                </a:solidFill>
-              </a:rPr>
-              <a:t>He's never let me down</a:t>
-            </a:r>
-          </a:p>
-          <a:p>
-            <a:r>
-              <a:rPr lang="en-GB" sz="4000" dirty="0">
-                <a:solidFill>
-                  <a:schemeClr val="bg1"/>
-                </a:solidFill>
-              </a:rPr>
-              <a:t>He's faithful in every season</a:t>
-            </a:r>
-          </a:p>
-          <a:p>
-            <a:r>
-              <a:rPr lang="en-GB" sz="4000" dirty="0">
-                <a:solidFill>
-                  <a:schemeClr val="bg1"/>
-                </a:solidFill>
-              </a:rPr>
-              <a:t>So why would He fail now</a:t>
-            </a:r>
+              <a:t>He won't</a:t>
+            </a:r>
+          </a:p>
+          <a:p>
+            <a:endParaRPr lang="en-GB" sz="4000" dirty="0">
+              <a:solidFill>
+                <a:schemeClr val="bg1"/>
+              </a:solidFill>
+            </a:endParaRPr>
           </a:p>
         </p:txBody>
       </p:sp>
@@ -4021,7 +4087,7 @@
                   <a:schemeClr val="bg1"/>
                 </a:solidFill>
               </a:rPr>
-              <a:t>3/5</a:t>
+              <a:t>2/6</a:t>
             </a:r>
           </a:p>
         </p:txBody>
@@ -4029,7 +4095,7 @@
     </p:spTree>
     <p:extLst>
       <p:ext uri="{BB962C8B-B14F-4D97-AF65-F5344CB8AC3E}">
-        <p14:creationId xmlns:p14="http://schemas.microsoft.com/office/powerpoint/2010/main" val="1975335226"/>
+        <p14:creationId xmlns:p14="http://schemas.microsoft.com/office/powerpoint/2010/main" val="2793727316"/>
       </p:ext>
     </p:extLst>
   </p:cSld>
@@ -4084,22 +4150,27 @@
                   <a:schemeClr val="bg1"/>
                 </a:solidFill>
               </a:rPr>
-              <a:t>He won’t</a:t>
-            </a:r>
-            <a:br>
+              <a:t>I've still got joy in chaos</a:t>
+            </a:r>
+          </a:p>
+          <a:p>
+            <a:r>
               <a:rPr lang="en-GB" sz="4000" dirty="0">
                 <a:solidFill>
                   <a:schemeClr val="bg1"/>
                 </a:solidFill>
               </a:rPr>
-            </a:br>
+              <a:t>I've got peace that makes no sense</a:t>
+            </a:r>
+          </a:p>
+          <a:p>
             <a:r>
               <a:rPr lang="en-GB" sz="4000" dirty="0">
                 <a:solidFill>
                   <a:schemeClr val="bg1"/>
                 </a:solidFill>
               </a:rPr>
-              <a:t>He won't</a:t>
+              <a:t>So I won't be going under</a:t>
             </a:r>
           </a:p>
           <a:p>
@@ -4109,17 +4180,55 @@
                   <a:schemeClr val="bg1"/>
                 </a:solidFill>
               </a:rPr>
-              <a:t>He won't fail</a:t>
-            </a:r>
-          </a:p>
-          <a:p>
+              <a:t>I'm not held by my own strength</a:t>
+            </a:r>
+          </a:p>
+          <a:p>
+            <a:r>
+              <a:rPr lang="en-GB" sz="4000" dirty="0" err="1">
+                <a:solidFill>
+                  <a:schemeClr val="bg1"/>
+                </a:solidFill>
+              </a:rPr>
+              <a:t>'Cause</a:t>
+            </a:r>
             <a:r>
               <a:rPr lang="en-GB" sz="4000" dirty="0">
                 <a:solidFill>
                   <a:schemeClr val="bg1"/>
                 </a:solidFill>
               </a:rPr>
-              <a:t>He won't fail</a:t>
+              <a:t> I've built my life on Jesus</a:t>
+            </a:r>
+          </a:p>
+          <a:p>
+            <a:r>
+              <a:rPr lang="en-GB" sz="4000" dirty="0">
+                <a:solidFill>
+                  <a:schemeClr val="bg1"/>
+                </a:solidFill>
+              </a:rPr>
+              <a:t>He's never let me down</a:t>
+            </a:r>
+          </a:p>
+          <a:p>
+            <a:r>
+              <a:rPr lang="en-GB" sz="4000" dirty="0">
+                <a:solidFill>
+                  <a:schemeClr val="bg1"/>
+                </a:solidFill>
+              </a:rPr>
+              <a:t>He's faithful in every season</a:t>
+            </a:r>
+          </a:p>
+          <a:p>
+            <a:r>
+              <a:rPr lang="en-GB" sz="4000" dirty="0">
+                <a:solidFill>
+                  <a:schemeClr val="bg1"/>
+                </a:solidFill>
+              </a:rPr>
+              <a:t>So why would He fail now</a:t>
             </a:r>
           </a:p>
         </p:txBody>
@@ -4152,7 +4261,7 @@
                   <a:schemeClr val="bg1"/>
                 </a:solidFill>
               </a:rPr>
-              <a:t>4/5</a:t>
+              <a:t>3/6</a:t>
             </a:r>
           </a:p>
         </p:txBody>
@@ -4160,7 +4269,7 @@
     </p:spTree>
     <p:extLst>
       <p:ext uri="{BB962C8B-B14F-4D97-AF65-F5344CB8AC3E}">
-        <p14:creationId xmlns:p14="http://schemas.microsoft.com/office/powerpoint/2010/main" val="2414663546"/>
+        <p14:creationId xmlns:p14="http://schemas.microsoft.com/office/powerpoint/2010/main" val="1975335226"/>
       </p:ext>
     </p:extLst>
   </p:cSld>
@@ -4215,27 +4324,22 @@
                   <a:schemeClr val="bg1"/>
                 </a:solidFill>
               </a:rPr>
-              <a:t>Rain came and wind blew</a:t>
-            </a:r>
-          </a:p>
-          <a:p>
-            <a:r>
+              <a:t>He won’t</a:t>
+            </a:r>
+            <a:br>
               <a:rPr lang="en-GB" sz="4000" dirty="0">
                 <a:solidFill>
                   <a:schemeClr val="bg1"/>
                 </a:solidFill>
               </a:rPr>
-              <a:t>My house was built on You</a:t>
-            </a:r>
-          </a:p>
-          <a:p>
+            </a:br>
             <a:r>
               <a:rPr lang="en-GB" sz="4000" dirty="0">
                 <a:solidFill>
                   <a:schemeClr val="bg1"/>
                 </a:solidFill>
               </a:rPr>
-              <a:t>I'm safe with You</a:t>
+              <a:t>He won't</a:t>
             </a:r>
           </a:p>
           <a:p>
@@ -4245,7 +4349,17 @@
                   <a:schemeClr val="bg1"/>
                 </a:solidFill>
               </a:rPr>
-              <a:t>I'm going to make it through</a:t>
+              <a:t>He won't fail</a:t>
+            </a:r>
+          </a:p>
+          <a:p>
+            <a:r>
+              <a:rPr lang="en-GB" sz="4000" dirty="0">
+                <a:solidFill>
+                  <a:schemeClr val="bg1"/>
+                </a:solidFill>
+              </a:rPr>
+              <a:t>He won't fail</a:t>
             </a:r>
           </a:p>
         </p:txBody>
@@ -4278,7 +4392,7 @@
                   <a:schemeClr val="bg1"/>
                 </a:solidFill>
               </a:rPr>
-              <a:t>5/5</a:t>
+              <a:t>4/6</a:t>
             </a:r>
           </a:p>
         </p:txBody>
@@ -4286,7 +4400,7 @@
     </p:spTree>
     <p:extLst>
       <p:ext uri="{BB962C8B-B14F-4D97-AF65-F5344CB8AC3E}">
-        <p14:creationId xmlns:p14="http://schemas.microsoft.com/office/powerpoint/2010/main" val="3141125249"/>
+        <p14:creationId xmlns:p14="http://schemas.microsoft.com/office/powerpoint/2010/main" val="2414663546"/>
       </p:ext>
     </p:extLst>
   </p:cSld>
@@ -4335,108 +4449,76 @@
           </a:bodyPr>
           <a:lstStyle/>
           <a:p>
-            <a:endParaRPr lang="en-GB" sz="5400" dirty="0">
-              <a:solidFill>
-                <a:schemeClr val="bg1"/>
-              </a:solidFill>
-            </a:endParaRPr>
-          </a:p>
-          <a:p>
-            <a:r>
-              <a:rPr lang="en-GB" sz="6600" dirty="0">
-                <a:solidFill>
-                  <a:srgbClr val="00A3E0"/>
-                </a:solidFill>
-                <a:latin typeface="akagi_probook"/>
-              </a:rPr>
-              <a:t>In Christ Alone</a:t>
-            </a:r>
-          </a:p>
-          <a:p>
-            <a:r>
-              <a:rPr lang="en-GB" sz="1200" dirty="0">
-                <a:solidFill>
-                  <a:schemeClr val="bg1"/>
-                </a:solidFill>
-              </a:rPr>
-              <a:t>CCLI Song # 3350395</a:t>
-            </a:r>
-          </a:p>
-          <a:p>
-            <a:endParaRPr lang="en-GB" sz="1200" dirty="0">
-              <a:solidFill>
-                <a:schemeClr val="bg1"/>
-              </a:solidFill>
-            </a:endParaRPr>
-          </a:p>
-          <a:p>
-            <a:r>
-              <a:rPr lang="en-GB" sz="1200" dirty="0">
-                <a:solidFill>
-                  <a:schemeClr val="bg1"/>
-                </a:solidFill>
-              </a:rPr>
-              <a:t>Keith Getty | Stuart Townend</a:t>
-            </a:r>
-          </a:p>
-          <a:p>
-            <a:endParaRPr lang="en-GB" sz="1200" dirty="0">
-              <a:solidFill>
-                <a:schemeClr val="bg1"/>
-              </a:solidFill>
-            </a:endParaRPr>
-          </a:p>
-          <a:p>
-            <a:r>
-              <a:rPr lang="en-GB" sz="1200" dirty="0">
-                <a:solidFill>
-                  <a:schemeClr val="bg1"/>
-                </a:solidFill>
-              </a:rPr>
-              <a:t>© 2001 Thankyou Music (Admin. by Integrity Music Ltd)</a:t>
-            </a:r>
-          </a:p>
-          <a:p>
-            <a:r>
-              <a:rPr lang="en-GB" sz="1200" dirty="0">
-                <a:solidFill>
-                  <a:schemeClr val="bg1"/>
-                </a:solidFill>
-              </a:rPr>
-              <a:t>For use solely with the </a:t>
-            </a:r>
-            <a:r>
-              <a:rPr lang="en-GB" sz="1200" dirty="0" err="1">
-                <a:solidFill>
-                  <a:schemeClr val="bg1"/>
-                </a:solidFill>
-              </a:rPr>
-              <a:t>SongSelect</a:t>
-            </a:r>
-            <a:r>
-              <a:rPr lang="en-GB" sz="1200" dirty="0">
-                <a:solidFill>
-                  <a:schemeClr val="bg1"/>
-                </a:solidFill>
-              </a:rPr>
-              <a:t>® Terms of Use. All rights reserved. www.ccli.com</a:t>
-            </a:r>
-          </a:p>
-          <a:p>
-            <a:endParaRPr lang="en-GB" sz="1200" dirty="0">
-              <a:solidFill>
-                <a:schemeClr val="bg1"/>
-              </a:solidFill>
-            </a:endParaRPr>
-          </a:p>
-          <a:p>
-            <a:r>
-              <a:rPr lang="en-GB" sz="1200" dirty="0">
-                <a:solidFill>
-                  <a:schemeClr val="bg1"/>
-                </a:solidFill>
-              </a:rPr>
-              <a:t>CCLI Licence No. 33265</a:t>
+            <a:r>
+              <a:rPr lang="en-GB" sz="4000" dirty="0">
+                <a:solidFill>
+                  <a:schemeClr val="bg1"/>
+                </a:solidFill>
+              </a:rPr>
+              <a:t>Rain came and wind blew</a:t>
+            </a:r>
+          </a:p>
+          <a:p>
+            <a:r>
+              <a:rPr lang="en-GB" sz="4000" dirty="0">
+                <a:solidFill>
+                  <a:schemeClr val="bg1"/>
+                </a:solidFill>
+              </a:rPr>
+              <a:t>My house was built on You</a:t>
+            </a:r>
+          </a:p>
+          <a:p>
+            <a:r>
+              <a:rPr lang="en-GB" sz="4000" dirty="0">
+                <a:solidFill>
+                  <a:schemeClr val="bg1"/>
+                </a:solidFill>
+              </a:rPr>
+              <a:t>I'm safe with You</a:t>
+            </a:r>
+          </a:p>
+          <a:p>
+            <a:r>
+              <a:rPr lang="en-GB" sz="4000" dirty="0">
+                <a:solidFill>
+                  <a:schemeClr val="bg1"/>
+                </a:solidFill>
+              </a:rPr>
+              <a:t>I'm going to make it through</a:t>
+            </a:r>
+          </a:p>
+        </p:txBody>
+      </p:sp>
+      <p:sp>
+        <p:nvSpPr>
+          <p:cNvPr id="4" name="TextBox 3"/>
+          <p:cNvSpPr txBox="1"/>
+          <p:nvPr/>
+        </p:nvSpPr>
+        <p:spPr>
+          <a:xfrm>
+            <a:off x="8529729" y="0"/>
+            <a:ext cx="628698" cy="461665"/>
+          </a:xfrm>
+          <a:prstGeom prst="rect">
+            <a:avLst/>
+          </a:prstGeom>
+          <a:noFill/>
+        </p:spPr>
+        <p:txBody>
+          <a:bodyPr wrap="none" rtlCol="0">
+            <a:spAutoFit/>
+          </a:bodyPr>
+          <a:lstStyle/>
+          <a:p>
+            <a:r>
+              <a:rPr lang="en-GB" sz="2400" b="1" dirty="0">
+                <a:solidFill>
+                  <a:schemeClr val="bg1"/>
+                </a:solidFill>
+              </a:rPr>
+              <a:t>5/6</a:t>
             </a:r>
           </a:p>
         </p:txBody>
@@ -4444,7 +4526,7 @@
     </p:spTree>
     <p:extLst>
       <p:ext uri="{BB962C8B-B14F-4D97-AF65-F5344CB8AC3E}">
-        <p14:creationId xmlns:p14="http://schemas.microsoft.com/office/powerpoint/2010/main" val="3107317129"/>
+        <p14:creationId xmlns:p14="http://schemas.microsoft.com/office/powerpoint/2010/main" val="3141125249"/>
       </p:ext>
     </p:extLst>
   </p:cSld>
@@ -4494,82 +4576,58 @@
           <a:lstStyle/>
           <a:p>
             <a:r>
-              <a:rPr lang="en-GB" sz="3800" dirty="0">
-                <a:solidFill>
-                  <a:schemeClr val="bg1"/>
-                </a:solidFill>
-              </a:rPr>
-              <a:t>In Christ alone my hope is found</a:t>
-            </a:r>
-          </a:p>
-          <a:p>
-            <a:r>
-              <a:rPr lang="en-GB" sz="3800" dirty="0">
-                <a:solidFill>
-                  <a:schemeClr val="bg1"/>
-                </a:solidFill>
-              </a:rPr>
-              <a:t>He is my light my strength my song</a:t>
-            </a:r>
-          </a:p>
-          <a:p>
-            <a:r>
-              <a:rPr lang="en-GB" sz="3800" dirty="0">
-                <a:solidFill>
-                  <a:schemeClr val="bg1"/>
-                </a:solidFill>
-              </a:rPr>
-              <a:t>This Cornerstone this solid Ground</a:t>
-            </a:r>
-          </a:p>
-          <a:p>
-            <a:r>
-              <a:rPr lang="en-GB" sz="3800" dirty="0">
-                <a:solidFill>
-                  <a:schemeClr val="bg1"/>
-                </a:solidFill>
-              </a:rPr>
-              <a:t>Firm through the fiercest drought and storm</a:t>
-            </a:r>
-          </a:p>
-          <a:p>
-            <a:r>
-              <a:rPr lang="en-GB" sz="3800" dirty="0">
-                <a:solidFill>
-                  <a:schemeClr val="bg1"/>
-                </a:solidFill>
-              </a:rPr>
-              <a:t>What heights of love what depths of peace</a:t>
-            </a:r>
-          </a:p>
-          <a:p>
-            <a:r>
-              <a:rPr lang="en-GB" sz="3800" dirty="0">
-                <a:solidFill>
-                  <a:schemeClr val="bg1"/>
-                </a:solidFill>
-              </a:rPr>
-              <a:t>When fears are stilled when strivings cease</a:t>
-            </a:r>
-          </a:p>
-          <a:p>
-            <a:r>
-              <a:rPr lang="en-GB" sz="3800" dirty="0">
-                <a:solidFill>
-                  <a:schemeClr val="bg1"/>
-                </a:solidFill>
-              </a:rPr>
-              <a:t>My Comforter my All in All</a:t>
-            </a:r>
-          </a:p>
-          <a:p>
-            <a:r>
-              <a:rPr lang="en-GB" sz="3800" dirty="0">
-                <a:solidFill>
-                  <a:schemeClr val="bg1"/>
-                </a:solidFill>
-              </a:rPr>
-              <a:t>Here in the love of Christ I stand</a:t>
+              <a:rPr lang="en-GB" sz="4000" dirty="0">
+                <a:solidFill>
+                  <a:schemeClr val="bg1"/>
+                </a:solidFill>
+              </a:rPr>
+              <a:t>I'm going to make it through</a:t>
+            </a:r>
+          </a:p>
+          <a:p>
+            <a:r>
+              <a:rPr lang="en-GB" sz="4000" dirty="0" err="1">
+                <a:solidFill>
+                  <a:schemeClr val="bg1"/>
+                </a:solidFill>
+              </a:rPr>
+              <a:t>‘Cause</a:t>
+            </a:r>
+            <a:r>
+              <a:rPr lang="en-GB" sz="4000" dirty="0">
+                <a:solidFill>
+                  <a:schemeClr val="bg1"/>
+                </a:solidFill>
+              </a:rPr>
+              <a:t> I’m standing strong on You</a:t>
+            </a:r>
+          </a:p>
+          <a:p>
+            <a:r>
+              <a:rPr lang="en-GB" sz="4000" dirty="0">
+                <a:solidFill>
+                  <a:schemeClr val="bg1"/>
+                </a:solidFill>
+              </a:rPr>
+              <a:t>I’m going to make it through</a:t>
+            </a:r>
+          </a:p>
+          <a:p>
+            <a:r>
+              <a:rPr lang="en-GB" sz="4000" dirty="0" err="1">
+                <a:solidFill>
+                  <a:schemeClr val="bg1"/>
+                </a:solidFill>
+              </a:rPr>
+              <a:t>‘Cause</a:t>
+            </a:r>
+            <a:r>
+              <a:rPr lang="en-GB" sz="4000" dirty="0">
+                <a:solidFill>
+                  <a:schemeClr val="bg1"/>
+                </a:solidFill>
+              </a:rPr>
+              <a:t> my house is built on You</a:t>
             </a:r>
           </a:p>
         </p:txBody>
@@ -4602,7 +4660,7 @@
                   <a:schemeClr val="bg1"/>
                 </a:solidFill>
               </a:rPr>
-              <a:t>1/4</a:t>
+              <a:t>6/6</a:t>
             </a:r>
           </a:p>
         </p:txBody>
@@ -4610,7 +4668,7 @@
     </p:spTree>
     <p:extLst>
       <p:ext uri="{BB962C8B-B14F-4D97-AF65-F5344CB8AC3E}">
-        <p14:creationId xmlns:p14="http://schemas.microsoft.com/office/powerpoint/2010/main" val="2203528704"/>
+        <p14:creationId xmlns:p14="http://schemas.microsoft.com/office/powerpoint/2010/main" val="990000169"/>
       </p:ext>
     </p:extLst>
   </p:cSld>
@@ -4637,146 +4695,39 @@
           <a:chExt cx="0" cy="0"/>
         </a:xfrm>
       </p:grpSpPr>
-      <p:sp>
-        <p:nvSpPr>
-          <p:cNvPr id="3" name="Subtitle 2"/>
-          <p:cNvSpPr>
-            <a:spLocks noGrp="1"/>
-          </p:cNvSpPr>
-          <p:nvPr>
-            <p:ph type="subTitle" idx="1"/>
-          </p:nvPr>
-        </p:nvSpPr>
+      <p:pic>
+        <p:nvPicPr>
+          <p:cNvPr id="4" name="Picture 3">
+            <a:extLst>
+              <a:ext uri="{FF2B5EF4-FFF2-40B4-BE49-F238E27FC236}">
+                <a16:creationId xmlns:a16="http://schemas.microsoft.com/office/drawing/2014/main" id="{648E1129-6133-E1BC-9E0C-F6A65632DE22}"/>
+              </a:ext>
+            </a:extLst>
+          </p:cNvPr>
+          <p:cNvPicPr>
+            <a:picLocks noChangeAspect="1"/>
+          </p:cNvPicPr>
+          <p:nvPr/>
+        </p:nvPicPr>
+        <p:blipFill rotWithShape="1">
+          <a:blip r:embed="rId2"/>
+          <a:srcRect l="7270" r="5704"/>
+          <a:stretch/>
+        </p:blipFill>
         <p:spPr>
-          <a:xfrm>
-            <a:off x="323528" y="188640"/>
-            <a:ext cx="8640960" cy="6480720"/>
-          </a:xfrm>
-        </p:spPr>
-        <p:txBody>
-          <a:bodyPr>
-            <a:noAutofit/>
-          </a:bodyPr>
-          <a:lstStyle/>
-          <a:p>
-            <a:r>
-              <a:rPr lang="en-GB" sz="3800" dirty="0">
-                <a:solidFill>
-                  <a:schemeClr val="bg1"/>
-                </a:solidFill>
-              </a:rPr>
-              <a:t>In Christ alone who took on flesh</a:t>
-            </a:r>
-          </a:p>
-          <a:p>
-            <a:r>
-              <a:rPr lang="en-GB" sz="3800" dirty="0">
-                <a:solidFill>
-                  <a:schemeClr val="bg1"/>
-                </a:solidFill>
-              </a:rPr>
-              <a:t>Fullness of God in helpless babe</a:t>
-            </a:r>
-          </a:p>
-          <a:p>
-            <a:r>
-              <a:rPr lang="en-GB" sz="3800" dirty="0">
-                <a:solidFill>
-                  <a:schemeClr val="bg1"/>
-                </a:solidFill>
-              </a:rPr>
-              <a:t>This gift of love and righteousness</a:t>
-            </a:r>
-          </a:p>
-          <a:p>
-            <a:r>
-              <a:rPr lang="en-GB" sz="3800" dirty="0">
-                <a:solidFill>
-                  <a:schemeClr val="bg1"/>
-                </a:solidFill>
-              </a:rPr>
-              <a:t>Scorned by the ones He came to save</a:t>
-            </a:r>
-          </a:p>
-          <a:p>
-            <a:r>
-              <a:rPr lang="en-GB" sz="3800" dirty="0">
-                <a:solidFill>
-                  <a:schemeClr val="bg1"/>
-                </a:solidFill>
-              </a:rPr>
-              <a:t>Till on that cross as Jesus died</a:t>
-            </a:r>
-          </a:p>
-          <a:p>
-            <a:r>
-              <a:rPr lang="en-GB" sz="3800" dirty="0">
-                <a:solidFill>
-                  <a:schemeClr val="bg1"/>
-                </a:solidFill>
-              </a:rPr>
-              <a:t>The wrath of God was satisfied</a:t>
-            </a:r>
-          </a:p>
-          <a:p>
-            <a:r>
-              <a:rPr lang="en-GB" sz="3800" dirty="0">
-                <a:solidFill>
-                  <a:schemeClr val="bg1"/>
-                </a:solidFill>
-              </a:rPr>
-              <a:t>For every sin on Him was laid</a:t>
-            </a:r>
-          </a:p>
-          <a:p>
-            <a:r>
-              <a:rPr lang="en-GB" sz="3800" dirty="0">
-                <a:solidFill>
-                  <a:schemeClr val="bg1"/>
-                </a:solidFill>
-              </a:rPr>
-              <a:t>Here in the death of Christ I live</a:t>
-            </a:r>
-          </a:p>
-        </p:txBody>
-      </p:sp>
-      <p:sp>
-        <p:nvSpPr>
-          <p:cNvPr id="4" name="TextBox 3"/>
-          <p:cNvSpPr txBox="1"/>
-          <p:nvPr/>
-        </p:nvSpPr>
-        <p:spPr>
-          <a:xfrm>
-            <a:off x="8529729" y="0"/>
-            <a:ext cx="628698" cy="461665"/>
+          <a:xfrm rot="21480000">
+            <a:off x="853377" y="1003258"/>
+            <a:ext cx="7437246" cy="4764396"/>
           </a:xfrm>
           <a:prstGeom prst="rect">
             <a:avLst/>
           </a:prstGeom>
-          <a:noFill/>
         </p:spPr>
-        <p:txBody>
-          <a:bodyPr wrap="none" rtlCol="0">
-            <a:spAutoFit/>
-          </a:bodyPr>
-          <a:lstStyle/>
-          <a:p>
-            <a:r>
-              <a:rPr lang="en-GB" sz="2400" b="1" dirty="0">
-                <a:solidFill>
-                  <a:schemeClr val="bg1"/>
-                </a:solidFill>
-              </a:rPr>
-              <a:t>2/4</a:t>
-            </a:r>
-          </a:p>
-        </p:txBody>
-      </p:sp>
+      </p:pic>
     </p:spTree>
     <p:extLst>
       <p:ext uri="{BB962C8B-B14F-4D97-AF65-F5344CB8AC3E}">
-        <p14:creationId xmlns:p14="http://schemas.microsoft.com/office/powerpoint/2010/main" val="288803818"/>
+        <p14:creationId xmlns:p14="http://schemas.microsoft.com/office/powerpoint/2010/main" val="909117678"/>
       </p:ext>
     </p:extLst>
   </p:cSld>
@@ -4815,8 +4766,8 @@
         </p:nvSpPr>
         <p:spPr>
           <a:xfrm>
-            <a:off x="107504" y="188640"/>
-            <a:ext cx="8856984" cy="6480720"/>
+            <a:off x="323528" y="188640"/>
+            <a:ext cx="8640960" cy="6480720"/>
           </a:xfrm>
         </p:spPr>
         <p:txBody>
@@ -4825,172 +4776,108 @@
           </a:bodyPr>
           <a:lstStyle/>
           <a:p>
-            <a:r>
-              <a:rPr lang="en-GB" sz="3800" dirty="0">
-                <a:solidFill>
-                  <a:schemeClr val="bg1"/>
-                </a:solidFill>
-                <a:effectLst>
-                  <a:outerShdw blurRad="38100" dist="38100" dir="2700000" algn="tl">
-                    <a:srgbClr val="000000">
-                      <a:alpha val="43137"/>
-                    </a:srgbClr>
-                  </a:outerShdw>
-                </a:effectLst>
-              </a:rPr>
-              <a:t>There in the ground His body lay</a:t>
-            </a:r>
-          </a:p>
-          <a:p>
-            <a:r>
-              <a:rPr lang="en-GB" sz="3800" dirty="0">
-                <a:solidFill>
-                  <a:schemeClr val="bg1"/>
-                </a:solidFill>
-                <a:effectLst>
-                  <a:outerShdw blurRad="38100" dist="38100" dir="2700000" algn="tl">
-                    <a:srgbClr val="000000">
-                      <a:alpha val="43137"/>
-                    </a:srgbClr>
-                  </a:outerShdw>
-                </a:effectLst>
-              </a:rPr>
-              <a:t>Light of the world by darkness slain</a:t>
-            </a:r>
-          </a:p>
-          <a:p>
-            <a:r>
-              <a:rPr lang="en-GB" sz="3800" dirty="0">
-                <a:solidFill>
-                  <a:schemeClr val="bg1"/>
-                </a:solidFill>
-                <a:effectLst>
-                  <a:outerShdw blurRad="38100" dist="38100" dir="2700000" algn="tl">
-                    <a:srgbClr val="000000">
-                      <a:alpha val="43137"/>
-                    </a:srgbClr>
-                  </a:outerShdw>
-                </a:effectLst>
-              </a:rPr>
-              <a:t>Then bursting forth in glorious Day</a:t>
-            </a:r>
-          </a:p>
-          <a:p>
-            <a:r>
-              <a:rPr lang="en-GB" sz="3800" dirty="0">
-                <a:solidFill>
-                  <a:schemeClr val="bg1"/>
-                </a:solidFill>
-                <a:effectLst>
-                  <a:outerShdw blurRad="38100" dist="38100" dir="2700000" algn="tl">
-                    <a:srgbClr val="000000">
-                      <a:alpha val="43137"/>
-                    </a:srgbClr>
-                  </a:outerShdw>
-                </a:effectLst>
-              </a:rPr>
-              <a:t>Up from the grave He rose again</a:t>
-            </a:r>
-          </a:p>
-          <a:p>
-            <a:r>
-              <a:rPr lang="en-GB" sz="3800" dirty="0">
-                <a:solidFill>
-                  <a:schemeClr val="bg1"/>
-                </a:solidFill>
-                <a:effectLst>
-                  <a:outerShdw blurRad="38100" dist="38100" dir="2700000" algn="tl">
-                    <a:srgbClr val="000000">
-                      <a:alpha val="43137"/>
-                    </a:srgbClr>
-                  </a:outerShdw>
-                </a:effectLst>
-              </a:rPr>
-              <a:t>And as He stands in victory</a:t>
-            </a:r>
-          </a:p>
-          <a:p>
-            <a:r>
-              <a:rPr lang="en-GB" sz="3800" dirty="0">
-                <a:solidFill>
-                  <a:schemeClr val="bg1"/>
-                </a:solidFill>
-                <a:effectLst>
-                  <a:outerShdw blurRad="38100" dist="38100" dir="2700000" algn="tl">
-                    <a:srgbClr val="000000">
-                      <a:alpha val="43137"/>
-                    </a:srgbClr>
-                  </a:outerShdw>
-                </a:effectLst>
-              </a:rPr>
-              <a:t>Sin's curse has lost its grip on me</a:t>
-            </a:r>
-          </a:p>
-          <a:p>
-            <a:r>
-              <a:rPr lang="en-GB" sz="3800" dirty="0">
-                <a:solidFill>
-                  <a:schemeClr val="bg1"/>
-                </a:solidFill>
-                <a:effectLst>
-                  <a:outerShdw blurRad="38100" dist="38100" dir="2700000" algn="tl">
-                    <a:srgbClr val="000000">
-                      <a:alpha val="43137"/>
-                    </a:srgbClr>
-                  </a:outerShdw>
-                </a:effectLst>
-              </a:rPr>
-              <a:t>For I am His and He is mine</a:t>
-            </a:r>
-          </a:p>
-          <a:p>
-            <a:r>
-              <a:rPr lang="en-GB" sz="3800" dirty="0">
-                <a:solidFill>
-                  <a:schemeClr val="bg1"/>
-                </a:solidFill>
-                <a:effectLst>
-                  <a:outerShdw blurRad="38100" dist="38100" dir="2700000" algn="tl">
-                    <a:srgbClr val="000000">
-                      <a:alpha val="43137"/>
-                    </a:srgbClr>
-                  </a:outerShdw>
-                </a:effectLst>
-              </a:rPr>
-              <a:t>Bought with the precious blood of Christ</a:t>
-            </a:r>
-          </a:p>
-        </p:txBody>
-      </p:sp>
-      <p:sp>
-        <p:nvSpPr>
-          <p:cNvPr id="4" name="TextBox 3"/>
-          <p:cNvSpPr txBox="1"/>
-          <p:nvPr/>
-        </p:nvSpPr>
-        <p:spPr>
-          <a:xfrm>
-            <a:off x="8529729" y="0"/>
-            <a:ext cx="628698" cy="461665"/>
-          </a:xfrm>
-          <a:prstGeom prst="rect">
-            <a:avLst/>
-          </a:prstGeom>
-          <a:noFill/>
-        </p:spPr>
-        <p:txBody>
-          <a:bodyPr wrap="none" rtlCol="0">
-            <a:spAutoFit/>
-          </a:bodyPr>
-          <a:lstStyle/>
-          <a:p>
-            <a:r>
-              <a:rPr lang="en-GB" sz="2400" b="1" dirty="0">
-                <a:solidFill>
-                  <a:schemeClr val="bg1"/>
-                </a:solidFill>
-              </a:rPr>
-              <a:t>3/4</a:t>
+            <a:endParaRPr lang="en-GB" sz="5400" dirty="0">
+              <a:solidFill>
+                <a:schemeClr val="bg1"/>
+              </a:solidFill>
+            </a:endParaRPr>
+          </a:p>
+          <a:p>
+            <a:r>
+              <a:rPr lang="en-GB" sz="6600" dirty="0">
+                <a:solidFill>
+                  <a:srgbClr val="00A3E0"/>
+                </a:solidFill>
+                <a:latin typeface="akagi_probook"/>
+              </a:rPr>
+              <a:t>In Christ Alone</a:t>
+            </a:r>
+          </a:p>
+          <a:p>
+            <a:r>
+              <a:rPr lang="en-GB" sz="1200" dirty="0">
+                <a:solidFill>
+                  <a:schemeClr val="bg1"/>
+                </a:solidFill>
+              </a:rPr>
+              <a:t>CCLI Song # 3350395</a:t>
+            </a:r>
+          </a:p>
+          <a:p>
+            <a:endParaRPr lang="en-GB" sz="1200" dirty="0">
+              <a:solidFill>
+                <a:schemeClr val="bg1"/>
+              </a:solidFill>
+            </a:endParaRPr>
+          </a:p>
+          <a:p>
+            <a:r>
+              <a:rPr lang="en-GB" sz="1200" dirty="0">
+                <a:solidFill>
+                  <a:schemeClr val="bg1"/>
+                </a:solidFill>
+              </a:rPr>
+              <a:t>Keith Getty | Stuart Townend</a:t>
+            </a:r>
+          </a:p>
+          <a:p>
+            <a:endParaRPr lang="en-GB" sz="1200" dirty="0">
+              <a:solidFill>
+                <a:schemeClr val="bg1"/>
+              </a:solidFill>
+            </a:endParaRPr>
+          </a:p>
+          <a:p>
+            <a:r>
+              <a:rPr lang="en-GB" sz="1200" dirty="0">
+                <a:solidFill>
+                  <a:schemeClr val="bg1"/>
+                </a:solidFill>
+              </a:rPr>
+              <a:t>© 2001 Thankyou Music (Admin. by Integrity Music Ltd)</a:t>
+            </a:r>
+          </a:p>
+          <a:p>
+            <a:r>
+              <a:rPr lang="en-GB" sz="1200" dirty="0">
+                <a:solidFill>
+                  <a:schemeClr val="bg1"/>
+                </a:solidFill>
+              </a:rPr>
+              <a:t>For use solely with the </a:t>
+            </a:r>
+            <a:r>
+              <a:rPr lang="en-GB" sz="1200" dirty="0" err="1">
+                <a:solidFill>
+                  <a:schemeClr val="bg1"/>
+                </a:solidFill>
+              </a:rPr>
+              <a:t>SongSelect</a:t>
+            </a:r>
+            <a:r>
+              <a:rPr lang="en-GB" sz="1200" dirty="0">
+                <a:solidFill>
+                  <a:schemeClr val="bg1"/>
+                </a:solidFill>
+              </a:rPr>
+              <a:t>® Terms of Use. All rights reserved. www.ccli.com</a:t>
+            </a:r>
+          </a:p>
+          <a:p>
+            <a:endParaRPr lang="en-GB" sz="1200" dirty="0">
+              <a:solidFill>
+                <a:schemeClr val="bg1"/>
+              </a:solidFill>
+            </a:endParaRPr>
+          </a:p>
+          <a:p>
+            <a:r>
+              <a:rPr lang="en-GB" sz="1200" dirty="0">
+                <a:solidFill>
+                  <a:schemeClr val="bg1"/>
+                </a:solidFill>
+              </a:rPr>
+              <a:t>CCLI Licence No. 33265</a:t>
             </a:r>
           </a:p>
         </p:txBody>
@@ -4998,7 +4885,7 @@
     </p:spTree>
     <p:extLst>
       <p:ext uri="{BB962C8B-B14F-4D97-AF65-F5344CB8AC3E}">
-        <p14:creationId xmlns:p14="http://schemas.microsoft.com/office/powerpoint/2010/main" val="300558806"/>
+        <p14:creationId xmlns:p14="http://schemas.microsoft.com/office/powerpoint/2010/main" val="3107317129"/>
       </p:ext>
     </p:extLst>
   </p:cSld>
@@ -5037,8 +4924,8 @@
         </p:nvSpPr>
         <p:spPr>
           <a:xfrm>
-            <a:off x="107504" y="188640"/>
-            <a:ext cx="8856984" cy="6480720"/>
+            <a:off x="323528" y="188640"/>
+            <a:ext cx="8640960" cy="6480720"/>
           </a:xfrm>
         </p:spPr>
         <p:txBody>
@@ -5053,7 +4940,7 @@
                   <a:schemeClr val="bg1"/>
                 </a:solidFill>
               </a:rPr>
-              <a:t>No guilt in life no fear in death</a:t>
+              <a:t>In Christ alone my hope is found</a:t>
             </a:r>
           </a:p>
           <a:p>
@@ -5063,7 +4950,7 @@
                   <a:schemeClr val="bg1"/>
                 </a:solidFill>
               </a:rPr>
-              <a:t>This is the power of Christ in me</a:t>
+              <a:t>He is my light my strength my song</a:t>
             </a:r>
           </a:p>
           <a:p>
@@ -5073,7 +4960,7 @@
                   <a:schemeClr val="bg1"/>
                 </a:solidFill>
               </a:rPr>
-              <a:t>From life's first cry to final breath</a:t>
+              <a:t>This Cornerstone this solid Ground</a:t>
             </a:r>
           </a:p>
           <a:p>
@@ -5083,7 +4970,7 @@
                   <a:schemeClr val="bg1"/>
                 </a:solidFill>
               </a:rPr>
-              <a:t>Jesus commands my destiny</a:t>
+              <a:t>Firm through the fiercest drought and storm</a:t>
             </a:r>
           </a:p>
           <a:p>
@@ -5093,7 +4980,7 @@
                   <a:schemeClr val="bg1"/>
                 </a:solidFill>
               </a:rPr>
-              <a:t>No power of hell no scheme of man</a:t>
+              <a:t>What heights of love what depths of peace</a:t>
             </a:r>
           </a:p>
           <a:p>
@@ -5103,7 +4990,7 @@
                   <a:schemeClr val="bg1"/>
                 </a:solidFill>
               </a:rPr>
-              <a:t>Can ever pluck me from His hand</a:t>
+              <a:t>When fears are stilled when strivings cease</a:t>
             </a:r>
           </a:p>
           <a:p>
@@ -5113,7 +5000,7 @@
                   <a:schemeClr val="bg1"/>
                 </a:solidFill>
               </a:rPr>
-              <a:t>Till He returns or calls me home</a:t>
+              <a:t>My Comforter my All in All</a:t>
             </a:r>
           </a:p>
           <a:p>
@@ -5123,7 +5010,7 @@
                   <a:schemeClr val="bg1"/>
                 </a:solidFill>
               </a:rPr>
-              <a:t>Here in the power of Christ I'll stand</a:t>
+              <a:t>Here in the love of Christ I stand</a:t>
             </a:r>
           </a:p>
         </p:txBody>
@@ -5156,7 +5043,7 @@
                   <a:schemeClr val="bg1"/>
                 </a:solidFill>
               </a:rPr>
-              <a:t>4/4</a:t>
+              <a:t>1/4</a:t>
             </a:r>
           </a:p>
         </p:txBody>
@@ -5164,7 +5051,7 @@
     </p:spTree>
     <p:extLst>
       <p:ext uri="{BB962C8B-B14F-4D97-AF65-F5344CB8AC3E}">
-        <p14:creationId xmlns:p14="http://schemas.microsoft.com/office/powerpoint/2010/main" val="4164038011"/>
+        <p14:creationId xmlns:p14="http://schemas.microsoft.com/office/powerpoint/2010/main" val="2203528704"/>
       </p:ext>
     </p:extLst>
   </p:cSld>
@@ -5453,6 +5340,560 @@
           <a:chExt cx="0" cy="0"/>
         </a:xfrm>
       </p:grpSpPr>
+      <p:sp>
+        <p:nvSpPr>
+          <p:cNvPr id="3" name="Subtitle 2"/>
+          <p:cNvSpPr>
+            <a:spLocks noGrp="1"/>
+          </p:cNvSpPr>
+          <p:nvPr>
+            <p:ph type="subTitle" idx="1"/>
+          </p:nvPr>
+        </p:nvSpPr>
+        <p:spPr>
+          <a:xfrm>
+            <a:off x="323528" y="188640"/>
+            <a:ext cx="8640960" cy="6480720"/>
+          </a:xfrm>
+        </p:spPr>
+        <p:txBody>
+          <a:bodyPr>
+            <a:noAutofit/>
+          </a:bodyPr>
+          <a:lstStyle/>
+          <a:p>
+            <a:r>
+              <a:rPr lang="en-GB" sz="3800" dirty="0">
+                <a:solidFill>
+                  <a:schemeClr val="bg1"/>
+                </a:solidFill>
+              </a:rPr>
+              <a:t>In Christ alone who took on flesh</a:t>
+            </a:r>
+          </a:p>
+          <a:p>
+            <a:r>
+              <a:rPr lang="en-GB" sz="3800" dirty="0">
+                <a:solidFill>
+                  <a:schemeClr val="bg1"/>
+                </a:solidFill>
+              </a:rPr>
+              <a:t>Fullness of God in helpless babe</a:t>
+            </a:r>
+          </a:p>
+          <a:p>
+            <a:r>
+              <a:rPr lang="en-GB" sz="3800" dirty="0">
+                <a:solidFill>
+                  <a:schemeClr val="bg1"/>
+                </a:solidFill>
+              </a:rPr>
+              <a:t>This gift of love and righteousness</a:t>
+            </a:r>
+          </a:p>
+          <a:p>
+            <a:r>
+              <a:rPr lang="en-GB" sz="3800" dirty="0">
+                <a:solidFill>
+                  <a:schemeClr val="bg1"/>
+                </a:solidFill>
+              </a:rPr>
+              <a:t>Scorned by the ones He came to save</a:t>
+            </a:r>
+          </a:p>
+          <a:p>
+            <a:r>
+              <a:rPr lang="en-GB" sz="3800" dirty="0">
+                <a:solidFill>
+                  <a:schemeClr val="bg1"/>
+                </a:solidFill>
+              </a:rPr>
+              <a:t>Till on that cross as Jesus died</a:t>
+            </a:r>
+          </a:p>
+          <a:p>
+            <a:r>
+              <a:rPr lang="en-GB" sz="3800" dirty="0">
+                <a:solidFill>
+                  <a:schemeClr val="bg1"/>
+                </a:solidFill>
+              </a:rPr>
+              <a:t>The wrath of God was satisfied</a:t>
+            </a:r>
+          </a:p>
+          <a:p>
+            <a:r>
+              <a:rPr lang="en-GB" sz="3800" dirty="0">
+                <a:solidFill>
+                  <a:schemeClr val="bg1"/>
+                </a:solidFill>
+              </a:rPr>
+              <a:t>For every sin on Him was laid</a:t>
+            </a:r>
+          </a:p>
+          <a:p>
+            <a:r>
+              <a:rPr lang="en-GB" sz="3800" dirty="0">
+                <a:solidFill>
+                  <a:schemeClr val="bg1"/>
+                </a:solidFill>
+              </a:rPr>
+              <a:t>Here in the death of Christ I live</a:t>
+            </a:r>
+          </a:p>
+        </p:txBody>
+      </p:sp>
+      <p:sp>
+        <p:nvSpPr>
+          <p:cNvPr id="4" name="TextBox 3"/>
+          <p:cNvSpPr txBox="1"/>
+          <p:nvPr/>
+        </p:nvSpPr>
+        <p:spPr>
+          <a:xfrm>
+            <a:off x="8529729" y="0"/>
+            <a:ext cx="628698" cy="461665"/>
+          </a:xfrm>
+          <a:prstGeom prst="rect">
+            <a:avLst/>
+          </a:prstGeom>
+          <a:noFill/>
+        </p:spPr>
+        <p:txBody>
+          <a:bodyPr wrap="none" rtlCol="0">
+            <a:spAutoFit/>
+          </a:bodyPr>
+          <a:lstStyle/>
+          <a:p>
+            <a:r>
+              <a:rPr lang="en-GB" sz="2400" b="1" dirty="0">
+                <a:solidFill>
+                  <a:schemeClr val="bg1"/>
+                </a:solidFill>
+              </a:rPr>
+              <a:t>2/4</a:t>
+            </a:r>
+          </a:p>
+        </p:txBody>
+      </p:sp>
+    </p:spTree>
+    <p:extLst>
+      <p:ext uri="{BB962C8B-B14F-4D97-AF65-F5344CB8AC3E}">
+        <p14:creationId xmlns:p14="http://schemas.microsoft.com/office/powerpoint/2010/main" val="288803818"/>
+      </p:ext>
+    </p:extLst>
+  </p:cSld>
+  <p:clrMapOvr>
+    <a:masterClrMapping/>
+  </p:clrMapOvr>
+</p:sld>
+</file>
+
+<file path=ppt/slides/slide21.xml><?xml version="1.0" encoding="utf-8"?>
+<p:sld xmlns:a="http://schemas.openxmlformats.org/drawingml/2006/main" xmlns:r="http://schemas.openxmlformats.org/officeDocument/2006/relationships" xmlns:p="http://schemas.openxmlformats.org/presentationml/2006/main">
+  <p:cSld>
+    <p:spTree>
+      <p:nvGrpSpPr>
+        <p:cNvPr id="1" name=""/>
+        <p:cNvGrpSpPr/>
+        <p:nvPr/>
+      </p:nvGrpSpPr>
+      <p:grpSpPr>
+        <a:xfrm>
+          <a:off x="0" y="0"/>
+          <a:ext cx="0" cy="0"/>
+          <a:chOff x="0" y="0"/>
+          <a:chExt cx="0" cy="0"/>
+        </a:xfrm>
+      </p:grpSpPr>
+      <p:sp>
+        <p:nvSpPr>
+          <p:cNvPr id="3" name="Subtitle 2"/>
+          <p:cNvSpPr>
+            <a:spLocks noGrp="1"/>
+          </p:cNvSpPr>
+          <p:nvPr>
+            <p:ph type="subTitle" idx="1"/>
+          </p:nvPr>
+        </p:nvSpPr>
+        <p:spPr>
+          <a:xfrm>
+            <a:off x="107504" y="188640"/>
+            <a:ext cx="8856984" cy="6480720"/>
+          </a:xfrm>
+        </p:spPr>
+        <p:txBody>
+          <a:bodyPr>
+            <a:noAutofit/>
+          </a:bodyPr>
+          <a:lstStyle/>
+          <a:p>
+            <a:r>
+              <a:rPr lang="en-GB" sz="3800" dirty="0">
+                <a:solidFill>
+                  <a:schemeClr val="bg1"/>
+                </a:solidFill>
+                <a:effectLst>
+                  <a:outerShdw blurRad="38100" dist="38100" dir="2700000" algn="tl">
+                    <a:srgbClr val="000000">
+                      <a:alpha val="43137"/>
+                    </a:srgbClr>
+                  </a:outerShdw>
+                </a:effectLst>
+              </a:rPr>
+              <a:t>There in the ground His body lay</a:t>
+            </a:r>
+          </a:p>
+          <a:p>
+            <a:r>
+              <a:rPr lang="en-GB" sz="3800" dirty="0">
+                <a:solidFill>
+                  <a:schemeClr val="bg1"/>
+                </a:solidFill>
+                <a:effectLst>
+                  <a:outerShdw blurRad="38100" dist="38100" dir="2700000" algn="tl">
+                    <a:srgbClr val="000000">
+                      <a:alpha val="43137"/>
+                    </a:srgbClr>
+                  </a:outerShdw>
+                </a:effectLst>
+              </a:rPr>
+              <a:t>Light of the world by darkness slain</a:t>
+            </a:r>
+          </a:p>
+          <a:p>
+            <a:r>
+              <a:rPr lang="en-GB" sz="3800" dirty="0">
+                <a:solidFill>
+                  <a:schemeClr val="bg1"/>
+                </a:solidFill>
+                <a:effectLst>
+                  <a:outerShdw blurRad="38100" dist="38100" dir="2700000" algn="tl">
+                    <a:srgbClr val="000000">
+                      <a:alpha val="43137"/>
+                    </a:srgbClr>
+                  </a:outerShdw>
+                </a:effectLst>
+              </a:rPr>
+              <a:t>Then bursting forth in glorious Day</a:t>
+            </a:r>
+          </a:p>
+          <a:p>
+            <a:r>
+              <a:rPr lang="en-GB" sz="3800" dirty="0">
+                <a:solidFill>
+                  <a:schemeClr val="bg1"/>
+                </a:solidFill>
+                <a:effectLst>
+                  <a:outerShdw blurRad="38100" dist="38100" dir="2700000" algn="tl">
+                    <a:srgbClr val="000000">
+                      <a:alpha val="43137"/>
+                    </a:srgbClr>
+                  </a:outerShdw>
+                </a:effectLst>
+              </a:rPr>
+              <a:t>Up from the grave He rose again</a:t>
+            </a:r>
+          </a:p>
+          <a:p>
+            <a:r>
+              <a:rPr lang="en-GB" sz="3800" dirty="0">
+                <a:solidFill>
+                  <a:schemeClr val="bg1"/>
+                </a:solidFill>
+                <a:effectLst>
+                  <a:outerShdw blurRad="38100" dist="38100" dir="2700000" algn="tl">
+                    <a:srgbClr val="000000">
+                      <a:alpha val="43137"/>
+                    </a:srgbClr>
+                  </a:outerShdw>
+                </a:effectLst>
+              </a:rPr>
+              <a:t>And as He stands in victory</a:t>
+            </a:r>
+          </a:p>
+          <a:p>
+            <a:r>
+              <a:rPr lang="en-GB" sz="3800" dirty="0">
+                <a:solidFill>
+                  <a:schemeClr val="bg1"/>
+                </a:solidFill>
+                <a:effectLst>
+                  <a:outerShdw blurRad="38100" dist="38100" dir="2700000" algn="tl">
+                    <a:srgbClr val="000000">
+                      <a:alpha val="43137"/>
+                    </a:srgbClr>
+                  </a:outerShdw>
+                </a:effectLst>
+              </a:rPr>
+              <a:t>Sin's curse has lost its grip on me</a:t>
+            </a:r>
+          </a:p>
+          <a:p>
+            <a:r>
+              <a:rPr lang="en-GB" sz="3800" dirty="0">
+                <a:solidFill>
+                  <a:schemeClr val="bg1"/>
+                </a:solidFill>
+                <a:effectLst>
+                  <a:outerShdw blurRad="38100" dist="38100" dir="2700000" algn="tl">
+                    <a:srgbClr val="000000">
+                      <a:alpha val="43137"/>
+                    </a:srgbClr>
+                  </a:outerShdw>
+                </a:effectLst>
+              </a:rPr>
+              <a:t>For I am His and He is mine</a:t>
+            </a:r>
+          </a:p>
+          <a:p>
+            <a:r>
+              <a:rPr lang="en-GB" sz="3800" dirty="0">
+                <a:solidFill>
+                  <a:schemeClr val="bg1"/>
+                </a:solidFill>
+                <a:effectLst>
+                  <a:outerShdw blurRad="38100" dist="38100" dir="2700000" algn="tl">
+                    <a:srgbClr val="000000">
+                      <a:alpha val="43137"/>
+                    </a:srgbClr>
+                  </a:outerShdw>
+                </a:effectLst>
+              </a:rPr>
+              <a:t>Bought with the precious blood of Christ</a:t>
+            </a:r>
+          </a:p>
+        </p:txBody>
+      </p:sp>
+      <p:sp>
+        <p:nvSpPr>
+          <p:cNvPr id="4" name="TextBox 3"/>
+          <p:cNvSpPr txBox="1"/>
+          <p:nvPr/>
+        </p:nvSpPr>
+        <p:spPr>
+          <a:xfrm>
+            <a:off x="8529729" y="0"/>
+            <a:ext cx="628698" cy="461665"/>
+          </a:xfrm>
+          <a:prstGeom prst="rect">
+            <a:avLst/>
+          </a:prstGeom>
+          <a:noFill/>
+        </p:spPr>
+        <p:txBody>
+          <a:bodyPr wrap="none" rtlCol="0">
+            <a:spAutoFit/>
+          </a:bodyPr>
+          <a:lstStyle/>
+          <a:p>
+            <a:r>
+              <a:rPr lang="en-GB" sz="2400" b="1" dirty="0">
+                <a:solidFill>
+                  <a:schemeClr val="bg1"/>
+                </a:solidFill>
+              </a:rPr>
+              <a:t>3/4</a:t>
+            </a:r>
+          </a:p>
+        </p:txBody>
+      </p:sp>
+    </p:spTree>
+    <p:extLst>
+      <p:ext uri="{BB962C8B-B14F-4D97-AF65-F5344CB8AC3E}">
+        <p14:creationId xmlns:p14="http://schemas.microsoft.com/office/powerpoint/2010/main" val="300558806"/>
+      </p:ext>
+    </p:extLst>
+  </p:cSld>
+  <p:clrMapOvr>
+    <a:masterClrMapping/>
+  </p:clrMapOvr>
+</p:sld>
+</file>
+
+<file path=ppt/slides/slide22.xml><?xml version="1.0" encoding="utf-8"?>
+<p:sld xmlns:a="http://schemas.openxmlformats.org/drawingml/2006/main" xmlns:r="http://schemas.openxmlformats.org/officeDocument/2006/relationships" xmlns:p="http://schemas.openxmlformats.org/presentationml/2006/main">
+  <p:cSld>
+    <p:spTree>
+      <p:nvGrpSpPr>
+        <p:cNvPr id="1" name=""/>
+        <p:cNvGrpSpPr/>
+        <p:nvPr/>
+      </p:nvGrpSpPr>
+      <p:grpSpPr>
+        <a:xfrm>
+          <a:off x="0" y="0"/>
+          <a:ext cx="0" cy="0"/>
+          <a:chOff x="0" y="0"/>
+          <a:chExt cx="0" cy="0"/>
+        </a:xfrm>
+      </p:grpSpPr>
+      <p:sp>
+        <p:nvSpPr>
+          <p:cNvPr id="3" name="Subtitle 2"/>
+          <p:cNvSpPr>
+            <a:spLocks noGrp="1"/>
+          </p:cNvSpPr>
+          <p:nvPr>
+            <p:ph type="subTitle" idx="1"/>
+          </p:nvPr>
+        </p:nvSpPr>
+        <p:spPr>
+          <a:xfrm>
+            <a:off x="107504" y="188640"/>
+            <a:ext cx="8856984" cy="6480720"/>
+          </a:xfrm>
+        </p:spPr>
+        <p:txBody>
+          <a:bodyPr>
+            <a:noAutofit/>
+          </a:bodyPr>
+          <a:lstStyle/>
+          <a:p>
+            <a:r>
+              <a:rPr lang="en-GB" sz="3800" dirty="0">
+                <a:solidFill>
+                  <a:schemeClr val="bg1"/>
+                </a:solidFill>
+              </a:rPr>
+              <a:t>No guilt in life no fear in death</a:t>
+            </a:r>
+          </a:p>
+          <a:p>
+            <a:r>
+              <a:rPr lang="en-GB" sz="3800" dirty="0">
+                <a:solidFill>
+                  <a:schemeClr val="bg1"/>
+                </a:solidFill>
+              </a:rPr>
+              <a:t>This is the power of Christ in me</a:t>
+            </a:r>
+          </a:p>
+          <a:p>
+            <a:r>
+              <a:rPr lang="en-GB" sz="3800" dirty="0">
+                <a:solidFill>
+                  <a:schemeClr val="bg1"/>
+                </a:solidFill>
+              </a:rPr>
+              <a:t>From life's first cry to final breath</a:t>
+            </a:r>
+          </a:p>
+          <a:p>
+            <a:r>
+              <a:rPr lang="en-GB" sz="3800" dirty="0">
+                <a:solidFill>
+                  <a:schemeClr val="bg1"/>
+                </a:solidFill>
+              </a:rPr>
+              <a:t>Jesus commands my destiny</a:t>
+            </a:r>
+          </a:p>
+          <a:p>
+            <a:r>
+              <a:rPr lang="en-GB" sz="3800" dirty="0">
+                <a:solidFill>
+                  <a:schemeClr val="bg1"/>
+                </a:solidFill>
+              </a:rPr>
+              <a:t>No power of hell no scheme of man</a:t>
+            </a:r>
+          </a:p>
+          <a:p>
+            <a:r>
+              <a:rPr lang="en-GB" sz="3800" dirty="0">
+                <a:solidFill>
+                  <a:schemeClr val="bg1"/>
+                </a:solidFill>
+              </a:rPr>
+              <a:t>Can ever pluck me from His hand</a:t>
+            </a:r>
+          </a:p>
+          <a:p>
+            <a:r>
+              <a:rPr lang="en-GB" sz="3800" dirty="0">
+                <a:solidFill>
+                  <a:schemeClr val="bg1"/>
+                </a:solidFill>
+              </a:rPr>
+              <a:t>Till He returns or calls me home</a:t>
+            </a:r>
+          </a:p>
+          <a:p>
+            <a:r>
+              <a:rPr lang="en-GB" sz="3800" dirty="0">
+                <a:solidFill>
+                  <a:schemeClr val="bg1"/>
+                </a:solidFill>
+              </a:rPr>
+              <a:t>Here in the power of Christ I'll stand</a:t>
+            </a:r>
+          </a:p>
+        </p:txBody>
+      </p:sp>
+      <p:sp>
+        <p:nvSpPr>
+          <p:cNvPr id="4" name="TextBox 3"/>
+          <p:cNvSpPr txBox="1"/>
+          <p:nvPr/>
+        </p:nvSpPr>
+        <p:spPr>
+          <a:xfrm>
+            <a:off x="8529729" y="0"/>
+            <a:ext cx="628698" cy="461665"/>
+          </a:xfrm>
+          <a:prstGeom prst="rect">
+            <a:avLst/>
+          </a:prstGeom>
+          <a:noFill/>
+        </p:spPr>
+        <p:txBody>
+          <a:bodyPr wrap="none" rtlCol="0">
+            <a:spAutoFit/>
+          </a:bodyPr>
+          <a:lstStyle/>
+          <a:p>
+            <a:r>
+              <a:rPr lang="en-GB" sz="2400" b="1" dirty="0">
+                <a:solidFill>
+                  <a:schemeClr val="bg1"/>
+                </a:solidFill>
+              </a:rPr>
+              <a:t>4/4</a:t>
+            </a:r>
+          </a:p>
+        </p:txBody>
+      </p:sp>
+    </p:spTree>
+    <p:extLst>
+      <p:ext uri="{BB962C8B-B14F-4D97-AF65-F5344CB8AC3E}">
+        <p14:creationId xmlns:p14="http://schemas.microsoft.com/office/powerpoint/2010/main" val="4164038011"/>
+      </p:ext>
+    </p:extLst>
+  </p:cSld>
+  <p:clrMapOvr>
+    <a:masterClrMapping/>
+  </p:clrMapOvr>
+</p:sld>
+</file>
+
+<file path=ppt/slides/slide23.xml><?xml version="1.0" encoding="utf-8"?>
+<p:sld xmlns:a="http://schemas.openxmlformats.org/drawingml/2006/main" xmlns:r="http://schemas.openxmlformats.org/officeDocument/2006/relationships" xmlns:p="http://schemas.openxmlformats.org/presentationml/2006/main">
+  <p:cSld>
+    <p:spTree>
+      <p:nvGrpSpPr>
+        <p:cNvPr id="1" name=""/>
+        <p:cNvGrpSpPr/>
+        <p:nvPr/>
+      </p:nvGrpSpPr>
+      <p:grpSpPr>
+        <a:xfrm>
+          <a:off x="0" y="0"/>
+          <a:ext cx="0" cy="0"/>
+          <a:chOff x="0" y="0"/>
+          <a:chExt cx="0" cy="0"/>
+        </a:xfrm>
+      </p:grpSpPr>
     </p:spTree>
     <p:extLst>
       <p:ext uri="{BB962C8B-B14F-4D97-AF65-F5344CB8AC3E}">
@@ -5466,7 +5907,7 @@
 </p:sld>
 </file>
 
-<file path=ppt/slides/slide21.xml><?xml version="1.0" encoding="utf-8"?>
+<file path=ppt/slides/slide24.xml><?xml version="1.0" encoding="utf-8"?>
 <p:sld xmlns:a="http://schemas.openxmlformats.org/drawingml/2006/main" xmlns:r="http://schemas.openxmlformats.org/officeDocument/2006/relationships" xmlns:p="http://schemas.openxmlformats.org/presentationml/2006/main">
   <p:cSld>
     <p:spTree>
@@ -5542,7 +5983,7 @@
 </p:sld>
 </file>
 
-<file path=ppt/slides/slide22.xml><?xml version="1.0" encoding="utf-8"?>
+<file path=ppt/slides/slide25.xml><?xml version="1.0" encoding="utf-8"?>
 <p:sld xmlns:a="http://schemas.openxmlformats.org/drawingml/2006/main" xmlns:r="http://schemas.openxmlformats.org/officeDocument/2006/relationships" xmlns:p="http://schemas.openxmlformats.org/presentationml/2006/main">
   <p:cSld>
     <p:spTree>
@@ -5814,9 +6255,41 @@
 </p:sld>
 </file>
 
-<file path=ppt/slides/slide23.xml><?xml version="1.0" encoding="utf-8"?>
+<file path=ppt/slides/slide26.xml><?xml version="1.0" encoding="utf-8"?>
 <p:sld xmlns:a="http://schemas.openxmlformats.org/drawingml/2006/main" xmlns:r="http://schemas.openxmlformats.org/officeDocument/2006/relationships" xmlns:p="http://schemas.openxmlformats.org/presentationml/2006/main">
   <p:cSld>
+    <p:bg>
+      <p:bgPr>
+        <a:gradFill rotWithShape="1">
+          <a:gsLst>
+            <a:gs pos="0">
+              <a:schemeClr val="bg1">
+                <a:tint val="93000"/>
+                <a:satMod val="150000"/>
+                <a:shade val="98000"/>
+                <a:lumMod val="102000"/>
+              </a:schemeClr>
+            </a:gs>
+            <a:gs pos="50000">
+              <a:schemeClr val="bg1">
+                <a:tint val="98000"/>
+                <a:satMod val="130000"/>
+                <a:shade val="90000"/>
+                <a:lumMod val="103000"/>
+              </a:schemeClr>
+            </a:gs>
+            <a:gs pos="100000">
+              <a:schemeClr val="bg1">
+                <a:shade val="63000"/>
+                <a:satMod val="120000"/>
+              </a:schemeClr>
+            </a:gs>
+          </a:gsLst>
+          <a:lin ang="5400000" scaled="0"/>
+        </a:gradFill>
+        <a:effectLst/>
+      </p:bgPr>
+    </p:bg>
     <p:spTree>
       <p:nvGrpSpPr>
         <p:cNvPr id="1" name=""/>
@@ -5831,275 +6304,230 @@
           <a:chExt cx="0" cy="0"/>
         </a:xfrm>
       </p:grpSpPr>
-      <p:sp>
-        <p:nvSpPr>
-          <p:cNvPr id="3" name="Subtitle 2"/>
-          <p:cNvSpPr>
-            <a:spLocks noGrp="1"/>
-          </p:cNvSpPr>
-          <p:nvPr>
-            <p:ph type="subTitle" idx="1"/>
+      <p:sp useBgFill="1">
+        <p:nvSpPr>
+          <p:cNvPr id="7" name="Rectangle 6">
+            <a:extLst>
+              <a:ext uri="{FF2B5EF4-FFF2-40B4-BE49-F238E27FC236}">
+                <a16:creationId xmlns:a16="http://schemas.microsoft.com/office/drawing/2014/main" id="{A2509F26-B5DC-4BA7-B476-4CB044237A2E}"/>
+              </a:ext>
+              <a:ext uri="{C183D7F6-B498-43B3-948B-1728B52AA6E4}">
+                <adec:decorative xmlns:adec="http://schemas.microsoft.com/office/drawing/2017/decorative" val="1"/>
+              </a:ext>
+            </a:extLst>
+          </p:cNvPr>
+          <p:cNvSpPr>
+            <a:spLocks noGrp="1" noRot="1" noChangeAspect="1" noMove="1" noResize="1" noEditPoints="1" noAdjustHandles="1" noChangeArrowheads="1" noChangeShapeType="1" noTextEdit="1"/>
+          </p:cNvSpPr>
+          <p:nvPr>
+            <p:extLst>
+              <p:ext uri="{386F3935-93C4-4BCD-93E2-E3B085C9AB24}">
+                <p16:designElem xmlns:p16="http://schemas.microsoft.com/office/powerpoint/2015/main" val="1"/>
+              </p:ext>
+            </p:extLst>
           </p:nvPr>
         </p:nvSpPr>
         <p:spPr>
           <a:xfrm>
-            <a:off x="323528" y="188640"/>
-            <a:ext cx="8640960" cy="6480720"/>
+            <a:off x="0" y="0"/>
+            <a:ext cx="9144000" cy="6858000"/>
           </a:xfrm>
+          <a:prstGeom prst="rect">
+            <a:avLst/>
+          </a:prstGeom>
+          <a:ln>
+            <a:noFill/>
+          </a:ln>
         </p:spPr>
-        <p:txBody>
-          <a:bodyPr>
-            <a:noAutofit/>
-          </a:bodyPr>
-          <a:lstStyle/>
-          <a:p>
-            <a:endParaRPr lang="en-GB" sz="5400" dirty="0">
+        <p:style>
+          <a:lnRef idx="2">
+            <a:schemeClr val="accent1">
+              <a:shade val="50000"/>
+            </a:schemeClr>
+          </a:lnRef>
+          <a:fillRef idx="1">
+            <a:schemeClr val="accent1"/>
+          </a:fillRef>
+          <a:effectRef idx="0">
+            <a:schemeClr val="accent1"/>
+          </a:effectRef>
+          <a:fontRef idx="minor">
+            <a:schemeClr val="lt1"/>
+          </a:fontRef>
+        </p:style>
+        <p:txBody>
+          <a:bodyPr rtlCol="0" anchor="ctr"/>
+          <a:lstStyle/>
+          <a:p>
+            <a:pPr marL="0" marR="0" lvl="0" indent="0" algn="ctr" defTabSz="457200" rtl="0" eaLnBrk="1" fontAlgn="auto" latinLnBrk="0" hangingPunct="1">
+              <a:lnSpc>
+                <a:spcPct val="100000"/>
+              </a:lnSpc>
+              <a:spcBef>
+                <a:spcPts val="0"/>
+              </a:spcBef>
+              <a:spcAft>
+                <a:spcPts val="0"/>
+              </a:spcAft>
+              <a:buClrTx/>
+              <a:buSzTx/>
+              <a:buFontTx/>
+              <a:buNone/>
+              <a:tabLst/>
+              <a:defRPr/>
+            </a:pPr>
+            <a:endParaRPr kumimoji="0" lang="en-US" sz="1800" b="0" i="0" u="none" strike="noStrike" kern="1200" cap="none" spc="0" normalizeH="0" baseline="0" noProof="0">
+              <a:ln>
+                <a:noFill/>
+              </a:ln>
               <a:solidFill>
-                <a:schemeClr val="bg1"/>
-              </a:solidFill>
-            </a:endParaRPr>
-          </a:p>
-          <a:p>
-            <a:endParaRPr lang="en-GB" sz="5400" b="0" i="0" dirty="0">
-              <a:solidFill>
-                <a:schemeClr val="bg1"/>
+                <a:prstClr val="white"/>
               </a:solidFill>
               <a:effectLst/>
-              <a:latin typeface="akagi_probook"/>
+              <a:uLnTx/>
+              <a:uFillTx/>
+              <a:latin typeface="Impact" panose="020B0806030902050204"/>
+              <a:ea typeface="+mn-ea"/>
+              <a:cs typeface="+mn-cs"/>
             </a:endParaRPr>
           </a:p>
-          <a:p>
-            <a:r>
-              <a:rPr lang="en-GB" sz="6600" b="0" i="0" dirty="0">
-                <a:solidFill>
-                  <a:srgbClr val="00A3E0"/>
-                </a:solidFill>
-                <a:effectLst/>
-                <a:latin typeface="akagi_probook"/>
-              </a:rPr>
-              <a:t>My Worship</a:t>
-            </a:r>
-          </a:p>
-          <a:p>
-            <a:br>
-              <a:rPr lang="en-GB" sz="900" b="0" i="0" dirty="0">
-                <a:solidFill>
-                  <a:srgbClr val="717171"/>
-                </a:solidFill>
-                <a:effectLst/>
-                <a:latin typeface="akagi_probook"/>
-              </a:rPr>
-            </a:br>
-            <a:r>
-              <a:rPr lang="en-GB" sz="900" b="0" i="0" dirty="0">
-                <a:solidFill>
-                  <a:srgbClr val="717171"/>
-                </a:solidFill>
-                <a:effectLst/>
-                <a:latin typeface="akagi_probook"/>
-              </a:rPr>
-              <a:t>CCLI Song # 7098688</a:t>
-            </a:r>
-          </a:p>
-          <a:p>
-            <a:endParaRPr lang="en-GB" sz="900" b="0" i="0" dirty="0">
+        </p:txBody>
+      </p:sp>
+      <p:sp>
+        <p:nvSpPr>
+          <p:cNvPr id="9" name="Rectangle 8">
+            <a:extLst>
+              <a:ext uri="{FF2B5EF4-FFF2-40B4-BE49-F238E27FC236}">
+                <a16:creationId xmlns:a16="http://schemas.microsoft.com/office/drawing/2014/main" id="{DB103EB1-B135-4526-B883-33228FC27FF1}"/>
+              </a:ext>
+              <a:ext uri="{C183D7F6-B498-43B3-948B-1728B52AA6E4}">
+                <adec:decorative xmlns:adec="http://schemas.microsoft.com/office/drawing/2017/decorative" val="1"/>
+              </a:ext>
+            </a:extLst>
+          </p:cNvPr>
+          <p:cNvSpPr>
+            <a:spLocks noGrp="1" noRot="1" noChangeAspect="1" noMove="1" noResize="1" noEditPoints="1" noAdjustHandles="1" noChangeArrowheads="1" noChangeShapeType="1" noTextEdit="1"/>
+          </p:cNvSpPr>
+          <p:nvPr>
+            <p:extLst>
+              <p:ext uri="{386F3935-93C4-4BCD-93E2-E3B085C9AB24}">
+                <p16:designElem xmlns:p16="http://schemas.microsoft.com/office/powerpoint/2015/main" val="1"/>
+              </p:ext>
+            </p:extLst>
+          </p:nvPr>
+        </p:nvSpPr>
+        <p:spPr>
+          <a:xfrm rot="21480000">
+            <a:off x="611505" y="683404"/>
+            <a:ext cx="7920990" cy="5404104"/>
+          </a:xfrm>
+          <a:prstGeom prst="rect">
+            <a:avLst/>
+          </a:prstGeom>
+          <a:solidFill>
+            <a:srgbClr val="FFFFFF"/>
+          </a:solidFill>
+          <a:ln w="3175" cap="sq" cmpd="thinThick">
+            <a:solidFill>
+              <a:srgbClr val="DDDDDD"/>
+            </a:solidFill>
+            <a:miter lim="800000"/>
+          </a:ln>
+          <a:effectLst>
+            <a:outerShdw blurRad="266700" dist="114300" dir="2700000" algn="tl" rotWithShape="0">
+              <a:prstClr val="black">
+                <a:alpha val="40000"/>
+              </a:prstClr>
+            </a:outerShdw>
+          </a:effectLst>
+        </p:spPr>
+        <p:style>
+          <a:lnRef idx="2">
+            <a:schemeClr val="accent1">
+              <a:shade val="50000"/>
+            </a:schemeClr>
+          </a:lnRef>
+          <a:fillRef idx="1">
+            <a:schemeClr val="accent1"/>
+          </a:fillRef>
+          <a:effectRef idx="0">
+            <a:schemeClr val="accent1"/>
+          </a:effectRef>
+          <a:fontRef idx="minor">
+            <a:schemeClr val="lt1"/>
+          </a:fontRef>
+        </p:style>
+        <p:txBody>
+          <a:bodyPr rtlCol="0" anchor="ctr"/>
+          <a:lstStyle/>
+          <a:p>
+            <a:pPr marL="0" marR="0" lvl="0" indent="0" algn="ctr" defTabSz="457200" rtl="0" eaLnBrk="1" fontAlgn="auto" latinLnBrk="0" hangingPunct="1">
+              <a:lnSpc>
+                <a:spcPct val="100000"/>
+              </a:lnSpc>
+              <a:spcBef>
+                <a:spcPts val="0"/>
+              </a:spcBef>
+              <a:spcAft>
+                <a:spcPts val="0"/>
+              </a:spcAft>
+              <a:buClrTx/>
+              <a:buSzTx/>
+              <a:buFontTx/>
+              <a:buNone/>
+              <a:tabLst/>
+              <a:defRPr/>
+            </a:pPr>
+            <a:endParaRPr kumimoji="0" lang="en-US" sz="1800" b="0" i="0" u="none" strike="noStrike" kern="1200" cap="none" spc="0" normalizeH="0" baseline="0" noProof="0">
+              <a:ln>
+                <a:noFill/>
+              </a:ln>
               <a:solidFill>
-                <a:srgbClr val="717171"/>
+                <a:prstClr val="white"/>
               </a:solidFill>
               <a:effectLst/>
-              <a:latin typeface="akagi_probook"/>
+              <a:uLnTx/>
+              <a:uFillTx/>
+              <a:latin typeface="Impact" panose="020B0806030902050204"/>
+              <a:ea typeface="+mn-ea"/>
+              <a:cs typeface="+mn-cs"/>
             </a:endParaRPr>
           </a:p>
-          <a:p>
-            <a:r>
-              <a:rPr lang="en-GB" sz="900" b="0" i="0" dirty="0">
-                <a:solidFill>
-                  <a:srgbClr val="717171"/>
-                </a:solidFill>
-                <a:effectLst/>
-                <a:latin typeface="akagi_probook"/>
-              </a:rPr>
-              <a:t>Philip Nathan Thompson | </a:t>
-            </a:r>
-            <a:r>
-              <a:rPr lang="en-GB" sz="900" b="0" i="0" dirty="0" err="1">
-                <a:solidFill>
-                  <a:srgbClr val="717171"/>
-                </a:solidFill>
-                <a:effectLst/>
-                <a:latin typeface="akagi_probook"/>
-              </a:rPr>
-              <a:t>Zenzo</a:t>
-            </a:r>
-            <a:r>
-              <a:rPr lang="en-GB" sz="900" b="0" i="0" dirty="0">
-                <a:solidFill>
-                  <a:srgbClr val="717171"/>
-                </a:solidFill>
-                <a:effectLst/>
-                <a:latin typeface="akagi_probook"/>
-              </a:rPr>
-              <a:t> </a:t>
-            </a:r>
-            <a:r>
-              <a:rPr lang="en-GB" sz="900" b="0" i="0" dirty="0" err="1">
-                <a:solidFill>
-                  <a:srgbClr val="717171"/>
-                </a:solidFill>
-                <a:effectLst/>
-                <a:latin typeface="akagi_probook"/>
-              </a:rPr>
-              <a:t>Matoga</a:t>
-            </a:r>
-            <a:endParaRPr lang="en-GB" sz="900" b="0" i="0" dirty="0">
-              <a:solidFill>
-                <a:srgbClr val="717171"/>
-              </a:solidFill>
-              <a:effectLst/>
-              <a:latin typeface="akagi_probook"/>
-            </a:endParaRPr>
-          </a:p>
-          <a:p>
-            <a:endParaRPr lang="en-GB" sz="900" b="0" i="0" dirty="0">
-              <a:solidFill>
-                <a:srgbClr val="717171"/>
-              </a:solidFill>
-              <a:effectLst/>
-              <a:latin typeface="akagi_probook"/>
-            </a:endParaRPr>
-          </a:p>
-          <a:p>
-            <a:r>
-              <a:rPr lang="en-GB" sz="900" b="0" i="0" dirty="0">
-                <a:solidFill>
-                  <a:srgbClr val="717171"/>
-                </a:solidFill>
-                <a:effectLst/>
-                <a:latin typeface="akagi_probook"/>
-              </a:rPr>
-              <a:t>© 2017 Integrity Worship Music (Admin. by Integrity Music Ltd)</a:t>
-            </a:r>
-          </a:p>
-          <a:p>
-            <a:r>
-              <a:rPr lang="en-GB" sz="900" b="0" i="0" dirty="0">
-                <a:solidFill>
-                  <a:srgbClr val="717171"/>
-                </a:solidFill>
-                <a:effectLst/>
-                <a:latin typeface="akagi_probook"/>
-              </a:rPr>
-              <a:t>Phil Thompson Worship (Admin. by Integrity Music Ltd)</a:t>
-            </a:r>
-          </a:p>
-          <a:p>
-            <a:r>
-              <a:rPr lang="en-GB" sz="900" b="0" i="0" dirty="0" err="1">
-                <a:solidFill>
-                  <a:srgbClr val="717171"/>
-                </a:solidFill>
-                <a:effectLst/>
-                <a:latin typeface="akagi_probook"/>
-              </a:rPr>
-              <a:t>Zenzo</a:t>
-            </a:r>
-            <a:r>
-              <a:rPr lang="en-GB" sz="900" b="0" i="0" dirty="0">
-                <a:solidFill>
-                  <a:srgbClr val="717171"/>
-                </a:solidFill>
-                <a:effectLst/>
-                <a:latin typeface="akagi_probook"/>
-              </a:rPr>
-              <a:t> </a:t>
-            </a:r>
-            <a:r>
-              <a:rPr lang="en-GB" sz="900" b="0" i="0" dirty="0" err="1">
-                <a:solidFill>
-                  <a:srgbClr val="717171"/>
-                </a:solidFill>
-                <a:effectLst/>
-                <a:latin typeface="akagi_probook"/>
-              </a:rPr>
-              <a:t>Matoga</a:t>
-            </a:r>
-            <a:r>
-              <a:rPr lang="en-GB" sz="900" b="0" i="0" dirty="0">
-                <a:solidFill>
-                  <a:srgbClr val="717171"/>
-                </a:solidFill>
-                <a:effectLst/>
-                <a:latin typeface="akagi_probook"/>
-              </a:rPr>
-              <a:t> Music (Admin. by Integrity Music Ltd)</a:t>
-            </a:r>
-          </a:p>
-          <a:p>
-            <a:r>
-              <a:rPr lang="en-GB" sz="900" b="0" i="0" dirty="0">
-                <a:solidFill>
-                  <a:srgbClr val="717171"/>
-                </a:solidFill>
-                <a:effectLst/>
-                <a:latin typeface="akagi_probook"/>
-              </a:rPr>
-              <a:t>For use solely with the </a:t>
-            </a:r>
-            <a:r>
-              <a:rPr lang="en-GB" sz="900" b="0" i="0" dirty="0" err="1">
-                <a:solidFill>
-                  <a:srgbClr val="717171"/>
-                </a:solidFill>
-                <a:effectLst/>
-                <a:latin typeface="akagi_probook"/>
-              </a:rPr>
-              <a:t>SongSelect</a:t>
-            </a:r>
-            <a:r>
-              <a:rPr lang="en-GB" sz="900" b="0" i="0" dirty="0">
-                <a:solidFill>
-                  <a:srgbClr val="717171"/>
-                </a:solidFill>
-                <a:effectLst/>
-                <a:latin typeface="akagi_probook"/>
-              </a:rPr>
-              <a:t>® Terms of Use. All rights reserved. www.ccli.com</a:t>
-            </a:r>
-          </a:p>
-          <a:p>
-            <a:endParaRPr lang="en-GB" sz="900" b="0" i="0" dirty="0">
-              <a:solidFill>
-                <a:srgbClr val="717171"/>
-              </a:solidFill>
-              <a:effectLst/>
-              <a:latin typeface="akagi_probook"/>
-            </a:endParaRPr>
-          </a:p>
-          <a:p>
-            <a:r>
-              <a:rPr lang="en-GB" sz="900" b="0" i="0" dirty="0">
-                <a:solidFill>
-                  <a:srgbClr val="717171"/>
-                </a:solidFill>
-                <a:effectLst/>
-                <a:latin typeface="akagi_probook"/>
-              </a:rPr>
-              <a:t>CCLI Licence No. 33265</a:t>
-            </a:r>
-          </a:p>
-          <a:p>
-            <a:endParaRPr lang="en-GB" sz="1200" dirty="0">
-              <a:solidFill>
-                <a:schemeClr val="bg1"/>
-              </a:solidFill>
-            </a:endParaRPr>
-          </a:p>
-        </p:txBody>
-      </p:sp>
+        </p:txBody>
+      </p:sp>
+      <p:pic>
+        <p:nvPicPr>
+          <p:cNvPr id="2" name="Picture 1">
+            <a:extLst>
+              <a:ext uri="{FF2B5EF4-FFF2-40B4-BE49-F238E27FC236}">
+                <a16:creationId xmlns:a16="http://schemas.microsoft.com/office/drawing/2014/main" id="{E89495C4-EDA8-7854-1C7C-C96C7FF8B556}"/>
+              </a:ext>
+            </a:extLst>
+          </p:cNvPr>
+          <p:cNvPicPr>
+            <a:picLocks noChangeAspect="1"/>
+          </p:cNvPicPr>
+          <p:nvPr/>
+        </p:nvPicPr>
+        <p:blipFill rotWithShape="1">
+          <a:blip r:embed="rId2"/>
+          <a:srcRect l="5867" r="6326"/>
+          <a:stretch/>
+        </p:blipFill>
+        <p:spPr>
+          <a:xfrm rot="21480000">
+            <a:off x="853377" y="1003258"/>
+            <a:ext cx="7437246" cy="4764396"/>
+          </a:xfrm>
+          <a:prstGeom prst="rect">
+            <a:avLst/>
+          </a:prstGeom>
+        </p:spPr>
+      </p:pic>
     </p:spTree>
     <p:extLst>
       <p:ext uri="{BB962C8B-B14F-4D97-AF65-F5344CB8AC3E}">
-        <p14:creationId xmlns:p14="http://schemas.microsoft.com/office/powerpoint/2010/main" val="3370963703"/>
+        <p14:creationId xmlns:p14="http://schemas.microsoft.com/office/powerpoint/2010/main" val="1264338961"/>
       </p:ext>
     </p:extLst>
   </p:cSld>
@@ -6109,9 +6537,41 @@
 </p:sld>
 </file>
 
-<file path=ppt/slides/slide24.xml><?xml version="1.0" encoding="utf-8"?>
+<file path=ppt/slides/slide27.xml><?xml version="1.0" encoding="utf-8"?>
 <p:sld xmlns:a="http://schemas.openxmlformats.org/drawingml/2006/main" xmlns:r="http://schemas.openxmlformats.org/officeDocument/2006/relationships" xmlns:p="http://schemas.openxmlformats.org/presentationml/2006/main">
   <p:cSld>
+    <p:bg>
+      <p:bgPr>
+        <a:gradFill rotWithShape="1">
+          <a:gsLst>
+            <a:gs pos="0">
+              <a:schemeClr val="bg1">
+                <a:tint val="93000"/>
+                <a:satMod val="150000"/>
+                <a:shade val="98000"/>
+                <a:lumMod val="102000"/>
+              </a:schemeClr>
+            </a:gs>
+            <a:gs pos="50000">
+              <a:schemeClr val="bg1">
+                <a:tint val="98000"/>
+                <a:satMod val="130000"/>
+                <a:shade val="90000"/>
+                <a:lumMod val="103000"/>
+              </a:schemeClr>
+            </a:gs>
+            <a:gs pos="100000">
+              <a:schemeClr val="bg1">
+                <a:shade val="63000"/>
+                <a:satMod val="120000"/>
+              </a:schemeClr>
+            </a:gs>
+          </a:gsLst>
+          <a:lin ang="5400000" scaled="0"/>
+        </a:gradFill>
+        <a:effectLst/>
+      </p:bgPr>
+    </p:bg>
     <p:spTree>
       <p:nvGrpSpPr>
         <p:cNvPr id="1" name=""/>
@@ -6126,533 +6586,230 @@
           <a:chExt cx="0" cy="0"/>
         </a:xfrm>
       </p:grpSpPr>
-      <p:sp>
-        <p:nvSpPr>
-          <p:cNvPr id="3" name="Subtitle 2"/>
-          <p:cNvSpPr>
-            <a:spLocks noGrp="1"/>
-          </p:cNvSpPr>
-          <p:nvPr>
-            <p:ph type="subTitle" idx="1"/>
+      <p:sp useBgFill="1">
+        <p:nvSpPr>
+          <p:cNvPr id="8" name="Rectangle 7">
+            <a:extLst>
+              <a:ext uri="{FF2B5EF4-FFF2-40B4-BE49-F238E27FC236}">
+                <a16:creationId xmlns:a16="http://schemas.microsoft.com/office/drawing/2014/main" id="{A2509F26-B5DC-4BA7-B476-4CB044237A2E}"/>
+              </a:ext>
+              <a:ext uri="{C183D7F6-B498-43B3-948B-1728B52AA6E4}">
+                <adec:decorative xmlns:adec="http://schemas.microsoft.com/office/drawing/2017/decorative" val="1"/>
+              </a:ext>
+            </a:extLst>
+          </p:cNvPr>
+          <p:cNvSpPr>
+            <a:spLocks noGrp="1" noRot="1" noChangeAspect="1" noMove="1" noResize="1" noEditPoints="1" noAdjustHandles="1" noChangeArrowheads="1" noChangeShapeType="1" noTextEdit="1"/>
+          </p:cNvSpPr>
+          <p:nvPr>
+            <p:extLst>
+              <p:ext uri="{386F3935-93C4-4BCD-93E2-E3B085C9AB24}">
+                <p16:designElem xmlns:p16="http://schemas.microsoft.com/office/powerpoint/2015/main" val="1"/>
+              </p:ext>
+            </p:extLst>
           </p:nvPr>
         </p:nvSpPr>
         <p:spPr>
           <a:xfrm>
-            <a:off x="323528" y="188640"/>
-            <a:ext cx="8640960" cy="6480720"/>
-          </a:xfrm>
-        </p:spPr>
-        <p:txBody>
-          <a:bodyPr>
-            <a:noAutofit/>
-          </a:bodyPr>
-          <a:lstStyle/>
-          <a:p>
-            <a:r>
-              <a:rPr lang="en-GB" sz="4400" dirty="0">
-                <a:solidFill>
-                  <a:schemeClr val="bg1"/>
-                </a:solidFill>
-              </a:rPr>
-              <a:t>You Lord</a:t>
-            </a:r>
-          </a:p>
-          <a:p>
-            <a:r>
-              <a:rPr lang="en-GB" sz="4400" dirty="0">
-                <a:solidFill>
-                  <a:schemeClr val="bg1"/>
-                </a:solidFill>
-              </a:rPr>
-              <a:t>You are worthy</a:t>
-            </a:r>
-          </a:p>
-          <a:p>
-            <a:r>
-              <a:rPr lang="en-GB" sz="4400" dirty="0">
-                <a:solidFill>
-                  <a:schemeClr val="bg1"/>
-                </a:solidFill>
-              </a:rPr>
-              <a:t>And no one can worship You for me</a:t>
-            </a:r>
-          </a:p>
-          <a:p>
-            <a:r>
-              <a:rPr lang="en-GB" sz="4400" dirty="0">
-                <a:solidFill>
-                  <a:schemeClr val="bg1"/>
-                </a:solidFill>
-              </a:rPr>
-              <a:t>For all of the things You've done for me</a:t>
-            </a:r>
-          </a:p>
-          <a:p>
-            <a:r>
-              <a:rPr lang="en-GB" sz="4400" dirty="0">
-                <a:solidFill>
-                  <a:schemeClr val="bg1"/>
-                </a:solidFill>
-              </a:rPr>
-              <a:t>And no one can worship You for me</a:t>
-            </a:r>
-          </a:p>
-        </p:txBody>
-      </p:sp>
-      <p:sp>
-        <p:nvSpPr>
-          <p:cNvPr id="4" name="TextBox 3"/>
-          <p:cNvSpPr txBox="1"/>
-          <p:nvPr/>
-        </p:nvSpPr>
-        <p:spPr>
-          <a:xfrm>
-            <a:off x="8529729" y="0"/>
-            <a:ext cx="628698" cy="461665"/>
+            <a:off x="0" y="0"/>
+            <a:ext cx="9144000" cy="6858000"/>
           </a:xfrm>
           <a:prstGeom prst="rect">
             <a:avLst/>
           </a:prstGeom>
-          <a:noFill/>
+          <a:ln>
+            <a:noFill/>
+          </a:ln>
         </p:spPr>
-        <p:txBody>
-          <a:bodyPr wrap="none" rtlCol="0">
-            <a:spAutoFit/>
-          </a:bodyPr>
-          <a:lstStyle/>
-          <a:p>
-            <a:r>
-              <a:rPr lang="en-GB" sz="2400" b="1" dirty="0">
-                <a:solidFill>
-                  <a:schemeClr val="bg1"/>
-                </a:solidFill>
-              </a:rPr>
-              <a:t>1/3</a:t>
-            </a:r>
-          </a:p>
-        </p:txBody>
-      </p:sp>
-    </p:spTree>
-    <p:extLst>
-      <p:ext uri="{BB962C8B-B14F-4D97-AF65-F5344CB8AC3E}">
-        <p14:creationId xmlns:p14="http://schemas.microsoft.com/office/powerpoint/2010/main" val="3752152885"/>
-      </p:ext>
-    </p:extLst>
-  </p:cSld>
-  <p:clrMapOvr>
-    <a:masterClrMapping/>
-  </p:clrMapOvr>
-</p:sld>
-</file>
-
-<file path=ppt/slides/slide25.xml><?xml version="1.0" encoding="utf-8"?>
-<p:sld xmlns:a="http://schemas.openxmlformats.org/drawingml/2006/main" xmlns:r="http://schemas.openxmlformats.org/officeDocument/2006/relationships" xmlns:p="http://schemas.openxmlformats.org/presentationml/2006/main">
-  <p:cSld>
-    <p:spTree>
-      <p:nvGrpSpPr>
-        <p:cNvPr id="1" name=""/>
-        <p:cNvGrpSpPr/>
-        <p:nvPr/>
-      </p:nvGrpSpPr>
-      <p:grpSpPr>
-        <a:xfrm>
-          <a:off x="0" y="0"/>
-          <a:ext cx="0" cy="0"/>
-          <a:chOff x="0" y="0"/>
-          <a:chExt cx="0" cy="0"/>
-        </a:xfrm>
-      </p:grpSpPr>
-      <p:sp>
-        <p:nvSpPr>
-          <p:cNvPr id="3" name="Subtitle 2"/>
-          <p:cNvSpPr>
-            <a:spLocks noGrp="1"/>
-          </p:cNvSpPr>
-          <p:nvPr>
-            <p:ph type="subTitle" idx="1"/>
+        <p:style>
+          <a:lnRef idx="2">
+            <a:schemeClr val="accent1">
+              <a:shade val="50000"/>
+            </a:schemeClr>
+          </a:lnRef>
+          <a:fillRef idx="1">
+            <a:schemeClr val="accent1"/>
+          </a:fillRef>
+          <a:effectRef idx="0">
+            <a:schemeClr val="accent1"/>
+          </a:effectRef>
+          <a:fontRef idx="minor">
+            <a:schemeClr val="lt1"/>
+          </a:fontRef>
+        </p:style>
+        <p:txBody>
+          <a:bodyPr rtlCol="0" anchor="ctr"/>
+          <a:lstStyle/>
+          <a:p>
+            <a:pPr marL="0" marR="0" lvl="0" indent="0" algn="ctr" defTabSz="457200" rtl="0" eaLnBrk="1" fontAlgn="auto" latinLnBrk="0" hangingPunct="1">
+              <a:lnSpc>
+                <a:spcPct val="100000"/>
+              </a:lnSpc>
+              <a:spcBef>
+                <a:spcPts val="0"/>
+              </a:spcBef>
+              <a:spcAft>
+                <a:spcPts val="0"/>
+              </a:spcAft>
+              <a:buClrTx/>
+              <a:buSzTx/>
+              <a:buFontTx/>
+              <a:buNone/>
+              <a:tabLst/>
+              <a:defRPr/>
+            </a:pPr>
+            <a:endParaRPr kumimoji="0" lang="en-US" sz="1800" b="0" i="0" u="none" strike="noStrike" kern="1200" cap="none" spc="0" normalizeH="0" baseline="0" noProof="0">
+              <a:ln>
+                <a:noFill/>
+              </a:ln>
+              <a:solidFill>
+                <a:prstClr val="white"/>
+              </a:solidFill>
+              <a:effectLst/>
+              <a:uLnTx/>
+              <a:uFillTx/>
+              <a:latin typeface="Impact" panose="020B0806030902050204"/>
+              <a:ea typeface="+mn-ea"/>
+              <a:cs typeface="+mn-cs"/>
+            </a:endParaRPr>
+          </a:p>
+        </p:txBody>
+      </p:sp>
+      <p:sp>
+        <p:nvSpPr>
+          <p:cNvPr id="10" name="Rectangle 9">
+            <a:extLst>
+              <a:ext uri="{FF2B5EF4-FFF2-40B4-BE49-F238E27FC236}">
+                <a16:creationId xmlns:a16="http://schemas.microsoft.com/office/drawing/2014/main" id="{DB103EB1-B135-4526-B883-33228FC27FF1}"/>
+              </a:ext>
+              <a:ext uri="{C183D7F6-B498-43B3-948B-1728B52AA6E4}">
+                <adec:decorative xmlns:adec="http://schemas.microsoft.com/office/drawing/2017/decorative" val="1"/>
+              </a:ext>
+            </a:extLst>
+          </p:cNvPr>
+          <p:cNvSpPr>
+            <a:spLocks noGrp="1" noRot="1" noChangeAspect="1" noMove="1" noResize="1" noEditPoints="1" noAdjustHandles="1" noChangeArrowheads="1" noChangeShapeType="1" noTextEdit="1"/>
+          </p:cNvSpPr>
+          <p:nvPr>
+            <p:extLst>
+              <p:ext uri="{386F3935-93C4-4BCD-93E2-E3B085C9AB24}">
+                <p16:designElem xmlns:p16="http://schemas.microsoft.com/office/powerpoint/2015/main" val="1"/>
+              </p:ext>
+            </p:extLst>
           </p:nvPr>
         </p:nvSpPr>
         <p:spPr>
-          <a:xfrm>
-            <a:off x="323528" y="188640"/>
-            <a:ext cx="8640960" cy="6480720"/>
-          </a:xfrm>
-        </p:spPr>
-        <p:txBody>
-          <a:bodyPr>
-            <a:noAutofit/>
-          </a:bodyPr>
-          <a:lstStyle/>
-          <a:p>
-            <a:r>
-              <a:rPr lang="en-GB" sz="4400" dirty="0">
-                <a:solidFill>
-                  <a:schemeClr val="bg1"/>
-                </a:solidFill>
-              </a:rPr>
-              <a:t>Here's my worship</a:t>
-            </a:r>
-          </a:p>
-          <a:p>
-            <a:r>
-              <a:rPr lang="en-GB" sz="4400" dirty="0">
-                <a:solidFill>
-                  <a:schemeClr val="bg1"/>
-                </a:solidFill>
-              </a:rPr>
-              <a:t>All of my worship</a:t>
-            </a:r>
-          </a:p>
-          <a:p>
-            <a:r>
-              <a:rPr lang="en-GB" sz="4400" dirty="0">
-                <a:solidFill>
-                  <a:schemeClr val="bg1"/>
-                </a:solidFill>
-              </a:rPr>
-              <a:t>Receive my worship</a:t>
-            </a:r>
-          </a:p>
-          <a:p>
-            <a:r>
-              <a:rPr lang="en-GB" sz="4400" dirty="0">
-                <a:solidFill>
-                  <a:schemeClr val="bg1"/>
-                </a:solidFill>
-              </a:rPr>
-              <a:t>All of my worship</a:t>
-            </a:r>
-            <a:br>
-              <a:rPr lang="en-GB" sz="4400" dirty="0">
-                <a:solidFill>
-                  <a:schemeClr val="bg1"/>
-                </a:solidFill>
-              </a:rPr>
-            </a:br>
-            <a:endParaRPr lang="en-GB" sz="4400" dirty="0">
-              <a:solidFill>
-                <a:schemeClr val="bg1"/>
-              </a:solidFill>
-            </a:endParaRPr>
-          </a:p>
-          <a:p>
-            <a:r>
-              <a:rPr lang="en-GB" sz="4400" dirty="0">
-                <a:solidFill>
-                  <a:schemeClr val="bg1"/>
-                </a:solidFill>
-              </a:rPr>
-              <a:t>(REPEAT)</a:t>
-            </a:r>
-          </a:p>
-        </p:txBody>
-      </p:sp>
-      <p:sp>
-        <p:nvSpPr>
-          <p:cNvPr id="4" name="TextBox 3"/>
-          <p:cNvSpPr txBox="1"/>
-          <p:nvPr/>
-        </p:nvSpPr>
-        <p:spPr>
-          <a:xfrm>
-            <a:off x="8529729" y="0"/>
-            <a:ext cx="628698" cy="461665"/>
+          <a:xfrm rot="21480000">
+            <a:off x="611505" y="683404"/>
+            <a:ext cx="7920990" cy="5404104"/>
           </a:xfrm>
           <a:prstGeom prst="rect">
             <a:avLst/>
           </a:prstGeom>
-          <a:noFill/>
+          <a:solidFill>
+            <a:srgbClr val="FFFFFF"/>
+          </a:solidFill>
+          <a:ln w="3175" cap="sq" cmpd="thinThick">
+            <a:solidFill>
+              <a:srgbClr val="DDDDDD"/>
+            </a:solidFill>
+            <a:miter lim="800000"/>
+          </a:ln>
+          <a:effectLst>
+            <a:outerShdw blurRad="266700" dist="114300" dir="2700000" algn="tl" rotWithShape="0">
+              <a:prstClr val="black">
+                <a:alpha val="40000"/>
+              </a:prstClr>
+            </a:outerShdw>
+          </a:effectLst>
         </p:spPr>
-        <p:txBody>
-          <a:bodyPr wrap="none" rtlCol="0">
-            <a:spAutoFit/>
-          </a:bodyPr>
-          <a:lstStyle/>
-          <a:p>
-            <a:r>
-              <a:rPr lang="en-GB" sz="2400" b="1" dirty="0">
-                <a:solidFill>
-                  <a:schemeClr val="bg1"/>
-                </a:solidFill>
-              </a:rPr>
-              <a:t>2/3</a:t>
-            </a:r>
-          </a:p>
-        </p:txBody>
-      </p:sp>
-    </p:spTree>
-    <p:extLst>
-      <p:ext uri="{BB962C8B-B14F-4D97-AF65-F5344CB8AC3E}">
-        <p14:creationId xmlns:p14="http://schemas.microsoft.com/office/powerpoint/2010/main" val="2325323096"/>
-      </p:ext>
-    </p:extLst>
-  </p:cSld>
-  <p:clrMapOvr>
-    <a:masterClrMapping/>
-  </p:clrMapOvr>
-</p:sld>
-</file>
-
-<file path=ppt/slides/slide26.xml><?xml version="1.0" encoding="utf-8"?>
-<p:sld xmlns:a="http://schemas.openxmlformats.org/drawingml/2006/main" xmlns:r="http://schemas.openxmlformats.org/officeDocument/2006/relationships" xmlns:p="http://schemas.openxmlformats.org/presentationml/2006/main">
-  <p:cSld>
-    <p:spTree>
-      <p:nvGrpSpPr>
-        <p:cNvPr id="1" name=""/>
-        <p:cNvGrpSpPr/>
-        <p:nvPr/>
-      </p:nvGrpSpPr>
-      <p:grpSpPr>
-        <a:xfrm>
-          <a:off x="0" y="0"/>
-          <a:ext cx="0" cy="0"/>
-          <a:chOff x="0" y="0"/>
-          <a:chExt cx="0" cy="0"/>
-        </a:xfrm>
-      </p:grpSpPr>
-      <p:sp>
-        <p:nvSpPr>
-          <p:cNvPr id="3" name="Subtitle 2"/>
-          <p:cNvSpPr>
-            <a:spLocks noGrp="1"/>
-          </p:cNvSpPr>
-          <p:nvPr>
-            <p:ph type="subTitle" idx="1"/>
-          </p:nvPr>
-        </p:nvSpPr>
+        <p:style>
+          <a:lnRef idx="2">
+            <a:schemeClr val="accent1">
+              <a:shade val="50000"/>
+            </a:schemeClr>
+          </a:lnRef>
+          <a:fillRef idx="1">
+            <a:schemeClr val="accent1"/>
+          </a:fillRef>
+          <a:effectRef idx="0">
+            <a:schemeClr val="accent1"/>
+          </a:effectRef>
+          <a:fontRef idx="minor">
+            <a:schemeClr val="lt1"/>
+          </a:fontRef>
+        </p:style>
+        <p:txBody>
+          <a:bodyPr rtlCol="0" anchor="ctr"/>
+          <a:lstStyle/>
+          <a:p>
+            <a:pPr marL="0" marR="0" lvl="0" indent="0" algn="ctr" defTabSz="457200" rtl="0" eaLnBrk="1" fontAlgn="auto" latinLnBrk="0" hangingPunct="1">
+              <a:lnSpc>
+                <a:spcPct val="100000"/>
+              </a:lnSpc>
+              <a:spcBef>
+                <a:spcPts val="0"/>
+              </a:spcBef>
+              <a:spcAft>
+                <a:spcPts val="0"/>
+              </a:spcAft>
+              <a:buClrTx/>
+              <a:buSzTx/>
+              <a:buFontTx/>
+              <a:buNone/>
+              <a:tabLst/>
+              <a:defRPr/>
+            </a:pPr>
+            <a:endParaRPr kumimoji="0" lang="en-US" sz="1800" b="0" i="0" u="none" strike="noStrike" kern="1200" cap="none" spc="0" normalizeH="0" baseline="0" noProof="0">
+              <a:ln>
+                <a:noFill/>
+              </a:ln>
+              <a:solidFill>
+                <a:prstClr val="white"/>
+              </a:solidFill>
+              <a:effectLst/>
+              <a:uLnTx/>
+              <a:uFillTx/>
+              <a:latin typeface="Impact" panose="020B0806030902050204"/>
+              <a:ea typeface="+mn-ea"/>
+              <a:cs typeface="+mn-cs"/>
+            </a:endParaRPr>
+          </a:p>
+        </p:txBody>
+      </p:sp>
+      <p:pic>
+        <p:nvPicPr>
+          <p:cNvPr id="3" name="Picture 2" descr="A red and white sign&#10;&#10;Description automatically generated with low confidence">
+            <a:extLst>
+              <a:ext uri="{FF2B5EF4-FFF2-40B4-BE49-F238E27FC236}">
+                <a16:creationId xmlns:a16="http://schemas.microsoft.com/office/drawing/2014/main" id="{568C51E5-4E52-94E1-1E2A-702861E5DF83}"/>
+              </a:ext>
+            </a:extLst>
+          </p:cNvPr>
+          <p:cNvPicPr>
+            <a:picLocks noChangeAspect="1"/>
+          </p:cNvPicPr>
+          <p:nvPr/>
+        </p:nvPicPr>
+        <p:blipFill rotWithShape="1">
+          <a:blip r:embed="rId2"/>
+          <a:srcRect t="12839" r="-1" b="23099"/>
+          <a:stretch/>
+        </p:blipFill>
         <p:spPr>
-          <a:xfrm>
-            <a:off x="323528" y="188640"/>
-            <a:ext cx="8640960" cy="6480720"/>
-          </a:xfrm>
-        </p:spPr>
-        <p:txBody>
-          <a:bodyPr>
-            <a:noAutofit/>
-          </a:bodyPr>
-          <a:lstStyle/>
-          <a:p>
-            <a:r>
-              <a:rPr lang="en-GB" sz="4400" dirty="0">
-                <a:solidFill>
-                  <a:schemeClr val="bg1"/>
-                </a:solidFill>
-              </a:rPr>
-              <a:t>And I will not be silent</a:t>
-            </a:r>
-          </a:p>
-          <a:p>
-            <a:r>
-              <a:rPr lang="en-GB" sz="4400" dirty="0">
-                <a:solidFill>
-                  <a:schemeClr val="bg1"/>
-                </a:solidFill>
-              </a:rPr>
-              <a:t>I will always worship You</a:t>
-            </a:r>
-          </a:p>
-          <a:p>
-            <a:r>
-              <a:rPr lang="en-GB" sz="4400" dirty="0">
-                <a:solidFill>
-                  <a:schemeClr val="bg1"/>
-                </a:solidFill>
-              </a:rPr>
-              <a:t>As long as I am breathing</a:t>
-            </a:r>
-          </a:p>
-          <a:p>
-            <a:r>
-              <a:rPr lang="en-GB" sz="4400" dirty="0">
-                <a:solidFill>
-                  <a:schemeClr val="bg1"/>
-                </a:solidFill>
-              </a:rPr>
-              <a:t>I will always worship You</a:t>
-            </a:r>
-          </a:p>
-        </p:txBody>
-      </p:sp>
-      <p:sp>
-        <p:nvSpPr>
-          <p:cNvPr id="4" name="TextBox 3"/>
-          <p:cNvSpPr txBox="1"/>
-          <p:nvPr/>
-        </p:nvSpPr>
-        <p:spPr>
-          <a:xfrm>
-            <a:off x="8529729" y="0"/>
-            <a:ext cx="628698" cy="461665"/>
+          <a:xfrm rot="21480000">
+            <a:off x="853377" y="1003258"/>
+            <a:ext cx="7437246" cy="4764396"/>
           </a:xfrm>
           <a:prstGeom prst="rect">
             <a:avLst/>
           </a:prstGeom>
-          <a:noFill/>
         </p:spPr>
-        <p:txBody>
-          <a:bodyPr wrap="none" rtlCol="0">
-            <a:spAutoFit/>
-          </a:bodyPr>
-          <a:lstStyle/>
-          <a:p>
-            <a:r>
-              <a:rPr lang="en-GB" sz="2400" b="1" dirty="0">
-                <a:solidFill>
-                  <a:schemeClr val="bg1"/>
-                </a:solidFill>
-              </a:rPr>
-              <a:t>3/3</a:t>
-            </a:r>
-          </a:p>
-        </p:txBody>
-      </p:sp>
+      </p:pic>
     </p:spTree>
     <p:extLst>
       <p:ext uri="{BB962C8B-B14F-4D97-AF65-F5344CB8AC3E}">
-        <p14:creationId xmlns:p14="http://schemas.microsoft.com/office/powerpoint/2010/main" val="3663558750"/>
-      </p:ext>
-    </p:extLst>
-  </p:cSld>
-  <p:clrMapOvr>
-    <a:masterClrMapping/>
-  </p:clrMapOvr>
-</p:sld>
-</file>
-
-<file path=ppt/slides/slide27.xml><?xml version="1.0" encoding="utf-8"?>
-<p:sld xmlns:a="http://schemas.openxmlformats.org/drawingml/2006/main" xmlns:r="http://schemas.openxmlformats.org/officeDocument/2006/relationships" xmlns:p="http://schemas.openxmlformats.org/presentationml/2006/main">
-  <p:cSld>
-    <p:spTree>
-      <p:nvGrpSpPr>
-        <p:cNvPr id="1" name=""/>
-        <p:cNvGrpSpPr/>
-        <p:nvPr/>
-      </p:nvGrpSpPr>
-      <p:grpSpPr>
-        <a:xfrm>
-          <a:off x="0" y="0"/>
-          <a:ext cx="0" cy="0"/>
-          <a:chOff x="0" y="0"/>
-          <a:chExt cx="0" cy="0"/>
-        </a:xfrm>
-      </p:grpSpPr>
-      <p:sp>
-        <p:nvSpPr>
-          <p:cNvPr id="3" name="Subtitle 2"/>
-          <p:cNvSpPr>
-            <a:spLocks noGrp="1"/>
-          </p:cNvSpPr>
-          <p:nvPr>
-            <p:ph type="subTitle" idx="1"/>
-          </p:nvPr>
-        </p:nvSpPr>
-        <p:spPr>
-          <a:xfrm>
-            <a:off x="323528" y="188640"/>
-            <a:ext cx="8640960" cy="6480720"/>
-          </a:xfrm>
-        </p:spPr>
-        <p:txBody>
-          <a:bodyPr>
-            <a:noAutofit/>
-          </a:bodyPr>
-          <a:lstStyle/>
-          <a:p>
-            <a:r>
-              <a:rPr lang="en-GB" sz="4400" dirty="0">
-                <a:solidFill>
-                  <a:schemeClr val="bg1"/>
-                </a:solidFill>
-              </a:rPr>
-              <a:t>Thank You, Thank You</a:t>
-            </a:r>
-          </a:p>
-          <a:p>
-            <a:r>
-              <a:rPr lang="en-GB" sz="4400" dirty="0">
-                <a:solidFill>
-                  <a:schemeClr val="bg1"/>
-                </a:solidFill>
-              </a:rPr>
-              <a:t>Thank You, Thank You</a:t>
-            </a:r>
-          </a:p>
-          <a:p>
-            <a:r>
-              <a:rPr lang="en-GB" sz="4400" dirty="0">
-                <a:solidFill>
-                  <a:schemeClr val="bg1"/>
-                </a:solidFill>
-              </a:rPr>
-              <a:t>Thank You, Thank You</a:t>
-            </a:r>
-          </a:p>
-          <a:p>
-            <a:r>
-              <a:rPr lang="en-GB" sz="4400" dirty="0">
-                <a:solidFill>
-                  <a:schemeClr val="bg1"/>
-                </a:solidFill>
-              </a:rPr>
-              <a:t>For all you have done</a:t>
-            </a:r>
-          </a:p>
-          <a:p>
-            <a:r>
-              <a:rPr lang="en-GB" sz="4400" dirty="0">
-                <a:solidFill>
-                  <a:schemeClr val="bg1"/>
-                </a:solidFill>
-              </a:rPr>
-              <a:t>(REPEAT)</a:t>
-            </a:r>
-          </a:p>
-          <a:p>
-            <a:endParaRPr lang="en-GB" sz="4400" dirty="0">
-              <a:solidFill>
-                <a:schemeClr val="bg1"/>
-              </a:solidFill>
-            </a:endParaRPr>
-          </a:p>
-        </p:txBody>
-      </p:sp>
-      <p:sp>
-        <p:nvSpPr>
-          <p:cNvPr id="4" name="TextBox 3"/>
-          <p:cNvSpPr txBox="1"/>
-          <p:nvPr/>
-        </p:nvSpPr>
-        <p:spPr>
-          <a:xfrm>
-            <a:off x="8529729" y="0"/>
-            <a:ext cx="628698" cy="461665"/>
-          </a:xfrm>
-          <a:prstGeom prst="rect">
-            <a:avLst/>
-          </a:prstGeom>
-          <a:noFill/>
-        </p:spPr>
-        <p:txBody>
-          <a:bodyPr wrap="none" rtlCol="0">
-            <a:spAutoFit/>
-          </a:bodyPr>
-          <a:lstStyle/>
-          <a:p>
-            <a:r>
-              <a:rPr lang="en-GB" sz="2400" b="1" dirty="0">
-                <a:solidFill>
-                  <a:schemeClr val="bg1"/>
-                </a:solidFill>
-              </a:rPr>
-              <a:t>1/1</a:t>
-            </a:r>
-          </a:p>
-        </p:txBody>
-      </p:sp>
-    </p:spTree>
-    <p:extLst>
-      <p:ext uri="{BB962C8B-B14F-4D97-AF65-F5344CB8AC3E}">
-        <p14:creationId xmlns:p14="http://schemas.microsoft.com/office/powerpoint/2010/main" val="1252671617"/>
+        <p14:creationId xmlns:p14="http://schemas.microsoft.com/office/powerpoint/2010/main" val="2812127190"/>
       </p:ext>
     </p:extLst>
   </p:cSld>
@@ -6708,31 +6865,231 @@
             </a:endParaRPr>
           </a:p>
           <a:p>
-            <a:r>
-              <a:rPr lang="en-GB" sz="6600" dirty="0">
+            <a:endParaRPr lang="en-GB" sz="5400" b="0" i="0" dirty="0">
+              <a:solidFill>
+                <a:schemeClr val="bg1"/>
+              </a:solidFill>
+              <a:effectLst/>
+              <a:latin typeface="akagi_probook"/>
+            </a:endParaRPr>
+          </a:p>
+          <a:p>
+            <a:r>
+              <a:rPr lang="en-GB" sz="6600" b="0" i="0" dirty="0">
                 <a:solidFill>
                   <a:srgbClr val="00A3E0"/>
                 </a:solidFill>
+                <a:effectLst/>
                 <a:latin typeface="akagi_probook"/>
               </a:rPr>
-              <a:t>I Speak Jesus</a:t>
+              <a:t>My Worship</a:t>
             </a:r>
           </a:p>
           <a:p>
             <a:br>
-              <a:rPr lang="en-GB" sz="1200" dirty="0">
-                <a:solidFill>
-                  <a:schemeClr val="bg1"/>
-                </a:solidFill>
+              <a:rPr lang="en-GB" sz="900" b="0" i="0" dirty="0">
+                <a:solidFill>
+                  <a:srgbClr val="717171"/>
+                </a:solidFill>
+                <a:effectLst/>
+                <a:latin typeface="akagi_probook"/>
               </a:rPr>
             </a:br>
             <a:r>
-              <a:rPr lang="en-GB" sz="1200" dirty="0">
-                <a:solidFill>
-                  <a:schemeClr val="bg1"/>
-                </a:solidFill>
-              </a:rPr>
-              <a:t>CCLI Song # 7136201</a:t>
+              <a:rPr lang="en-GB" sz="900" b="0" i="0" dirty="0">
+                <a:solidFill>
+                  <a:srgbClr val="717171"/>
+                </a:solidFill>
+                <a:effectLst/>
+                <a:latin typeface="akagi_probook"/>
+              </a:rPr>
+              <a:t>CCLI Song # 7098688</a:t>
+            </a:r>
+          </a:p>
+          <a:p>
+            <a:endParaRPr lang="en-GB" sz="900" b="0" i="0" dirty="0">
+              <a:solidFill>
+                <a:srgbClr val="717171"/>
+              </a:solidFill>
+              <a:effectLst/>
+              <a:latin typeface="akagi_probook"/>
+            </a:endParaRPr>
+          </a:p>
+          <a:p>
+            <a:r>
+              <a:rPr lang="en-GB" sz="900" b="0" i="0" dirty="0">
+                <a:solidFill>
+                  <a:srgbClr val="717171"/>
+                </a:solidFill>
+                <a:effectLst/>
+                <a:latin typeface="akagi_probook"/>
+              </a:rPr>
+              <a:t>Philip Nathan Thompson | </a:t>
+            </a:r>
+            <a:r>
+              <a:rPr lang="en-GB" sz="900" b="0" i="0" dirty="0" err="1">
+                <a:solidFill>
+                  <a:srgbClr val="717171"/>
+                </a:solidFill>
+                <a:effectLst/>
+                <a:latin typeface="akagi_probook"/>
+              </a:rPr>
+              <a:t>Zenzo</a:t>
+            </a:r>
+            <a:r>
+              <a:rPr lang="en-GB" sz="900" b="0" i="0" dirty="0">
+                <a:solidFill>
+                  <a:srgbClr val="717171"/>
+                </a:solidFill>
+                <a:effectLst/>
+                <a:latin typeface="akagi_probook"/>
+              </a:rPr>
+              <a:t> </a:t>
+            </a:r>
+            <a:r>
+              <a:rPr lang="en-GB" sz="900" b="0" i="0" dirty="0" err="1">
+                <a:solidFill>
+                  <a:srgbClr val="717171"/>
+                </a:solidFill>
+                <a:effectLst/>
+                <a:latin typeface="akagi_probook"/>
+              </a:rPr>
+              <a:t>Matoga</a:t>
+            </a:r>
+            <a:endParaRPr lang="en-GB" sz="900" b="0" i="0" dirty="0">
+              <a:solidFill>
+                <a:srgbClr val="717171"/>
+              </a:solidFill>
+              <a:effectLst/>
+              <a:latin typeface="akagi_probook"/>
+            </a:endParaRPr>
+          </a:p>
+          <a:p>
+            <a:endParaRPr lang="en-GB" sz="900" b="0" i="0" dirty="0">
+              <a:solidFill>
+                <a:srgbClr val="717171"/>
+              </a:solidFill>
+              <a:effectLst/>
+              <a:latin typeface="akagi_probook"/>
+            </a:endParaRPr>
+          </a:p>
+          <a:p>
+            <a:r>
+              <a:rPr lang="en-GB" sz="900" b="0" i="0" dirty="0">
+                <a:solidFill>
+                  <a:srgbClr val="717171"/>
+                </a:solidFill>
+                <a:effectLst/>
+                <a:latin typeface="akagi_probook"/>
+              </a:rPr>
+              <a:t>© 2017 Integrity Worship Music (Admin. by Integrity Music Ltd)</a:t>
+            </a:r>
+          </a:p>
+          <a:p>
+            <a:r>
+              <a:rPr lang="en-GB" sz="900" b="0" i="0" dirty="0">
+                <a:solidFill>
+                  <a:srgbClr val="717171"/>
+                </a:solidFill>
+                <a:effectLst/>
+                <a:latin typeface="akagi_probook"/>
+              </a:rPr>
+              <a:t>Phil Thompson Worship (Admin. by Integrity Music Ltd)</a:t>
+            </a:r>
+          </a:p>
+          <a:p>
+            <a:r>
+              <a:rPr lang="en-GB" sz="900" b="0" i="0" dirty="0" err="1">
+                <a:solidFill>
+                  <a:srgbClr val="717171"/>
+                </a:solidFill>
+                <a:effectLst/>
+                <a:latin typeface="akagi_probook"/>
+              </a:rPr>
+              <a:t>Zenzo</a:t>
+            </a:r>
+            <a:r>
+              <a:rPr lang="en-GB" sz="900" b="0" i="0" dirty="0">
+                <a:solidFill>
+                  <a:srgbClr val="717171"/>
+                </a:solidFill>
+                <a:effectLst/>
+                <a:latin typeface="akagi_probook"/>
+              </a:rPr>
+              <a:t> </a:t>
+            </a:r>
+            <a:r>
+              <a:rPr lang="en-GB" sz="900" b="0" i="0" dirty="0" err="1">
+                <a:solidFill>
+                  <a:srgbClr val="717171"/>
+                </a:solidFill>
+                <a:effectLst/>
+                <a:latin typeface="akagi_probook"/>
+              </a:rPr>
+              <a:t>Matoga</a:t>
+            </a:r>
+            <a:r>
+              <a:rPr lang="en-GB" sz="900" b="0" i="0" dirty="0">
+                <a:solidFill>
+                  <a:srgbClr val="717171"/>
+                </a:solidFill>
+                <a:effectLst/>
+                <a:latin typeface="akagi_probook"/>
+              </a:rPr>
+              <a:t> Music (Admin. by Integrity Music Ltd)</a:t>
+            </a:r>
+          </a:p>
+          <a:p>
+            <a:r>
+              <a:rPr lang="en-GB" sz="900" b="0" i="0" dirty="0">
+                <a:solidFill>
+                  <a:srgbClr val="717171"/>
+                </a:solidFill>
+                <a:effectLst/>
+                <a:latin typeface="akagi_probook"/>
+              </a:rPr>
+              <a:t>For use solely with the </a:t>
+            </a:r>
+            <a:r>
+              <a:rPr lang="en-GB" sz="900" b="0" i="0" dirty="0" err="1">
+                <a:solidFill>
+                  <a:srgbClr val="717171"/>
+                </a:solidFill>
+                <a:effectLst/>
+                <a:latin typeface="akagi_probook"/>
+              </a:rPr>
+              <a:t>SongSelect</a:t>
+            </a:r>
+            <a:r>
+              <a:rPr lang="en-GB" sz="900" b="0" i="0" dirty="0">
+                <a:solidFill>
+                  <a:srgbClr val="717171"/>
+                </a:solidFill>
+                <a:effectLst/>
+                <a:latin typeface="akagi_probook"/>
+              </a:rPr>
+              <a:t>® Terms of Use. All rights reserved. www.ccli.com</a:t>
+            </a:r>
+          </a:p>
+          <a:p>
+            <a:endParaRPr lang="en-GB" sz="900" b="0" i="0" dirty="0">
+              <a:solidFill>
+                <a:srgbClr val="717171"/>
+              </a:solidFill>
+              <a:effectLst/>
+              <a:latin typeface="akagi_probook"/>
+            </a:endParaRPr>
+          </a:p>
+          <a:p>
+            <a:r>
+              <a:rPr lang="en-GB" sz="900" b="0" i="0" dirty="0">
+                <a:solidFill>
+                  <a:srgbClr val="717171"/>
+                </a:solidFill>
+                <a:effectLst/>
+                <a:latin typeface="akagi_probook"/>
+              </a:rPr>
+              <a:t>CCLI Licence No. 33265</a:t>
             </a:r>
           </a:p>
           <a:p>
@@ -6742,154 +7099,12 @@
               </a:solidFill>
             </a:endParaRPr>
           </a:p>
-          <a:p>
-            <a:r>
-              <a:rPr lang="en-GB" sz="1200" dirty="0">
-                <a:solidFill>
-                  <a:schemeClr val="bg1"/>
-                </a:solidFill>
-              </a:rPr>
-              <a:t>Abby Benton | Carlene Prince | Dustin Smith | Jesse Reeves | Kristen Dutton | Raina Pratt</a:t>
-            </a:r>
-          </a:p>
-          <a:p>
-            <a:endParaRPr lang="en-GB" sz="1200" dirty="0">
-              <a:solidFill>
-                <a:schemeClr val="bg1"/>
-              </a:solidFill>
-            </a:endParaRPr>
-          </a:p>
-          <a:p>
-            <a:r>
-              <a:rPr lang="en-GB" sz="1200" dirty="0">
-                <a:solidFill>
-                  <a:schemeClr val="bg1"/>
-                </a:solidFill>
-              </a:rPr>
-              <a:t>© 2019 Here Be Lions Publishing (Admin. by Integrity Music Ltd)</a:t>
-            </a:r>
-          </a:p>
-          <a:p>
-            <a:r>
-              <a:rPr lang="en-GB" sz="1200" dirty="0">
-                <a:solidFill>
-                  <a:schemeClr val="bg1"/>
-                </a:solidFill>
-              </a:rPr>
-              <a:t>Integrity's Praise! Music (Admin. by Integrity Music Ltd)</a:t>
-            </a:r>
-          </a:p>
-          <a:p>
-            <a:r>
-              <a:rPr lang="en-GB" sz="1200" dirty="0">
-                <a:solidFill>
-                  <a:schemeClr val="bg1"/>
-                </a:solidFill>
-              </a:rPr>
-              <a:t>BEC Worship (Admin. by Song Solutions)</a:t>
-            </a:r>
-          </a:p>
-          <a:p>
-            <a:r>
-              <a:rPr lang="en-GB" sz="1200" dirty="0">
-                <a:solidFill>
-                  <a:schemeClr val="bg1"/>
-                </a:solidFill>
-              </a:rPr>
-              <a:t>Raina Pratt publishing designee (Admin. by Song Solutions www.songsolutions.org)</a:t>
-            </a:r>
-          </a:p>
-          <a:p>
-            <a:r>
-              <a:rPr lang="en-GB" sz="1200" dirty="0" err="1">
-                <a:solidFill>
-                  <a:schemeClr val="bg1"/>
-                </a:solidFill>
-              </a:rPr>
-              <a:t>WriterWrong</a:t>
-            </a:r>
-            <a:r>
-              <a:rPr lang="en-GB" sz="1200" dirty="0">
-                <a:solidFill>
-                  <a:schemeClr val="bg1"/>
-                </a:solidFill>
-              </a:rPr>
-              <a:t> Music (Admin. by Song Solutions www.songsolutions.org)</a:t>
-            </a:r>
-          </a:p>
-          <a:p>
-            <a:r>
-              <a:rPr lang="en-GB" sz="1200" dirty="0">
-                <a:solidFill>
-                  <a:schemeClr val="bg1"/>
-                </a:solidFill>
-              </a:rPr>
-              <a:t>Remaining portion is unaffiliated</a:t>
-            </a:r>
-          </a:p>
-          <a:p>
-            <a:r>
-              <a:rPr lang="en-GB" sz="1200" dirty="0">
-                <a:solidFill>
-                  <a:schemeClr val="bg1"/>
-                </a:solidFill>
-              </a:rPr>
-              <a:t>For use solely with the </a:t>
-            </a:r>
-            <a:r>
-              <a:rPr lang="en-GB" sz="1200" dirty="0" err="1">
-                <a:solidFill>
-                  <a:schemeClr val="bg1"/>
-                </a:solidFill>
-              </a:rPr>
-              <a:t>SongSelect</a:t>
-            </a:r>
-            <a:r>
-              <a:rPr lang="en-GB" sz="1200" dirty="0">
-                <a:solidFill>
-                  <a:schemeClr val="bg1"/>
-                </a:solidFill>
-              </a:rPr>
-              <a:t>® Terms of Use. All rights reserved. www.ccli.com</a:t>
-            </a:r>
-          </a:p>
-          <a:p>
-            <a:endParaRPr lang="en-GB" sz="1200" dirty="0">
-              <a:solidFill>
-                <a:schemeClr val="bg1"/>
-              </a:solidFill>
-            </a:endParaRPr>
-          </a:p>
-          <a:p>
-            <a:r>
-              <a:rPr lang="en-GB" sz="1200" dirty="0">
-                <a:solidFill>
-                  <a:schemeClr val="bg1"/>
-                </a:solidFill>
-              </a:rPr>
-              <a:t>CCLI Licence No. 33265</a:t>
-            </a:r>
-          </a:p>
-          <a:p>
-            <a:endParaRPr lang="en-GB" sz="1200" dirty="0">
-              <a:solidFill>
-                <a:schemeClr val="bg1"/>
-              </a:solidFill>
-            </a:endParaRPr>
-          </a:p>
-          <a:p>
-            <a:endParaRPr lang="en-GB" sz="1200" dirty="0">
-              <a:solidFill>
-                <a:schemeClr val="bg1"/>
-              </a:solidFill>
-            </a:endParaRPr>
-          </a:p>
         </p:txBody>
       </p:sp>
     </p:spTree>
     <p:extLst>
       <p:ext uri="{BB962C8B-B14F-4D97-AF65-F5344CB8AC3E}">
-        <p14:creationId xmlns:p14="http://schemas.microsoft.com/office/powerpoint/2010/main" val="4176996030"/>
+        <p14:creationId xmlns:p14="http://schemas.microsoft.com/office/powerpoint/2010/main" val="3370963703"/>
       </p:ext>
     </p:extLst>
   </p:cSld>
@@ -6939,82 +7154,52 @@
           <a:lstStyle/>
           <a:p>
             <a:r>
-              <a:rPr lang="en-GB" sz="4600" dirty="0">
-                <a:solidFill>
-                  <a:schemeClr val="bg1"/>
-                </a:solidFill>
-              </a:rPr>
-              <a:t>I just want to speak the Name of Jesus</a:t>
-            </a:r>
-          </a:p>
-          <a:p>
-            <a:r>
-              <a:rPr lang="en-GB" sz="4600" dirty="0">
-                <a:solidFill>
-                  <a:schemeClr val="bg1"/>
-                </a:solidFill>
-              </a:rPr>
-              <a:t>Over </a:t>
-            </a:r>
-            <a:r>
-              <a:rPr lang="en-GB" sz="4600" dirty="0" err="1">
-                <a:solidFill>
-                  <a:schemeClr val="bg1"/>
-                </a:solidFill>
-              </a:rPr>
-              <a:t>ev'ry</a:t>
-            </a:r>
-            <a:r>
-              <a:rPr lang="en-GB" sz="4600" dirty="0">
-                <a:solidFill>
-                  <a:schemeClr val="bg1"/>
-                </a:solidFill>
-              </a:rPr>
-              <a:t> heart and </a:t>
-            </a:r>
-            <a:r>
-              <a:rPr lang="en-GB" sz="4600" dirty="0" err="1">
-                <a:solidFill>
-                  <a:schemeClr val="bg1"/>
-                </a:solidFill>
-              </a:rPr>
-              <a:t>ev'ry</a:t>
-            </a:r>
-            <a:r>
-              <a:rPr lang="en-GB" sz="4600" dirty="0">
-                <a:solidFill>
-                  <a:schemeClr val="bg1"/>
-                </a:solidFill>
-              </a:rPr>
-              <a:t> mind</a:t>
-            </a:r>
-          </a:p>
-          <a:p>
-            <a:r>
-              <a:rPr lang="en-GB" sz="4600" dirty="0" err="1">
-                <a:solidFill>
-                  <a:schemeClr val="bg1"/>
-                </a:solidFill>
-              </a:rPr>
-              <a:t>'Cause</a:t>
-            </a:r>
-            <a:r>
-              <a:rPr lang="en-GB" sz="4600" dirty="0">
-                <a:solidFill>
-                  <a:schemeClr val="bg1"/>
-                </a:solidFill>
-              </a:rPr>
-              <a:t> I know there is peace within Your presence</a:t>
-            </a:r>
-          </a:p>
-          <a:p>
-            <a:r>
-              <a:rPr lang="en-GB" sz="4600" dirty="0">
-                <a:solidFill>
-                  <a:schemeClr val="bg1"/>
-                </a:solidFill>
-              </a:rPr>
-              <a:t>I speak Jesus</a:t>
+              <a:rPr lang="en-GB" sz="4400" dirty="0">
+                <a:solidFill>
+                  <a:schemeClr val="bg1"/>
+                </a:solidFill>
+              </a:rPr>
+              <a:t>You Lord</a:t>
+            </a:r>
+          </a:p>
+          <a:p>
+            <a:r>
+              <a:rPr lang="en-GB" sz="4400" dirty="0">
+                <a:solidFill>
+                  <a:schemeClr val="bg1"/>
+                </a:solidFill>
+              </a:rPr>
+              <a:t>You are worthy</a:t>
+            </a:r>
+          </a:p>
+          <a:p>
+            <a:r>
+              <a:rPr lang="en-GB" sz="4400" dirty="0">
+                <a:solidFill>
+                  <a:schemeClr val="bg1"/>
+                </a:solidFill>
+              </a:rPr>
+              <a:t>And no one can worship You for me</a:t>
+            </a:r>
+          </a:p>
+          <a:p>
+            <a:r>
+              <a:rPr lang="en-GB" sz="4400" dirty="0">
+                <a:solidFill>
+                  <a:schemeClr val="bg1"/>
+                </a:solidFill>
+              </a:rPr>
+              <a:t>For all of the things You've done for me</a:t>
+            </a:r>
+          </a:p>
+          <a:p>
+            <a:r>
+              <a:rPr lang="en-GB" sz="4400" dirty="0">
+                <a:solidFill>
+                  <a:schemeClr val="bg1"/>
+                </a:solidFill>
+              </a:rPr>
+              <a:t>And no one can worship You for me</a:t>
             </a:r>
           </a:p>
         </p:txBody>
@@ -7047,7 +7232,7 @@
                   <a:schemeClr val="bg1"/>
                 </a:solidFill>
               </a:rPr>
-              <a:t>1/5</a:t>
+              <a:t>1/3</a:t>
             </a:r>
           </a:p>
         </p:txBody>
@@ -7055,7 +7240,7 @@
     </p:spTree>
     <p:extLst>
       <p:ext uri="{BB962C8B-B14F-4D97-AF65-F5344CB8AC3E}">
-        <p14:creationId xmlns:p14="http://schemas.microsoft.com/office/powerpoint/2010/main" val="3781863646"/>
+        <p14:creationId xmlns:p14="http://schemas.microsoft.com/office/powerpoint/2010/main" val="3752152885"/>
       </p:ext>
     </p:extLst>
   </p:cSld>
@@ -7221,66 +7406,64 @@
           <a:lstStyle/>
           <a:p>
             <a:r>
-              <a:rPr lang="en-GB" sz="4800" dirty="0">
-                <a:solidFill>
-                  <a:schemeClr val="bg1"/>
-                </a:solidFill>
-              </a:rPr>
-              <a:t>I just want to speak the Name of Jesus</a:t>
-            </a:r>
-          </a:p>
-          <a:p>
-            <a:r>
-              <a:rPr lang="en-GB" sz="4800" dirty="0" err="1">
-                <a:solidFill>
-                  <a:schemeClr val="bg1"/>
-                </a:solidFill>
-              </a:rPr>
-              <a:t>'Til</a:t>
-            </a:r>
-            <a:r>
-              <a:rPr lang="en-GB" sz="4800" dirty="0">
-                <a:solidFill>
-                  <a:schemeClr val="bg1"/>
-                </a:solidFill>
-              </a:rPr>
-              <a:t> </a:t>
-            </a:r>
-            <a:r>
-              <a:rPr lang="en-GB" sz="4800" dirty="0" err="1">
-                <a:solidFill>
-                  <a:schemeClr val="bg1"/>
-                </a:solidFill>
-              </a:rPr>
-              <a:t>ev'ry</a:t>
-            </a:r>
-            <a:r>
-              <a:rPr lang="en-GB" sz="4800" dirty="0">
-                <a:solidFill>
-                  <a:schemeClr val="bg1"/>
-                </a:solidFill>
-              </a:rPr>
-              <a:t> dark addiction starts to break</a:t>
-            </a:r>
-          </a:p>
-          <a:p>
-            <a:r>
-              <a:rPr lang="en-GB" sz="4800" dirty="0">
-                <a:solidFill>
-                  <a:schemeClr val="bg1"/>
-                </a:solidFill>
-              </a:rPr>
-              <a:t>Declaring there is hope and there is freedom</a:t>
-            </a:r>
-          </a:p>
-          <a:p>
-            <a:r>
-              <a:rPr lang="en-GB" sz="4800" dirty="0">
-                <a:solidFill>
-                  <a:schemeClr val="bg1"/>
-                </a:solidFill>
-              </a:rPr>
-              <a:t>I speak Jesus</a:t>
+              <a:rPr lang="en-GB" sz="4400" dirty="0">
+                <a:solidFill>
+                  <a:schemeClr val="bg1"/>
+                </a:solidFill>
+              </a:rPr>
+              <a:t>Here's my worship</a:t>
+            </a:r>
+          </a:p>
+          <a:p>
+            <a:r>
+              <a:rPr lang="en-GB" sz="4400" dirty="0">
+                <a:solidFill>
+                  <a:schemeClr val="bg1"/>
+                </a:solidFill>
+              </a:rPr>
+              <a:t>All of my worship</a:t>
+            </a:r>
+          </a:p>
+          <a:p>
+            <a:r>
+              <a:rPr lang="en-GB" sz="4400" dirty="0">
+                <a:solidFill>
+                  <a:schemeClr val="bg1"/>
+                </a:solidFill>
+              </a:rPr>
+              <a:t>Receive my worship</a:t>
+            </a:r>
+          </a:p>
+          <a:p>
+            <a:r>
+              <a:rPr lang="en-GB" sz="4400" dirty="0">
+                <a:solidFill>
+                  <a:schemeClr val="bg1"/>
+                </a:solidFill>
+              </a:rPr>
+              <a:t>All of my worship</a:t>
+            </a:r>
+            <a:br>
+              <a:rPr lang="en-GB" sz="4400" dirty="0">
+                <a:solidFill>
+                  <a:schemeClr val="bg1"/>
+                </a:solidFill>
+              </a:rPr>
+            </a:br>
+            <a:endParaRPr lang="en-GB" sz="4400" dirty="0">
+              <a:solidFill>
+                <a:schemeClr val="bg1"/>
+              </a:solidFill>
+            </a:endParaRPr>
+          </a:p>
+          <a:p>
+            <a:r>
+              <a:rPr lang="en-GB" sz="4400" dirty="0">
+                <a:solidFill>
+                  <a:schemeClr val="bg1"/>
+                </a:solidFill>
+              </a:rPr>
+              <a:t>(REPEAT)</a:t>
             </a:r>
           </a:p>
         </p:txBody>
@@ -7313,7 +7496,7 @@
                   <a:schemeClr val="bg1"/>
                 </a:solidFill>
               </a:rPr>
-              <a:t>2/5</a:t>
+              <a:t>2/3</a:t>
             </a:r>
           </a:p>
         </p:txBody>
@@ -7321,7 +7504,7 @@
     </p:spTree>
     <p:extLst>
       <p:ext uri="{BB962C8B-B14F-4D97-AF65-F5344CB8AC3E}">
-        <p14:creationId xmlns:p14="http://schemas.microsoft.com/office/powerpoint/2010/main" val="1877926088"/>
+        <p14:creationId xmlns:p14="http://schemas.microsoft.com/office/powerpoint/2010/main" val="2325323096"/>
       </p:ext>
     </p:extLst>
   </p:cSld>
@@ -7371,94 +7554,42 @@
           <a:lstStyle/>
           <a:p>
             <a:r>
-              <a:rPr lang="en-GB" sz="4800" dirty="0">
-                <a:solidFill>
-                  <a:schemeClr val="bg1"/>
-                </a:solidFill>
-              </a:rPr>
-              <a:t>(</a:t>
-            </a:r>
-            <a:r>
-              <a:rPr lang="en-GB" sz="4800" dirty="0" err="1">
-                <a:solidFill>
-                  <a:schemeClr val="bg1"/>
-                </a:solidFill>
-              </a:rPr>
-              <a:t>'Cause</a:t>
-            </a:r>
-            <a:r>
-              <a:rPr lang="en-GB" sz="4800" dirty="0">
-                <a:solidFill>
-                  <a:schemeClr val="bg1"/>
-                </a:solidFill>
-              </a:rPr>
-              <a:t>) Your Name is power</a:t>
-            </a:r>
-          </a:p>
-          <a:p>
-            <a:r>
-              <a:rPr lang="en-GB" sz="4800" dirty="0">
-                <a:solidFill>
-                  <a:schemeClr val="bg1"/>
-                </a:solidFill>
-              </a:rPr>
-              <a:t>Your Name is healing</a:t>
-            </a:r>
-          </a:p>
-          <a:p>
-            <a:r>
-              <a:rPr lang="en-GB" sz="4800" dirty="0">
-                <a:solidFill>
-                  <a:schemeClr val="bg1"/>
-                </a:solidFill>
-              </a:rPr>
-              <a:t>Your Name is life</a:t>
-            </a:r>
-          </a:p>
-          <a:p>
-            <a:r>
-              <a:rPr lang="en-GB" sz="4800" dirty="0">
-                <a:solidFill>
-                  <a:schemeClr val="bg1"/>
-                </a:solidFill>
-              </a:rPr>
-              <a:t>Break </a:t>
-            </a:r>
-            <a:r>
-              <a:rPr lang="en-GB" sz="4800" dirty="0" err="1">
-                <a:solidFill>
-                  <a:schemeClr val="bg1"/>
-                </a:solidFill>
-              </a:rPr>
-              <a:t>ev'ry</a:t>
-            </a:r>
-            <a:r>
-              <a:rPr lang="en-GB" sz="4800" dirty="0">
-                <a:solidFill>
-                  <a:schemeClr val="bg1"/>
-                </a:solidFill>
-              </a:rPr>
-              <a:t> stronghold</a:t>
-            </a:r>
-          </a:p>
-          <a:p>
-            <a:r>
-              <a:rPr lang="en-GB" sz="4800" dirty="0">
-                <a:solidFill>
-                  <a:schemeClr val="bg1"/>
-                </a:solidFill>
-              </a:rPr>
-              <a:t>Shine through the shadows</a:t>
-            </a:r>
-          </a:p>
-          <a:p>
-            <a:r>
-              <a:rPr lang="en-GB" sz="4800" dirty="0">
-                <a:solidFill>
-                  <a:schemeClr val="bg1"/>
-                </a:solidFill>
-              </a:rPr>
-              <a:t>Burn like a fire</a:t>
+              <a:rPr lang="en-GB" sz="4400" dirty="0">
+                <a:solidFill>
+                  <a:schemeClr val="bg1"/>
+                </a:solidFill>
+              </a:rPr>
+              <a:t>And I will not be silent</a:t>
+            </a:r>
+          </a:p>
+          <a:p>
+            <a:r>
+              <a:rPr lang="en-GB" sz="4400" dirty="0">
+                <a:solidFill>
+                  <a:schemeClr val="bg1"/>
+                </a:solidFill>
+              </a:rPr>
+              <a:t>I will always worship You</a:t>
+            </a:r>
+          </a:p>
+          <a:p>
+            <a:r>
+              <a:rPr lang="en-GB" sz="4400" dirty="0">
+                <a:solidFill>
+                  <a:schemeClr val="bg1"/>
+                </a:solidFill>
+              </a:rPr>
+              <a:t>As long as I am breathing</a:t>
+            </a:r>
+          </a:p>
+          <a:p>
+            <a:r>
+              <a:rPr lang="en-GB" sz="4400" dirty="0">
+                <a:solidFill>
+                  <a:schemeClr val="bg1"/>
+                </a:solidFill>
+              </a:rPr>
+              <a:t>I will always worship You</a:t>
             </a:r>
           </a:p>
         </p:txBody>
@@ -7491,7 +7622,7 @@
                   <a:schemeClr val="bg1"/>
                 </a:solidFill>
               </a:rPr>
-              <a:t>3/5</a:t>
+              <a:t>3/3</a:t>
             </a:r>
           </a:p>
         </p:txBody>
@@ -7499,7 +7630,7 @@
     </p:spTree>
     <p:extLst>
       <p:ext uri="{BB962C8B-B14F-4D97-AF65-F5344CB8AC3E}">
-        <p14:creationId xmlns:p14="http://schemas.microsoft.com/office/powerpoint/2010/main" val="627538512"/>
+        <p14:creationId xmlns:p14="http://schemas.microsoft.com/office/powerpoint/2010/main" val="3663558750"/>
       </p:ext>
     </p:extLst>
   </p:cSld>
@@ -7549,6 +7680,880 @@
           <a:lstStyle/>
           <a:p>
             <a:r>
+              <a:rPr lang="en-GB" sz="4400" dirty="0">
+                <a:solidFill>
+                  <a:schemeClr val="bg1"/>
+                </a:solidFill>
+              </a:rPr>
+              <a:t>Thank You, Thank You</a:t>
+            </a:r>
+          </a:p>
+          <a:p>
+            <a:r>
+              <a:rPr lang="en-GB" sz="4400" dirty="0">
+                <a:solidFill>
+                  <a:schemeClr val="bg1"/>
+                </a:solidFill>
+              </a:rPr>
+              <a:t>Thank You, Thank You</a:t>
+            </a:r>
+          </a:p>
+          <a:p>
+            <a:r>
+              <a:rPr lang="en-GB" sz="4400" dirty="0">
+                <a:solidFill>
+                  <a:schemeClr val="bg1"/>
+                </a:solidFill>
+              </a:rPr>
+              <a:t>Thank You, Thank You</a:t>
+            </a:r>
+          </a:p>
+          <a:p>
+            <a:r>
+              <a:rPr lang="en-GB" sz="4400" dirty="0">
+                <a:solidFill>
+                  <a:schemeClr val="bg1"/>
+                </a:solidFill>
+              </a:rPr>
+              <a:t>For all you have done</a:t>
+            </a:r>
+          </a:p>
+          <a:p>
+            <a:r>
+              <a:rPr lang="en-GB" sz="4400" dirty="0">
+                <a:solidFill>
+                  <a:schemeClr val="bg1"/>
+                </a:solidFill>
+              </a:rPr>
+              <a:t>(REPEAT)</a:t>
+            </a:r>
+          </a:p>
+          <a:p>
+            <a:endParaRPr lang="en-GB" sz="4400" dirty="0">
+              <a:solidFill>
+                <a:schemeClr val="bg1"/>
+              </a:solidFill>
+            </a:endParaRPr>
+          </a:p>
+        </p:txBody>
+      </p:sp>
+      <p:sp>
+        <p:nvSpPr>
+          <p:cNvPr id="4" name="TextBox 3"/>
+          <p:cNvSpPr txBox="1"/>
+          <p:nvPr/>
+        </p:nvSpPr>
+        <p:spPr>
+          <a:xfrm>
+            <a:off x="8529729" y="0"/>
+            <a:ext cx="628698" cy="461665"/>
+          </a:xfrm>
+          <a:prstGeom prst="rect">
+            <a:avLst/>
+          </a:prstGeom>
+          <a:noFill/>
+        </p:spPr>
+        <p:txBody>
+          <a:bodyPr wrap="none" rtlCol="0">
+            <a:spAutoFit/>
+          </a:bodyPr>
+          <a:lstStyle/>
+          <a:p>
+            <a:r>
+              <a:rPr lang="en-GB" sz="2400" b="1" dirty="0">
+                <a:solidFill>
+                  <a:schemeClr val="bg1"/>
+                </a:solidFill>
+              </a:rPr>
+              <a:t>1/1</a:t>
+            </a:r>
+          </a:p>
+        </p:txBody>
+      </p:sp>
+    </p:spTree>
+    <p:extLst>
+      <p:ext uri="{BB962C8B-B14F-4D97-AF65-F5344CB8AC3E}">
+        <p14:creationId xmlns:p14="http://schemas.microsoft.com/office/powerpoint/2010/main" val="1252671617"/>
+      </p:ext>
+    </p:extLst>
+  </p:cSld>
+  <p:clrMapOvr>
+    <a:masterClrMapping/>
+  </p:clrMapOvr>
+</p:sld>
+</file>
+
+<file path=ppt/slides/slide33.xml><?xml version="1.0" encoding="utf-8"?>
+<p:sld xmlns:a="http://schemas.openxmlformats.org/drawingml/2006/main" xmlns:r="http://schemas.openxmlformats.org/officeDocument/2006/relationships" xmlns:p="http://schemas.openxmlformats.org/presentationml/2006/main">
+  <p:cSld>
+    <p:spTree>
+      <p:nvGrpSpPr>
+        <p:cNvPr id="1" name=""/>
+        <p:cNvGrpSpPr/>
+        <p:nvPr/>
+      </p:nvGrpSpPr>
+      <p:grpSpPr>
+        <a:xfrm>
+          <a:off x="0" y="0"/>
+          <a:ext cx="0" cy="0"/>
+          <a:chOff x="0" y="0"/>
+          <a:chExt cx="0" cy="0"/>
+        </a:xfrm>
+      </p:grpSpPr>
+      <p:sp>
+        <p:nvSpPr>
+          <p:cNvPr id="3" name="Subtitle 2"/>
+          <p:cNvSpPr>
+            <a:spLocks noGrp="1"/>
+          </p:cNvSpPr>
+          <p:nvPr>
+            <p:ph type="subTitle" idx="1"/>
+          </p:nvPr>
+        </p:nvSpPr>
+        <p:spPr>
+          <a:xfrm>
+            <a:off x="323528" y="188640"/>
+            <a:ext cx="8640960" cy="6480720"/>
+          </a:xfrm>
+        </p:spPr>
+        <p:txBody>
+          <a:bodyPr>
+            <a:noAutofit/>
+          </a:bodyPr>
+          <a:lstStyle/>
+          <a:p>
+            <a:endParaRPr lang="en-GB" sz="5400" dirty="0">
+              <a:solidFill>
+                <a:schemeClr val="bg1"/>
+              </a:solidFill>
+            </a:endParaRPr>
+          </a:p>
+          <a:p>
+            <a:r>
+              <a:rPr lang="en-GB" sz="6600" dirty="0">
+                <a:solidFill>
+                  <a:srgbClr val="00A3E0"/>
+                </a:solidFill>
+                <a:latin typeface="akagi_probook"/>
+              </a:rPr>
+              <a:t>I Speak Jesus</a:t>
+            </a:r>
+          </a:p>
+          <a:p>
+            <a:br>
+              <a:rPr lang="en-GB" sz="1200" dirty="0">
+                <a:solidFill>
+                  <a:schemeClr val="bg1"/>
+                </a:solidFill>
+              </a:rPr>
+            </a:br>
+            <a:r>
+              <a:rPr lang="en-GB" sz="1200" dirty="0">
+                <a:solidFill>
+                  <a:schemeClr val="bg1"/>
+                </a:solidFill>
+              </a:rPr>
+              <a:t>CCLI Song # 7136201</a:t>
+            </a:r>
+          </a:p>
+          <a:p>
+            <a:endParaRPr lang="en-GB" sz="1200" dirty="0">
+              <a:solidFill>
+                <a:schemeClr val="bg1"/>
+              </a:solidFill>
+            </a:endParaRPr>
+          </a:p>
+          <a:p>
+            <a:r>
+              <a:rPr lang="en-GB" sz="1200" dirty="0">
+                <a:solidFill>
+                  <a:schemeClr val="bg1"/>
+                </a:solidFill>
+              </a:rPr>
+              <a:t>Abby Benton | Carlene Prince | Dustin Smith | Jesse Reeves | Kristen Dutton | Raina Pratt</a:t>
+            </a:r>
+          </a:p>
+          <a:p>
+            <a:endParaRPr lang="en-GB" sz="1200" dirty="0">
+              <a:solidFill>
+                <a:schemeClr val="bg1"/>
+              </a:solidFill>
+            </a:endParaRPr>
+          </a:p>
+          <a:p>
+            <a:r>
+              <a:rPr lang="en-GB" sz="1200" dirty="0">
+                <a:solidFill>
+                  <a:schemeClr val="bg1"/>
+                </a:solidFill>
+              </a:rPr>
+              <a:t>© 2019 Here Be Lions Publishing (Admin. by Integrity Music Ltd)</a:t>
+            </a:r>
+          </a:p>
+          <a:p>
+            <a:r>
+              <a:rPr lang="en-GB" sz="1200" dirty="0">
+                <a:solidFill>
+                  <a:schemeClr val="bg1"/>
+                </a:solidFill>
+              </a:rPr>
+              <a:t>Integrity's Praise! Music (Admin. by Integrity Music Ltd)</a:t>
+            </a:r>
+          </a:p>
+          <a:p>
+            <a:r>
+              <a:rPr lang="en-GB" sz="1200" dirty="0">
+                <a:solidFill>
+                  <a:schemeClr val="bg1"/>
+                </a:solidFill>
+              </a:rPr>
+              <a:t>BEC Worship (Admin. by Song Solutions)</a:t>
+            </a:r>
+          </a:p>
+          <a:p>
+            <a:r>
+              <a:rPr lang="en-GB" sz="1200" dirty="0">
+                <a:solidFill>
+                  <a:schemeClr val="bg1"/>
+                </a:solidFill>
+              </a:rPr>
+              <a:t>Raina Pratt publishing designee (Admin. by Song Solutions www.songsolutions.org)</a:t>
+            </a:r>
+          </a:p>
+          <a:p>
+            <a:r>
+              <a:rPr lang="en-GB" sz="1200" dirty="0" err="1">
+                <a:solidFill>
+                  <a:schemeClr val="bg1"/>
+                </a:solidFill>
+              </a:rPr>
+              <a:t>WriterWrong</a:t>
+            </a:r>
+            <a:r>
+              <a:rPr lang="en-GB" sz="1200" dirty="0">
+                <a:solidFill>
+                  <a:schemeClr val="bg1"/>
+                </a:solidFill>
+              </a:rPr>
+              <a:t> Music (Admin. by Song Solutions www.songsolutions.org)</a:t>
+            </a:r>
+          </a:p>
+          <a:p>
+            <a:r>
+              <a:rPr lang="en-GB" sz="1200" dirty="0">
+                <a:solidFill>
+                  <a:schemeClr val="bg1"/>
+                </a:solidFill>
+              </a:rPr>
+              <a:t>Remaining portion is unaffiliated</a:t>
+            </a:r>
+          </a:p>
+          <a:p>
+            <a:r>
+              <a:rPr lang="en-GB" sz="1200" dirty="0">
+                <a:solidFill>
+                  <a:schemeClr val="bg1"/>
+                </a:solidFill>
+              </a:rPr>
+              <a:t>For use solely with the </a:t>
+            </a:r>
+            <a:r>
+              <a:rPr lang="en-GB" sz="1200" dirty="0" err="1">
+                <a:solidFill>
+                  <a:schemeClr val="bg1"/>
+                </a:solidFill>
+              </a:rPr>
+              <a:t>SongSelect</a:t>
+            </a:r>
+            <a:r>
+              <a:rPr lang="en-GB" sz="1200" dirty="0">
+                <a:solidFill>
+                  <a:schemeClr val="bg1"/>
+                </a:solidFill>
+              </a:rPr>
+              <a:t>® Terms of Use. All rights reserved. www.ccli.com</a:t>
+            </a:r>
+          </a:p>
+          <a:p>
+            <a:endParaRPr lang="en-GB" sz="1200" dirty="0">
+              <a:solidFill>
+                <a:schemeClr val="bg1"/>
+              </a:solidFill>
+            </a:endParaRPr>
+          </a:p>
+          <a:p>
+            <a:r>
+              <a:rPr lang="en-GB" sz="1200" dirty="0">
+                <a:solidFill>
+                  <a:schemeClr val="bg1"/>
+                </a:solidFill>
+              </a:rPr>
+              <a:t>CCLI Licence No. 33265</a:t>
+            </a:r>
+          </a:p>
+          <a:p>
+            <a:endParaRPr lang="en-GB" sz="1200" dirty="0">
+              <a:solidFill>
+                <a:schemeClr val="bg1"/>
+              </a:solidFill>
+            </a:endParaRPr>
+          </a:p>
+          <a:p>
+            <a:endParaRPr lang="en-GB" sz="1200" dirty="0">
+              <a:solidFill>
+                <a:schemeClr val="bg1"/>
+              </a:solidFill>
+            </a:endParaRPr>
+          </a:p>
+        </p:txBody>
+      </p:sp>
+    </p:spTree>
+    <p:extLst>
+      <p:ext uri="{BB962C8B-B14F-4D97-AF65-F5344CB8AC3E}">
+        <p14:creationId xmlns:p14="http://schemas.microsoft.com/office/powerpoint/2010/main" val="4176996030"/>
+      </p:ext>
+    </p:extLst>
+  </p:cSld>
+  <p:clrMapOvr>
+    <a:masterClrMapping/>
+  </p:clrMapOvr>
+</p:sld>
+</file>
+
+<file path=ppt/slides/slide34.xml><?xml version="1.0" encoding="utf-8"?>
+<p:sld xmlns:a="http://schemas.openxmlformats.org/drawingml/2006/main" xmlns:r="http://schemas.openxmlformats.org/officeDocument/2006/relationships" xmlns:p="http://schemas.openxmlformats.org/presentationml/2006/main">
+  <p:cSld>
+    <p:spTree>
+      <p:nvGrpSpPr>
+        <p:cNvPr id="1" name=""/>
+        <p:cNvGrpSpPr/>
+        <p:nvPr/>
+      </p:nvGrpSpPr>
+      <p:grpSpPr>
+        <a:xfrm>
+          <a:off x="0" y="0"/>
+          <a:ext cx="0" cy="0"/>
+          <a:chOff x="0" y="0"/>
+          <a:chExt cx="0" cy="0"/>
+        </a:xfrm>
+      </p:grpSpPr>
+      <p:sp>
+        <p:nvSpPr>
+          <p:cNvPr id="3" name="Subtitle 2"/>
+          <p:cNvSpPr>
+            <a:spLocks noGrp="1"/>
+          </p:cNvSpPr>
+          <p:nvPr>
+            <p:ph type="subTitle" idx="1"/>
+          </p:nvPr>
+        </p:nvSpPr>
+        <p:spPr>
+          <a:xfrm>
+            <a:off x="323528" y="188640"/>
+            <a:ext cx="8640960" cy="6480720"/>
+          </a:xfrm>
+        </p:spPr>
+        <p:txBody>
+          <a:bodyPr>
+            <a:noAutofit/>
+          </a:bodyPr>
+          <a:lstStyle/>
+          <a:p>
+            <a:r>
+              <a:rPr lang="en-GB" sz="4600" dirty="0">
+                <a:solidFill>
+                  <a:schemeClr val="bg1"/>
+                </a:solidFill>
+              </a:rPr>
+              <a:t>I just want to speak the Name of Jesus</a:t>
+            </a:r>
+          </a:p>
+          <a:p>
+            <a:r>
+              <a:rPr lang="en-GB" sz="4600" dirty="0">
+                <a:solidFill>
+                  <a:schemeClr val="bg1"/>
+                </a:solidFill>
+              </a:rPr>
+              <a:t>Over </a:t>
+            </a:r>
+            <a:r>
+              <a:rPr lang="en-GB" sz="4600" dirty="0" err="1">
+                <a:solidFill>
+                  <a:schemeClr val="bg1"/>
+                </a:solidFill>
+              </a:rPr>
+              <a:t>ev'ry</a:t>
+            </a:r>
+            <a:r>
+              <a:rPr lang="en-GB" sz="4600" dirty="0">
+                <a:solidFill>
+                  <a:schemeClr val="bg1"/>
+                </a:solidFill>
+              </a:rPr>
+              <a:t> heart and </a:t>
+            </a:r>
+            <a:r>
+              <a:rPr lang="en-GB" sz="4600" dirty="0" err="1">
+                <a:solidFill>
+                  <a:schemeClr val="bg1"/>
+                </a:solidFill>
+              </a:rPr>
+              <a:t>ev'ry</a:t>
+            </a:r>
+            <a:r>
+              <a:rPr lang="en-GB" sz="4600" dirty="0">
+                <a:solidFill>
+                  <a:schemeClr val="bg1"/>
+                </a:solidFill>
+              </a:rPr>
+              <a:t> mind</a:t>
+            </a:r>
+          </a:p>
+          <a:p>
+            <a:r>
+              <a:rPr lang="en-GB" sz="4600" dirty="0" err="1">
+                <a:solidFill>
+                  <a:schemeClr val="bg1"/>
+                </a:solidFill>
+              </a:rPr>
+              <a:t>'Cause</a:t>
+            </a:r>
+            <a:r>
+              <a:rPr lang="en-GB" sz="4600" dirty="0">
+                <a:solidFill>
+                  <a:schemeClr val="bg1"/>
+                </a:solidFill>
+              </a:rPr>
+              <a:t> I know there is peace within Your presence</a:t>
+            </a:r>
+          </a:p>
+          <a:p>
+            <a:r>
+              <a:rPr lang="en-GB" sz="4600" dirty="0">
+                <a:solidFill>
+                  <a:schemeClr val="bg1"/>
+                </a:solidFill>
+              </a:rPr>
+              <a:t>I speak Jesus</a:t>
+            </a:r>
+          </a:p>
+        </p:txBody>
+      </p:sp>
+      <p:sp>
+        <p:nvSpPr>
+          <p:cNvPr id="4" name="TextBox 3"/>
+          <p:cNvSpPr txBox="1"/>
+          <p:nvPr/>
+        </p:nvSpPr>
+        <p:spPr>
+          <a:xfrm>
+            <a:off x="8529729" y="0"/>
+            <a:ext cx="628698" cy="461665"/>
+          </a:xfrm>
+          <a:prstGeom prst="rect">
+            <a:avLst/>
+          </a:prstGeom>
+          <a:noFill/>
+        </p:spPr>
+        <p:txBody>
+          <a:bodyPr wrap="none" rtlCol="0">
+            <a:spAutoFit/>
+          </a:bodyPr>
+          <a:lstStyle/>
+          <a:p>
+            <a:r>
+              <a:rPr lang="en-GB" sz="2400" b="1" dirty="0">
+                <a:solidFill>
+                  <a:schemeClr val="bg1"/>
+                </a:solidFill>
+              </a:rPr>
+              <a:t>1/5</a:t>
+            </a:r>
+          </a:p>
+        </p:txBody>
+      </p:sp>
+    </p:spTree>
+    <p:extLst>
+      <p:ext uri="{BB962C8B-B14F-4D97-AF65-F5344CB8AC3E}">
+        <p14:creationId xmlns:p14="http://schemas.microsoft.com/office/powerpoint/2010/main" val="3781863646"/>
+      </p:ext>
+    </p:extLst>
+  </p:cSld>
+  <p:clrMapOvr>
+    <a:masterClrMapping/>
+  </p:clrMapOvr>
+</p:sld>
+</file>
+
+<file path=ppt/slides/slide35.xml><?xml version="1.0" encoding="utf-8"?>
+<p:sld xmlns:a="http://schemas.openxmlformats.org/drawingml/2006/main" xmlns:r="http://schemas.openxmlformats.org/officeDocument/2006/relationships" xmlns:p="http://schemas.openxmlformats.org/presentationml/2006/main">
+  <p:cSld>
+    <p:spTree>
+      <p:nvGrpSpPr>
+        <p:cNvPr id="1" name=""/>
+        <p:cNvGrpSpPr/>
+        <p:nvPr/>
+      </p:nvGrpSpPr>
+      <p:grpSpPr>
+        <a:xfrm>
+          <a:off x="0" y="0"/>
+          <a:ext cx="0" cy="0"/>
+          <a:chOff x="0" y="0"/>
+          <a:chExt cx="0" cy="0"/>
+        </a:xfrm>
+      </p:grpSpPr>
+      <p:sp>
+        <p:nvSpPr>
+          <p:cNvPr id="3" name="Subtitle 2"/>
+          <p:cNvSpPr>
+            <a:spLocks noGrp="1"/>
+          </p:cNvSpPr>
+          <p:nvPr>
+            <p:ph type="subTitle" idx="1"/>
+          </p:nvPr>
+        </p:nvSpPr>
+        <p:spPr>
+          <a:xfrm>
+            <a:off x="323528" y="188640"/>
+            <a:ext cx="8640960" cy="6480720"/>
+          </a:xfrm>
+        </p:spPr>
+        <p:txBody>
+          <a:bodyPr>
+            <a:noAutofit/>
+          </a:bodyPr>
+          <a:lstStyle/>
+          <a:p>
+            <a:r>
+              <a:rPr lang="en-GB" sz="4800" dirty="0">
+                <a:solidFill>
+                  <a:schemeClr val="bg1"/>
+                </a:solidFill>
+              </a:rPr>
+              <a:t>I just want to speak the Name of Jesus</a:t>
+            </a:r>
+          </a:p>
+          <a:p>
+            <a:r>
+              <a:rPr lang="en-GB" sz="4800" dirty="0" err="1">
+                <a:solidFill>
+                  <a:schemeClr val="bg1"/>
+                </a:solidFill>
+              </a:rPr>
+              <a:t>'Til</a:t>
+            </a:r>
+            <a:r>
+              <a:rPr lang="en-GB" sz="4800" dirty="0">
+                <a:solidFill>
+                  <a:schemeClr val="bg1"/>
+                </a:solidFill>
+              </a:rPr>
+              <a:t> </a:t>
+            </a:r>
+            <a:r>
+              <a:rPr lang="en-GB" sz="4800" dirty="0" err="1">
+                <a:solidFill>
+                  <a:schemeClr val="bg1"/>
+                </a:solidFill>
+              </a:rPr>
+              <a:t>ev'ry</a:t>
+            </a:r>
+            <a:r>
+              <a:rPr lang="en-GB" sz="4800" dirty="0">
+                <a:solidFill>
+                  <a:schemeClr val="bg1"/>
+                </a:solidFill>
+              </a:rPr>
+              <a:t> dark addiction starts to break</a:t>
+            </a:r>
+          </a:p>
+          <a:p>
+            <a:r>
+              <a:rPr lang="en-GB" sz="4800" dirty="0">
+                <a:solidFill>
+                  <a:schemeClr val="bg1"/>
+                </a:solidFill>
+              </a:rPr>
+              <a:t>Declaring there is hope and there is freedom</a:t>
+            </a:r>
+          </a:p>
+          <a:p>
+            <a:r>
+              <a:rPr lang="en-GB" sz="4800" dirty="0">
+                <a:solidFill>
+                  <a:schemeClr val="bg1"/>
+                </a:solidFill>
+              </a:rPr>
+              <a:t>I speak Jesus</a:t>
+            </a:r>
+          </a:p>
+        </p:txBody>
+      </p:sp>
+      <p:sp>
+        <p:nvSpPr>
+          <p:cNvPr id="4" name="TextBox 3"/>
+          <p:cNvSpPr txBox="1"/>
+          <p:nvPr/>
+        </p:nvSpPr>
+        <p:spPr>
+          <a:xfrm>
+            <a:off x="8529729" y="0"/>
+            <a:ext cx="628698" cy="461665"/>
+          </a:xfrm>
+          <a:prstGeom prst="rect">
+            <a:avLst/>
+          </a:prstGeom>
+          <a:noFill/>
+        </p:spPr>
+        <p:txBody>
+          <a:bodyPr wrap="none" rtlCol="0">
+            <a:spAutoFit/>
+          </a:bodyPr>
+          <a:lstStyle/>
+          <a:p>
+            <a:r>
+              <a:rPr lang="en-GB" sz="2400" b="1" dirty="0">
+                <a:solidFill>
+                  <a:schemeClr val="bg1"/>
+                </a:solidFill>
+              </a:rPr>
+              <a:t>2/5</a:t>
+            </a:r>
+          </a:p>
+        </p:txBody>
+      </p:sp>
+    </p:spTree>
+    <p:extLst>
+      <p:ext uri="{BB962C8B-B14F-4D97-AF65-F5344CB8AC3E}">
+        <p14:creationId xmlns:p14="http://schemas.microsoft.com/office/powerpoint/2010/main" val="1877926088"/>
+      </p:ext>
+    </p:extLst>
+  </p:cSld>
+  <p:clrMapOvr>
+    <a:masterClrMapping/>
+  </p:clrMapOvr>
+</p:sld>
+</file>
+
+<file path=ppt/slides/slide36.xml><?xml version="1.0" encoding="utf-8"?>
+<p:sld xmlns:a="http://schemas.openxmlformats.org/drawingml/2006/main" xmlns:r="http://schemas.openxmlformats.org/officeDocument/2006/relationships" xmlns:p="http://schemas.openxmlformats.org/presentationml/2006/main">
+  <p:cSld>
+    <p:spTree>
+      <p:nvGrpSpPr>
+        <p:cNvPr id="1" name=""/>
+        <p:cNvGrpSpPr/>
+        <p:nvPr/>
+      </p:nvGrpSpPr>
+      <p:grpSpPr>
+        <a:xfrm>
+          <a:off x="0" y="0"/>
+          <a:ext cx="0" cy="0"/>
+          <a:chOff x="0" y="0"/>
+          <a:chExt cx="0" cy="0"/>
+        </a:xfrm>
+      </p:grpSpPr>
+      <p:sp>
+        <p:nvSpPr>
+          <p:cNvPr id="3" name="Subtitle 2"/>
+          <p:cNvSpPr>
+            <a:spLocks noGrp="1"/>
+          </p:cNvSpPr>
+          <p:nvPr>
+            <p:ph type="subTitle" idx="1"/>
+          </p:nvPr>
+        </p:nvSpPr>
+        <p:spPr>
+          <a:xfrm>
+            <a:off x="323528" y="188640"/>
+            <a:ext cx="8640960" cy="6480720"/>
+          </a:xfrm>
+        </p:spPr>
+        <p:txBody>
+          <a:bodyPr>
+            <a:noAutofit/>
+          </a:bodyPr>
+          <a:lstStyle/>
+          <a:p>
+            <a:r>
+              <a:rPr lang="en-GB" sz="4800" dirty="0">
+                <a:solidFill>
+                  <a:schemeClr val="bg1"/>
+                </a:solidFill>
+              </a:rPr>
+              <a:t>(</a:t>
+            </a:r>
+            <a:r>
+              <a:rPr lang="en-GB" sz="4800" dirty="0" err="1">
+                <a:solidFill>
+                  <a:schemeClr val="bg1"/>
+                </a:solidFill>
+              </a:rPr>
+              <a:t>'Cause</a:t>
+            </a:r>
+            <a:r>
+              <a:rPr lang="en-GB" sz="4800" dirty="0">
+                <a:solidFill>
+                  <a:schemeClr val="bg1"/>
+                </a:solidFill>
+              </a:rPr>
+              <a:t>) Your Name is power</a:t>
+            </a:r>
+          </a:p>
+          <a:p>
+            <a:r>
+              <a:rPr lang="en-GB" sz="4800" dirty="0">
+                <a:solidFill>
+                  <a:schemeClr val="bg1"/>
+                </a:solidFill>
+              </a:rPr>
+              <a:t>Your Name is healing</a:t>
+            </a:r>
+          </a:p>
+          <a:p>
+            <a:r>
+              <a:rPr lang="en-GB" sz="4800" dirty="0">
+                <a:solidFill>
+                  <a:schemeClr val="bg1"/>
+                </a:solidFill>
+              </a:rPr>
+              <a:t>Your Name is life</a:t>
+            </a:r>
+          </a:p>
+          <a:p>
+            <a:r>
+              <a:rPr lang="en-GB" sz="4800" dirty="0">
+                <a:solidFill>
+                  <a:schemeClr val="bg1"/>
+                </a:solidFill>
+              </a:rPr>
+              <a:t>Break </a:t>
+            </a:r>
+            <a:r>
+              <a:rPr lang="en-GB" sz="4800" dirty="0" err="1">
+                <a:solidFill>
+                  <a:schemeClr val="bg1"/>
+                </a:solidFill>
+              </a:rPr>
+              <a:t>ev'ry</a:t>
+            </a:r>
+            <a:r>
+              <a:rPr lang="en-GB" sz="4800" dirty="0">
+                <a:solidFill>
+                  <a:schemeClr val="bg1"/>
+                </a:solidFill>
+              </a:rPr>
+              <a:t> stronghold</a:t>
+            </a:r>
+          </a:p>
+          <a:p>
+            <a:r>
+              <a:rPr lang="en-GB" sz="4800" dirty="0">
+                <a:solidFill>
+                  <a:schemeClr val="bg1"/>
+                </a:solidFill>
+              </a:rPr>
+              <a:t>Shine through the shadows</a:t>
+            </a:r>
+          </a:p>
+          <a:p>
+            <a:r>
+              <a:rPr lang="en-GB" sz="4800" dirty="0">
+                <a:solidFill>
+                  <a:schemeClr val="bg1"/>
+                </a:solidFill>
+              </a:rPr>
+              <a:t>Burn like a fire</a:t>
+            </a:r>
+          </a:p>
+        </p:txBody>
+      </p:sp>
+      <p:sp>
+        <p:nvSpPr>
+          <p:cNvPr id="4" name="TextBox 3"/>
+          <p:cNvSpPr txBox="1"/>
+          <p:nvPr/>
+        </p:nvSpPr>
+        <p:spPr>
+          <a:xfrm>
+            <a:off x="8529729" y="0"/>
+            <a:ext cx="628698" cy="461665"/>
+          </a:xfrm>
+          <a:prstGeom prst="rect">
+            <a:avLst/>
+          </a:prstGeom>
+          <a:noFill/>
+        </p:spPr>
+        <p:txBody>
+          <a:bodyPr wrap="none" rtlCol="0">
+            <a:spAutoFit/>
+          </a:bodyPr>
+          <a:lstStyle/>
+          <a:p>
+            <a:r>
+              <a:rPr lang="en-GB" sz="2400" b="1" dirty="0">
+                <a:solidFill>
+                  <a:schemeClr val="bg1"/>
+                </a:solidFill>
+              </a:rPr>
+              <a:t>3/5</a:t>
+            </a:r>
+          </a:p>
+        </p:txBody>
+      </p:sp>
+    </p:spTree>
+    <p:extLst>
+      <p:ext uri="{BB962C8B-B14F-4D97-AF65-F5344CB8AC3E}">
+        <p14:creationId xmlns:p14="http://schemas.microsoft.com/office/powerpoint/2010/main" val="627538512"/>
+      </p:ext>
+    </p:extLst>
+  </p:cSld>
+  <p:clrMapOvr>
+    <a:masterClrMapping/>
+  </p:clrMapOvr>
+</p:sld>
+</file>
+
+<file path=ppt/slides/slide37.xml><?xml version="1.0" encoding="utf-8"?>
+<p:sld xmlns:a="http://schemas.openxmlformats.org/drawingml/2006/main" xmlns:r="http://schemas.openxmlformats.org/officeDocument/2006/relationships" xmlns:p="http://schemas.openxmlformats.org/presentationml/2006/main">
+  <p:cSld>
+    <p:spTree>
+      <p:nvGrpSpPr>
+        <p:cNvPr id="1" name=""/>
+        <p:cNvGrpSpPr/>
+        <p:nvPr/>
+      </p:nvGrpSpPr>
+      <p:grpSpPr>
+        <a:xfrm>
+          <a:off x="0" y="0"/>
+          <a:ext cx="0" cy="0"/>
+          <a:chOff x="0" y="0"/>
+          <a:chExt cx="0" cy="0"/>
+        </a:xfrm>
+      </p:grpSpPr>
+      <p:sp>
+        <p:nvSpPr>
+          <p:cNvPr id="3" name="Subtitle 2"/>
+          <p:cNvSpPr>
+            <a:spLocks noGrp="1"/>
+          </p:cNvSpPr>
+          <p:nvPr>
+            <p:ph type="subTitle" idx="1"/>
+          </p:nvPr>
+        </p:nvSpPr>
+        <p:spPr>
+          <a:xfrm>
+            <a:off x="323528" y="188640"/>
+            <a:ext cx="8640960" cy="6480720"/>
+          </a:xfrm>
+        </p:spPr>
+        <p:txBody>
+          <a:bodyPr>
+            <a:noAutofit/>
+          </a:bodyPr>
+          <a:lstStyle/>
+          <a:p>
+            <a:r>
               <a:rPr lang="en-GB" sz="4600" dirty="0">
                 <a:solidFill>
                   <a:schemeClr val="bg1"/>
@@ -7651,7 +8656,7 @@
 </p:sld>
 </file>
 
-<file path=ppt/slides/slide33.xml><?xml version="1.0" encoding="utf-8"?>
+<file path=ppt/slides/slide38.xml><?xml version="1.0" encoding="utf-8"?>
 <p:sld xmlns:a="http://schemas.openxmlformats.org/drawingml/2006/main" xmlns:r="http://schemas.openxmlformats.org/officeDocument/2006/relationships" xmlns:p="http://schemas.openxmlformats.org/presentationml/2006/main">
   <p:cSld>
     <p:spTree>
@@ -8521,6 +9526,38 @@
 <file path=ppt/slides/slide9.xml><?xml version="1.0" encoding="utf-8"?>
 <p:sld xmlns:a="http://schemas.openxmlformats.org/drawingml/2006/main" xmlns:r="http://schemas.openxmlformats.org/officeDocument/2006/relationships" xmlns:p="http://schemas.openxmlformats.org/presentationml/2006/main">
   <p:cSld>
+    <p:bg>
+      <p:bgPr>
+        <a:gradFill rotWithShape="1">
+          <a:gsLst>
+            <a:gs pos="0">
+              <a:schemeClr val="bg1">
+                <a:tint val="93000"/>
+                <a:satMod val="150000"/>
+                <a:shade val="98000"/>
+                <a:lumMod val="102000"/>
+              </a:schemeClr>
+            </a:gs>
+            <a:gs pos="50000">
+              <a:schemeClr val="bg1">
+                <a:tint val="98000"/>
+                <a:satMod val="130000"/>
+                <a:shade val="90000"/>
+                <a:lumMod val="103000"/>
+              </a:schemeClr>
+            </a:gs>
+            <a:gs pos="100000">
+              <a:schemeClr val="bg1">
+                <a:shade val="63000"/>
+                <a:satMod val="120000"/>
+              </a:schemeClr>
+            </a:gs>
+          </a:gsLst>
+          <a:lin ang="5400000" scaled="0"/>
+        </a:gradFill>
+        <a:effectLst/>
+      </p:bgPr>
+    </p:bg>
     <p:spTree>
       <p:nvGrpSpPr>
         <p:cNvPr id="1" name=""/>
@@ -8535,215 +9572,230 @@
           <a:chExt cx="0" cy="0"/>
         </a:xfrm>
       </p:grpSpPr>
-      <p:sp>
-        <p:nvSpPr>
-          <p:cNvPr id="3" name="Subtitle 2"/>
-          <p:cNvSpPr>
-            <a:spLocks noGrp="1"/>
-          </p:cNvSpPr>
-          <p:nvPr>
-            <p:ph type="subTitle" idx="1"/>
+      <p:sp useBgFill="1">
+        <p:nvSpPr>
+          <p:cNvPr id="9" name="Rectangle 8">
+            <a:extLst>
+              <a:ext uri="{FF2B5EF4-FFF2-40B4-BE49-F238E27FC236}">
+                <a16:creationId xmlns:a16="http://schemas.microsoft.com/office/drawing/2014/main" id="{A2509F26-B5DC-4BA7-B476-4CB044237A2E}"/>
+              </a:ext>
+              <a:ext uri="{C183D7F6-B498-43B3-948B-1728B52AA6E4}">
+                <adec:decorative xmlns:adec="http://schemas.microsoft.com/office/drawing/2017/decorative" val="1"/>
+              </a:ext>
+            </a:extLst>
+          </p:cNvPr>
+          <p:cNvSpPr>
+            <a:spLocks noGrp="1" noRot="1" noChangeAspect="1" noMove="1" noResize="1" noEditPoints="1" noAdjustHandles="1" noChangeArrowheads="1" noChangeShapeType="1" noTextEdit="1"/>
+          </p:cNvSpPr>
+          <p:nvPr>
+            <p:extLst>
+              <p:ext uri="{386F3935-93C4-4BCD-93E2-E3B085C9AB24}">
+                <p16:designElem xmlns:p16="http://schemas.microsoft.com/office/powerpoint/2015/main" val="1"/>
+              </p:ext>
+            </p:extLst>
           </p:nvPr>
         </p:nvSpPr>
         <p:spPr>
           <a:xfrm>
-            <a:off x="323528" y="188640"/>
-            <a:ext cx="8640960" cy="6480720"/>
+            <a:off x="0" y="0"/>
+            <a:ext cx="9144000" cy="6858000"/>
           </a:xfrm>
+          <a:prstGeom prst="rect">
+            <a:avLst/>
+          </a:prstGeom>
+          <a:ln>
+            <a:noFill/>
+          </a:ln>
         </p:spPr>
-        <p:txBody>
-          <a:bodyPr>
-            <a:noAutofit/>
-          </a:bodyPr>
-          <a:lstStyle/>
-          <a:p>
-            <a:endParaRPr lang="en-GB" sz="5400" dirty="0">
+        <p:style>
+          <a:lnRef idx="2">
+            <a:schemeClr val="accent1">
+              <a:shade val="50000"/>
+            </a:schemeClr>
+          </a:lnRef>
+          <a:fillRef idx="1">
+            <a:schemeClr val="accent1"/>
+          </a:fillRef>
+          <a:effectRef idx="0">
+            <a:schemeClr val="accent1"/>
+          </a:effectRef>
+          <a:fontRef idx="minor">
+            <a:schemeClr val="lt1"/>
+          </a:fontRef>
+        </p:style>
+        <p:txBody>
+          <a:bodyPr rtlCol="0" anchor="ctr"/>
+          <a:lstStyle/>
+          <a:p>
+            <a:pPr marL="0" marR="0" lvl="0" indent="0" algn="ctr" defTabSz="457200" rtl="0" eaLnBrk="1" fontAlgn="auto" latinLnBrk="0" hangingPunct="1">
+              <a:lnSpc>
+                <a:spcPct val="100000"/>
+              </a:lnSpc>
+              <a:spcBef>
+                <a:spcPts val="0"/>
+              </a:spcBef>
+              <a:spcAft>
+                <a:spcPts val="0"/>
+              </a:spcAft>
+              <a:buClrTx/>
+              <a:buSzTx/>
+              <a:buFontTx/>
+              <a:buNone/>
+              <a:tabLst/>
+              <a:defRPr/>
+            </a:pPr>
+            <a:endParaRPr kumimoji="0" lang="en-US" sz="1800" b="0" i="0" u="none" strike="noStrike" kern="1200" cap="none" spc="0" normalizeH="0" baseline="0" noProof="0">
+              <a:ln>
+                <a:noFill/>
+              </a:ln>
               <a:solidFill>
-                <a:schemeClr val="bg1"/>
+                <a:prstClr val="white"/>
               </a:solidFill>
+              <a:effectLst/>
+              <a:uLnTx/>
+              <a:uFillTx/>
+              <a:latin typeface="Impact" panose="020B0806030902050204"/>
+              <a:ea typeface="+mn-ea"/>
+              <a:cs typeface="+mn-cs"/>
             </a:endParaRPr>
           </a:p>
-          <a:p>
-            <a:r>
-              <a:rPr lang="en-GB" sz="6600" b="0" i="0" dirty="0">
-                <a:solidFill>
-                  <a:srgbClr val="00A3E0"/>
-                </a:solidFill>
-                <a:effectLst/>
-                <a:latin typeface="akagi_probook"/>
-              </a:rPr>
-              <a:t>Firm Foundation </a:t>
-            </a:r>
-            <a:br>
-              <a:rPr lang="en-GB" sz="6600" b="0" i="0" dirty="0">
-                <a:solidFill>
-                  <a:srgbClr val="00A3E0"/>
-                </a:solidFill>
-                <a:effectLst/>
-                <a:latin typeface="akagi_probook"/>
-              </a:rPr>
-            </a:br>
-            <a:r>
-              <a:rPr lang="en-GB" sz="6600" b="0" i="0" dirty="0">
-                <a:solidFill>
-                  <a:srgbClr val="00A3E0"/>
-                </a:solidFill>
-                <a:effectLst/>
-                <a:latin typeface="akagi_probook"/>
-              </a:rPr>
-              <a:t>(He Won't)</a:t>
-            </a:r>
-          </a:p>
-          <a:p>
-            <a:br>
-              <a:rPr lang="en-GB" sz="1200" dirty="0">
-                <a:solidFill>
-                  <a:schemeClr val="bg1"/>
-                </a:solidFill>
-              </a:rPr>
-            </a:br>
-            <a:r>
-              <a:rPr lang="en-GB" sz="1200" dirty="0">
-                <a:solidFill>
-                  <a:schemeClr val="bg1"/>
-                </a:solidFill>
-              </a:rPr>
-              <a:t>CCLI Song # 7188203</a:t>
-            </a:r>
-          </a:p>
-          <a:p>
-            <a:endParaRPr lang="en-GB" sz="1200" dirty="0">
+        </p:txBody>
+      </p:sp>
+      <p:sp>
+        <p:nvSpPr>
+          <p:cNvPr id="11" name="Rectangle 10">
+            <a:extLst>
+              <a:ext uri="{FF2B5EF4-FFF2-40B4-BE49-F238E27FC236}">
+                <a16:creationId xmlns:a16="http://schemas.microsoft.com/office/drawing/2014/main" id="{DB103EB1-B135-4526-B883-33228FC27FF1}"/>
+              </a:ext>
+              <a:ext uri="{C183D7F6-B498-43B3-948B-1728B52AA6E4}">
+                <adec:decorative xmlns:adec="http://schemas.microsoft.com/office/drawing/2017/decorative" val="1"/>
+              </a:ext>
+            </a:extLst>
+          </p:cNvPr>
+          <p:cNvSpPr>
+            <a:spLocks noGrp="1" noRot="1" noChangeAspect="1" noMove="1" noResize="1" noEditPoints="1" noAdjustHandles="1" noChangeArrowheads="1" noChangeShapeType="1" noTextEdit="1"/>
+          </p:cNvSpPr>
+          <p:nvPr>
+            <p:extLst>
+              <p:ext uri="{386F3935-93C4-4BCD-93E2-E3B085C9AB24}">
+                <p16:designElem xmlns:p16="http://schemas.microsoft.com/office/powerpoint/2015/main" val="1"/>
+              </p:ext>
+            </p:extLst>
+          </p:nvPr>
+        </p:nvSpPr>
+        <p:spPr>
+          <a:xfrm rot="21480000">
+            <a:off x="611505" y="683404"/>
+            <a:ext cx="7920990" cy="5404104"/>
+          </a:xfrm>
+          <a:prstGeom prst="rect">
+            <a:avLst/>
+          </a:prstGeom>
+          <a:solidFill>
+            <a:srgbClr val="FFFFFF"/>
+          </a:solidFill>
+          <a:ln w="3175" cap="sq" cmpd="thinThick">
+            <a:solidFill>
+              <a:srgbClr val="DDDDDD"/>
+            </a:solidFill>
+            <a:miter lim="800000"/>
+          </a:ln>
+          <a:effectLst>
+            <a:outerShdw blurRad="266700" dist="114300" dir="2700000" algn="tl" rotWithShape="0">
+              <a:prstClr val="black">
+                <a:alpha val="40000"/>
+              </a:prstClr>
+            </a:outerShdw>
+          </a:effectLst>
+        </p:spPr>
+        <p:style>
+          <a:lnRef idx="2">
+            <a:schemeClr val="accent1">
+              <a:shade val="50000"/>
+            </a:schemeClr>
+          </a:lnRef>
+          <a:fillRef idx="1">
+            <a:schemeClr val="accent1"/>
+          </a:fillRef>
+          <a:effectRef idx="0">
+            <a:schemeClr val="accent1"/>
+          </a:effectRef>
+          <a:fontRef idx="minor">
+            <a:schemeClr val="lt1"/>
+          </a:fontRef>
+        </p:style>
+        <p:txBody>
+          <a:bodyPr rtlCol="0" anchor="ctr"/>
+          <a:lstStyle/>
+          <a:p>
+            <a:pPr marL="0" marR="0" lvl="0" indent="0" algn="ctr" defTabSz="457200" rtl="0" eaLnBrk="1" fontAlgn="auto" latinLnBrk="0" hangingPunct="1">
+              <a:lnSpc>
+                <a:spcPct val="100000"/>
+              </a:lnSpc>
+              <a:spcBef>
+                <a:spcPts val="0"/>
+              </a:spcBef>
+              <a:spcAft>
+                <a:spcPts val="0"/>
+              </a:spcAft>
+              <a:buClrTx/>
+              <a:buSzTx/>
+              <a:buFontTx/>
+              <a:buNone/>
+              <a:tabLst/>
+              <a:defRPr/>
+            </a:pPr>
+            <a:endParaRPr kumimoji="0" lang="en-US" sz="1800" b="0" i="0" u="none" strike="noStrike" kern="1200" cap="none" spc="0" normalizeH="0" baseline="0" noProof="0">
+              <a:ln>
+                <a:noFill/>
+              </a:ln>
               <a:solidFill>
-                <a:schemeClr val="bg1"/>
+                <a:prstClr val="white"/>
               </a:solidFill>
+              <a:effectLst/>
+              <a:uLnTx/>
+              <a:uFillTx/>
+              <a:latin typeface="Impact" panose="020B0806030902050204"/>
+              <a:ea typeface="+mn-ea"/>
+              <a:cs typeface="+mn-cs"/>
             </a:endParaRPr>
           </a:p>
-          <a:p>
-            <a:r>
-              <a:rPr lang="en-GB" sz="1200" dirty="0">
-                <a:solidFill>
-                  <a:schemeClr val="bg1"/>
-                </a:solidFill>
-              </a:rPr>
-              <a:t>Austin Davis | Chandler Moore | Cody Carnes</a:t>
-            </a:r>
-          </a:p>
-          <a:p>
-            <a:endParaRPr lang="en-GB" sz="1200" dirty="0">
-              <a:solidFill>
-                <a:schemeClr val="bg1"/>
-              </a:solidFill>
-            </a:endParaRPr>
-          </a:p>
-          <a:p>
-            <a:r>
-              <a:rPr lang="en-GB" sz="1200" dirty="0">
-                <a:solidFill>
-                  <a:schemeClr val="bg1"/>
-                </a:solidFill>
-              </a:rPr>
-              <a:t>© 2021 For Humans Publishing (Admin by Essential Music Publishing)</a:t>
-            </a:r>
-          </a:p>
-          <a:p>
-            <a:r>
-              <a:rPr lang="en-GB" sz="1200" dirty="0">
-                <a:solidFill>
-                  <a:schemeClr val="bg1"/>
-                </a:solidFill>
-              </a:rPr>
-              <a:t>Maverick City Publishing (Admin by Essential Music Publishing)</a:t>
-            </a:r>
-          </a:p>
-          <a:p>
-            <a:r>
-              <a:rPr lang="en-GB" sz="1200" dirty="0">
-                <a:solidFill>
-                  <a:schemeClr val="bg1"/>
-                </a:solidFill>
-              </a:rPr>
-              <a:t>Capitol CMG Paragon (Admin. by Capitol CMG Publishing)</a:t>
-            </a:r>
-          </a:p>
-          <a:p>
-            <a:r>
-              <a:rPr lang="en-GB" sz="1200" dirty="0">
-                <a:solidFill>
-                  <a:schemeClr val="bg1"/>
-                </a:solidFill>
-              </a:rPr>
-              <a:t>TBCO Publishing (Admin. by Capitol CMG Publishing)</a:t>
-            </a:r>
-          </a:p>
-          <a:p>
-            <a:r>
-              <a:rPr lang="en-GB" sz="1200" dirty="0">
-                <a:solidFill>
-                  <a:schemeClr val="bg1"/>
-                </a:solidFill>
-              </a:rPr>
-              <a:t>Writer's Roof Publishing (Admin. by Capitol CMG Publishing)</a:t>
-            </a:r>
-          </a:p>
-          <a:p>
-            <a:r>
-              <a:rPr lang="en-GB" sz="1200" dirty="0">
-                <a:solidFill>
-                  <a:schemeClr val="bg1"/>
-                </a:solidFill>
-              </a:rPr>
-              <a:t>A.L.K.D. Music (Admin. by Watershed Music Group (Admin. by Capitol CMG Publishing))</a:t>
-            </a:r>
-          </a:p>
-          <a:p>
-            <a:r>
-              <a:rPr lang="en-GB" sz="1200" dirty="0">
-                <a:solidFill>
-                  <a:schemeClr val="bg1"/>
-                </a:solidFill>
-              </a:rPr>
-              <a:t>For use solely with the </a:t>
-            </a:r>
-            <a:r>
-              <a:rPr lang="en-GB" sz="1200" dirty="0" err="1">
-                <a:solidFill>
-                  <a:schemeClr val="bg1"/>
-                </a:solidFill>
-              </a:rPr>
-              <a:t>SongSelect</a:t>
-            </a:r>
-            <a:r>
-              <a:rPr lang="en-GB" sz="1200" dirty="0">
-                <a:solidFill>
-                  <a:schemeClr val="bg1"/>
-                </a:solidFill>
-              </a:rPr>
-              <a:t>® Terms of Use. All rights reserved. www.ccli.com</a:t>
-            </a:r>
-          </a:p>
-          <a:p>
-            <a:endParaRPr lang="en-GB" sz="1200" dirty="0">
-              <a:solidFill>
-                <a:schemeClr val="bg1"/>
-              </a:solidFill>
-            </a:endParaRPr>
-          </a:p>
-          <a:p>
-            <a:r>
-              <a:rPr lang="en-GB" sz="1200" dirty="0">
-                <a:solidFill>
-                  <a:schemeClr val="bg1"/>
-                </a:solidFill>
-              </a:rPr>
-              <a:t>CCLI Licence No. 33265</a:t>
-            </a:r>
-          </a:p>
-        </p:txBody>
-      </p:sp>
+        </p:txBody>
+      </p:sp>
+      <p:pic>
+        <p:nvPicPr>
+          <p:cNvPr id="4" name="Picture 3" descr="A hand holding a sign&#10;&#10;Description automatically generated with medium confidence">
+            <a:extLst>
+              <a:ext uri="{FF2B5EF4-FFF2-40B4-BE49-F238E27FC236}">
+                <a16:creationId xmlns:a16="http://schemas.microsoft.com/office/drawing/2014/main" id="{648E1129-6133-E1BC-9E0C-F6A65632DE22}"/>
+              </a:ext>
+            </a:extLst>
+          </p:cNvPr>
+          <p:cNvPicPr>
+            <a:picLocks noChangeAspect="1"/>
+          </p:cNvPicPr>
+          <p:nvPr/>
+        </p:nvPicPr>
+        <p:blipFill rotWithShape="1">
+          <a:blip r:embed="rId2"/>
+          <a:srcRect l="7270" r="5704"/>
+          <a:stretch/>
+        </p:blipFill>
+        <p:spPr>
+          <a:xfrm rot="21480000">
+            <a:off x="853377" y="1003258"/>
+            <a:ext cx="7437246" cy="4764396"/>
+          </a:xfrm>
+          <a:prstGeom prst="rect">
+            <a:avLst/>
+          </a:prstGeom>
+        </p:spPr>
+      </p:pic>
     </p:spTree>
     <p:extLst>
       <p:ext uri="{BB962C8B-B14F-4D97-AF65-F5344CB8AC3E}">
-        <p14:creationId xmlns:p14="http://schemas.microsoft.com/office/powerpoint/2010/main" val="1141057996"/>
+        <p14:creationId xmlns:p14="http://schemas.microsoft.com/office/powerpoint/2010/main" val="1753305648"/>
       </p:ext>
     </p:extLst>
   </p:cSld>
